--- a/ВКР/ВКР.pptx
+++ b/ВКР/ВКР.pptx
@@ -123,7 +123,7 @@
   </p:defaultTextStyle>
   <p:extLst>
     <p:ext uri="{EFAFB233-063F-42B5-8137-9DF3F51BA10A}">
-      <p15:sldGuideLst xmlns:p15="http://schemas.microsoft.com/office/powerpoint/2012/main">
+      <p15:sldGuideLst xmlns:p15="http://schemas.microsoft.com/office/powerpoint/2012/main" xmlns="">
         <p15:guide id="1" orient="horz" pos="2160">
           <p15:clr>
             <a:srgbClr val="A4A3A4"/>
@@ -137,7 +137,7 @@
       </p15:sldGuideLst>
     </p:ext>
     <p:ext uri="{2D200454-40CA-4A62-9FC3-DE9A4176ACB9}">
-      <p15:notesGuideLst xmlns:p15="http://schemas.microsoft.com/office/powerpoint/2012/main"/>
+      <p15:notesGuideLst xmlns:p15="http://schemas.microsoft.com/office/powerpoint/2012/main" xmlns=""/>
     </p:ext>
   </p:extLst>
 </p:presentation>
@@ -6250,6 +6250,13 @@
   <p:clrMapOvr>
     <a:masterClrMapping/>
   </p:clrMapOvr>
+  <p:timing>
+    <p:tnLst>
+      <p:par>
+        <p:cTn id="1" dur="indefinite" restart="never" nodeType="tmRoot"/>
+      </p:par>
+    </p:tnLst>
+  </p:timing>
 </p:sld>
 </file>
 
@@ -6275,7 +6282,7 @@
           <p:cNvPr id="2" name="Номер слайда 1">
             <a:extLst>
               <a:ext uri="{FF2B5EF4-FFF2-40B4-BE49-F238E27FC236}">
-                <a16:creationId xmlns:a16="http://schemas.microsoft.com/office/drawing/2014/main" id="{E3659B3C-A890-4763-8AC1-9603751F926E}"/>
+                <a16:creationId xmlns:a16="http://schemas.microsoft.com/office/drawing/2014/main" xmlns="" id="{E3659B3C-A890-4763-8AC1-9603751F926E}"/>
               </a:ext>
             </a:extLst>
           </p:cNvPr>
@@ -6305,7 +6312,7 @@
           <p:cNvPr id="3" name="Заголовок 2">
             <a:extLst>
               <a:ext uri="{FF2B5EF4-FFF2-40B4-BE49-F238E27FC236}">
-                <a16:creationId xmlns:a16="http://schemas.microsoft.com/office/drawing/2014/main" id="{D89CF2A5-0F9C-435B-A6C1-B7A4520DDAAE}"/>
+                <a16:creationId xmlns:a16="http://schemas.microsoft.com/office/drawing/2014/main" xmlns="" id="{D89CF2A5-0F9C-435B-A6C1-B7A4520DDAAE}"/>
               </a:ext>
             </a:extLst>
           </p:cNvPr>
@@ -6333,7 +6340,7 @@
           <p:cNvPr id="4" name="Текст 3">
             <a:extLst>
               <a:ext uri="{FF2B5EF4-FFF2-40B4-BE49-F238E27FC236}">
-                <a16:creationId xmlns:a16="http://schemas.microsoft.com/office/drawing/2014/main" id="{77F69E4B-4457-4D76-8D84-776CA9CC8EF1}"/>
+                <a16:creationId xmlns:a16="http://schemas.microsoft.com/office/drawing/2014/main" xmlns="" id="{77F69E4B-4457-4D76-8D84-776CA9CC8EF1}"/>
               </a:ext>
             </a:extLst>
           </p:cNvPr>
@@ -6358,7 +6365,7 @@
           <p:cNvPr id="5" name="Рисунок 4">
             <a:extLst>
               <a:ext uri="{FF2B5EF4-FFF2-40B4-BE49-F238E27FC236}">
-                <a16:creationId xmlns:a16="http://schemas.microsoft.com/office/drawing/2014/main" id="{63B88A9D-DE95-40F4-B7E7-636DBFFA51CA}"/>
+                <a16:creationId xmlns:a16="http://schemas.microsoft.com/office/drawing/2014/main" xmlns="" id="{63B88A9D-DE95-40F4-B7E7-636DBFFA51CA}"/>
               </a:ext>
             </a:extLst>
           </p:cNvPr>
@@ -6366,7 +6373,7 @@
           <p:nvPr/>
         </p:nvPicPr>
         <p:blipFill>
-          <a:blip r:embed="rId2">
+          <a:blip r:embed="rId2" cstate="print">
             <a:extLst>
               <a:ext uri="{28A0092B-C50C-407E-A947-70E740481C1C}">
                 <a14:useLocalDpi xmlns:a14="http://schemas.microsoft.com/office/drawing/2010/main" val="0"/>
@@ -6397,7 +6404,7 @@
           <p:cNvPr id="6" name="Рисунок 5">
             <a:extLst>
               <a:ext uri="{FF2B5EF4-FFF2-40B4-BE49-F238E27FC236}">
-                <a16:creationId xmlns:a16="http://schemas.microsoft.com/office/drawing/2014/main" id="{AD088BE8-BE12-4B78-BFEC-CA7F9340F6B7}"/>
+                <a16:creationId xmlns:a16="http://schemas.microsoft.com/office/drawing/2014/main" xmlns="" id="{AD088BE8-BE12-4B78-BFEC-CA7F9340F6B7}"/>
               </a:ext>
             </a:extLst>
           </p:cNvPr>
@@ -6425,7 +6432,7 @@
           <p:cNvPr id="7" name="Рисунок 6">
             <a:extLst>
               <a:ext uri="{FF2B5EF4-FFF2-40B4-BE49-F238E27FC236}">
-                <a16:creationId xmlns:a16="http://schemas.microsoft.com/office/drawing/2014/main" id="{D088B63B-26CA-4919-B502-11A522F50140}"/>
+                <a16:creationId xmlns:a16="http://schemas.microsoft.com/office/drawing/2014/main" xmlns="" id="{D088B63B-26CA-4919-B502-11A522F50140}"/>
               </a:ext>
             </a:extLst>
           </p:cNvPr>
@@ -6494,7 +6501,7 @@
           <p:cNvPr id="2" name="Номер слайда 1">
             <a:extLst>
               <a:ext uri="{FF2B5EF4-FFF2-40B4-BE49-F238E27FC236}">
-                <a16:creationId xmlns:a16="http://schemas.microsoft.com/office/drawing/2014/main" id="{B9EF4480-FFF6-4022-8981-6EA812DD27AC}"/>
+                <a16:creationId xmlns:a16="http://schemas.microsoft.com/office/drawing/2014/main" xmlns="" id="{B9EF4480-FFF6-4022-8981-6EA812DD27AC}"/>
               </a:ext>
             </a:extLst>
           </p:cNvPr>
@@ -6524,7 +6531,7 @@
           <p:cNvPr id="3" name="Заголовок 2">
             <a:extLst>
               <a:ext uri="{FF2B5EF4-FFF2-40B4-BE49-F238E27FC236}">
-                <a16:creationId xmlns:a16="http://schemas.microsoft.com/office/drawing/2014/main" id="{3F43DC89-D1A1-4A4E-90C9-C84B1864EC06}"/>
+                <a16:creationId xmlns:a16="http://schemas.microsoft.com/office/drawing/2014/main" xmlns="" id="{3F43DC89-D1A1-4A4E-90C9-C84B1864EC06}"/>
               </a:ext>
             </a:extLst>
           </p:cNvPr>
@@ -6544,38 +6551,6 @@
               <a:rPr lang="ru-RU" dirty="0"/>
               <a:t>Результаты</a:t>
             </a:r>
-          </a:p>
-        </p:txBody>
-      </p:sp>
-      <p:sp>
-        <p:nvSpPr>
-          <p:cNvPr id="4" name="Текст 3">
-            <a:extLst>
-              <a:ext uri="{FF2B5EF4-FFF2-40B4-BE49-F238E27FC236}">
-                <a16:creationId xmlns:a16="http://schemas.microsoft.com/office/drawing/2014/main" id="{573D7F6D-73D0-43C6-87FE-143436A4B1BF}"/>
-              </a:ext>
-            </a:extLst>
-          </p:cNvPr>
-          <p:cNvSpPr>
-            <a:spLocks noGrp="1"/>
-          </p:cNvSpPr>
-          <p:nvPr>
-            <p:ph type="body" sz="quarter" idx="12"/>
-          </p:nvPr>
-        </p:nvSpPr>
-        <p:spPr>
-          <a:xfrm>
-            <a:off x="3264786" y="6301229"/>
-            <a:ext cx="2428648" cy="174297"/>
-          </a:xfrm>
-        </p:spPr>
-        <p:txBody>
-          <a:bodyPr>
-            <a:normAutofit fontScale="40000" lnSpcReduction="20000"/>
-          </a:bodyPr>
-          <a:lstStyle/>
-          <a:p>
-            <a:endParaRPr lang="ru-RU" dirty="0"/>
           </a:p>
         </p:txBody>
       </p:sp>
@@ -6584,7 +6559,7 @@
           <p:cNvPr id="5" name="Picture 2" descr="Сервоконтроллер рулевой рейки">
             <a:extLst>
               <a:ext uri="{FF2B5EF4-FFF2-40B4-BE49-F238E27FC236}">
-                <a16:creationId xmlns:a16="http://schemas.microsoft.com/office/drawing/2014/main" id="{AA70E385-478B-40AF-B217-83BB515A0673}"/>
+                <a16:creationId xmlns:a16="http://schemas.microsoft.com/office/drawing/2014/main" xmlns="" id="{AA70E385-478B-40AF-B217-83BB515A0673}"/>
               </a:ext>
             </a:extLst>
           </p:cNvPr>
@@ -6594,7 +6569,7 @@
           <p:nvPr/>
         </p:nvPicPr>
         <p:blipFill>
-          <a:blip r:embed="rId2">
+          <a:blip r:embed="rId2" cstate="print">
             <a:extLst>
               <a:ext uri="{28A0092B-C50C-407E-A947-70E740481C1C}">
                 <a14:useLocalDpi xmlns:a14="http://schemas.microsoft.com/office/drawing/2010/main" val="0"/>
@@ -6631,7 +6606,7 @@
           <p:cNvPr id="6" name="Picture 4" descr="BURR-30-С">
             <a:extLst>
               <a:ext uri="{FF2B5EF4-FFF2-40B4-BE49-F238E27FC236}">
-                <a16:creationId xmlns:a16="http://schemas.microsoft.com/office/drawing/2014/main" id="{B6BB4025-BEC7-4919-8BDE-8614CC9969DA}"/>
+                <a16:creationId xmlns:a16="http://schemas.microsoft.com/office/drawing/2014/main" xmlns="" id="{B6BB4025-BEC7-4919-8BDE-8614CC9969DA}"/>
               </a:ext>
             </a:extLst>
           </p:cNvPr>
@@ -6641,7 +6616,7 @@
           <p:nvPr/>
         </p:nvPicPr>
         <p:blipFill>
-          <a:blip r:embed="rId3" cstate="hqprint">
+          <a:blip r:embed="rId3" cstate="print">
             <a:extLst>
               <a:ext uri="{28A0092B-C50C-407E-A947-70E740481C1C}">
                 <a14:useLocalDpi xmlns:a14="http://schemas.microsoft.com/office/drawing/2010/main" val="0"/>
@@ -6678,7 +6653,7 @@
           <p:cNvPr id="7" name="Рисунок 6">
             <a:extLst>
               <a:ext uri="{FF2B5EF4-FFF2-40B4-BE49-F238E27FC236}">
-                <a16:creationId xmlns:a16="http://schemas.microsoft.com/office/drawing/2014/main" id="{B27CBF68-004C-4571-802E-793FFD58DEE2}"/>
+                <a16:creationId xmlns:a16="http://schemas.microsoft.com/office/drawing/2014/main" xmlns="" id="{B27CBF68-004C-4571-802E-793FFD58DEE2}"/>
               </a:ext>
             </a:extLst>
           </p:cNvPr>
@@ -6708,7 +6683,7 @@
           <p:cNvPr id="8" name="Picture 8">
             <a:extLst>
               <a:ext uri="{FF2B5EF4-FFF2-40B4-BE49-F238E27FC236}">
-                <a16:creationId xmlns:a16="http://schemas.microsoft.com/office/drawing/2014/main" id="{23D99B0B-2553-4CD6-AADC-86A18220F107}"/>
+                <a16:creationId xmlns:a16="http://schemas.microsoft.com/office/drawing/2014/main" xmlns="" id="{23D99B0B-2553-4CD6-AADC-86A18220F107}"/>
               </a:ext>
             </a:extLst>
           </p:cNvPr>
@@ -6718,7 +6693,7 @@
           <p:nvPr/>
         </p:nvPicPr>
         <p:blipFill>
-          <a:blip r:embed="rId5" cstate="hqprint">
+          <a:blip r:embed="rId5" cstate="print">
             <a:extLst>
               <a:ext uri="{28A0092B-C50C-407E-A947-70E740481C1C}">
                 <a14:useLocalDpi xmlns:a14="http://schemas.microsoft.com/office/drawing/2010/main" val="0"/>
@@ -6755,7 +6730,7 @@
           <p:cNvPr id="10242" name="Picture 2">
             <a:extLst>
               <a:ext uri="{FF2B5EF4-FFF2-40B4-BE49-F238E27FC236}">
-                <a16:creationId xmlns:a16="http://schemas.microsoft.com/office/drawing/2014/main" id="{C628EADF-1C0A-4BD5-8115-688F686C319D}"/>
+                <a16:creationId xmlns:a16="http://schemas.microsoft.com/office/drawing/2014/main" xmlns="" id="{C628EADF-1C0A-4BD5-8115-688F686C319D}"/>
               </a:ext>
             </a:extLst>
           </p:cNvPr>
@@ -6765,7 +6740,7 @@
           <p:nvPr/>
         </p:nvPicPr>
         <p:blipFill>
-          <a:blip r:embed="rId6" cstate="hqprint">
+          <a:blip r:embed="rId6" cstate="print">
             <a:extLst>
               <a:ext uri="{28A0092B-C50C-407E-A947-70E740481C1C}">
                 <a14:useLocalDpi xmlns:a14="http://schemas.microsoft.com/office/drawing/2010/main" val="0"/>
@@ -6991,7 +6966,7 @@
           <p:cNvPr id="2" name="Номер слайда 1">
             <a:extLst>
               <a:ext uri="{FF2B5EF4-FFF2-40B4-BE49-F238E27FC236}">
-                <a16:creationId xmlns:a16="http://schemas.microsoft.com/office/drawing/2014/main" id="{6098971D-5BA3-4105-A0EB-48E8CD086855}"/>
+                <a16:creationId xmlns:a16="http://schemas.microsoft.com/office/drawing/2014/main" xmlns="" id="{6098971D-5BA3-4105-A0EB-48E8CD086855}"/>
               </a:ext>
             </a:extLst>
           </p:cNvPr>
@@ -7021,7 +6996,7 @@
           <p:cNvPr id="3" name="Заголовок 2">
             <a:extLst>
               <a:ext uri="{FF2B5EF4-FFF2-40B4-BE49-F238E27FC236}">
-                <a16:creationId xmlns:a16="http://schemas.microsoft.com/office/drawing/2014/main" id="{07E66B6F-2F2E-4256-AAA1-A18CD71FE782}"/>
+                <a16:creationId xmlns:a16="http://schemas.microsoft.com/office/drawing/2014/main" xmlns="" id="{07E66B6F-2F2E-4256-AAA1-A18CD71FE782}"/>
               </a:ext>
             </a:extLst>
           </p:cNvPr>
@@ -7049,7 +7024,7 @@
           <p:cNvPr id="4" name="Текст 3">
             <a:extLst>
               <a:ext uri="{FF2B5EF4-FFF2-40B4-BE49-F238E27FC236}">
-                <a16:creationId xmlns:a16="http://schemas.microsoft.com/office/drawing/2014/main" id="{4D84527A-FE93-4BCB-AD6A-0764C6E5AF7B}"/>
+                <a16:creationId xmlns:a16="http://schemas.microsoft.com/office/drawing/2014/main" xmlns="" id="{4D84527A-FE93-4BCB-AD6A-0764C6E5AF7B}"/>
               </a:ext>
             </a:extLst>
           </p:cNvPr>
@@ -7118,7 +7093,7 @@
           <p:cNvPr id="9" name="TextBox 8">
             <a:extLst>
               <a:ext uri="{FF2B5EF4-FFF2-40B4-BE49-F238E27FC236}">
-                <a16:creationId xmlns:a16="http://schemas.microsoft.com/office/drawing/2014/main" id="{B52051B1-98D8-402D-A05B-CB88338D3FC0}"/>
+                <a16:creationId xmlns:a16="http://schemas.microsoft.com/office/drawing/2014/main" xmlns="" id="{B52051B1-98D8-402D-A05B-CB88338D3FC0}"/>
               </a:ext>
             </a:extLst>
           </p:cNvPr>
@@ -7163,6 +7138,13 @@
   <p:clrMapOvr>
     <a:masterClrMapping/>
   </p:clrMapOvr>
+  <p:timing>
+    <p:tnLst>
+      <p:par>
+        <p:cTn id="1" dur="indefinite" restart="never" nodeType="tmRoot"/>
+      </p:par>
+    </p:tnLst>
+  </p:timing>
 </p:sld>
 </file>
 
@@ -7188,7 +7170,7 @@
           <p:cNvPr id="3" name="Заголовок 2">
             <a:extLst>
               <a:ext uri="{FF2B5EF4-FFF2-40B4-BE49-F238E27FC236}">
-                <a16:creationId xmlns:a16="http://schemas.microsoft.com/office/drawing/2014/main" id="{65F70A3B-76F2-473F-8F79-B6A978BFCED5}"/>
+                <a16:creationId xmlns:a16="http://schemas.microsoft.com/office/drawing/2014/main" xmlns="" id="{65F70A3B-76F2-473F-8F79-B6A978BFCED5}"/>
               </a:ext>
             </a:extLst>
           </p:cNvPr>
@@ -7223,7 +7205,7 @@
           <p:cNvPr id="2" name="Номер слайда 1">
             <a:extLst>
               <a:ext uri="{FF2B5EF4-FFF2-40B4-BE49-F238E27FC236}">
-                <a16:creationId xmlns:a16="http://schemas.microsoft.com/office/drawing/2014/main" id="{0580F03E-E7BF-4128-BD87-EC8FA6495150}"/>
+                <a16:creationId xmlns:a16="http://schemas.microsoft.com/office/drawing/2014/main" xmlns="" id="{0580F03E-E7BF-4128-BD87-EC8FA6495150}"/>
               </a:ext>
             </a:extLst>
           </p:cNvPr>
@@ -7269,7 +7251,7 @@
           <p:cNvPr id="6" name="Таблица 5">
             <a:extLst>
               <a:ext uri="{FF2B5EF4-FFF2-40B4-BE49-F238E27FC236}">
-                <a16:creationId xmlns:a16="http://schemas.microsoft.com/office/drawing/2014/main" id="{FE2B6B68-9222-40BE-984A-9B7B99E56F18}"/>
+                <a16:creationId xmlns:a16="http://schemas.microsoft.com/office/drawing/2014/main" xmlns="" id="{FE2B6B68-9222-40BE-984A-9B7B99E56F18}"/>
               </a:ext>
             </a:extLst>
           </p:cNvPr>
@@ -7296,21 +7278,21 @@
                 <a:gridCol w="2586055">
                   <a:extLst>
                     <a:ext uri="{9D8B030D-6E8A-4147-A177-3AD203B41FA5}">
-                      <a16:colId xmlns:a16="http://schemas.microsoft.com/office/drawing/2014/main" val="3935573724"/>
+                      <a16:colId xmlns:a16="http://schemas.microsoft.com/office/drawing/2014/main" xmlns="" val="3935573724"/>
                     </a:ext>
                   </a:extLst>
                 </a:gridCol>
                 <a:gridCol w="2900325">
                   <a:extLst>
                     <a:ext uri="{9D8B030D-6E8A-4147-A177-3AD203B41FA5}">
-                      <a16:colId xmlns:a16="http://schemas.microsoft.com/office/drawing/2014/main" val="1280676488"/>
+                      <a16:colId xmlns:a16="http://schemas.microsoft.com/office/drawing/2014/main" xmlns="" val="1280676488"/>
                     </a:ext>
                   </a:extLst>
                 </a:gridCol>
                 <a:gridCol w="3586967">
                   <a:extLst>
                     <a:ext uri="{9D8B030D-6E8A-4147-A177-3AD203B41FA5}">
-                      <a16:colId xmlns:a16="http://schemas.microsoft.com/office/drawing/2014/main" val="3584821397"/>
+                      <a16:colId xmlns:a16="http://schemas.microsoft.com/office/drawing/2014/main" xmlns="" val="3584821397"/>
                     </a:ext>
                   </a:extLst>
                 </a:gridCol>
@@ -7531,7 +7513,7 @@
                 </a:tc>
                 <a:extLst>
                   <a:ext uri="{0D108BD9-81ED-4DB2-BD59-A6C34878D82A}">
-                    <a16:rowId xmlns:a16="http://schemas.microsoft.com/office/drawing/2014/main" val="590879686"/>
+                    <a16:rowId xmlns:a16="http://schemas.microsoft.com/office/drawing/2014/main" xmlns="" val="590879686"/>
                   </a:ext>
                 </a:extLst>
               </a:tr>
@@ -7825,7 +7807,7 @@
                 </a:tc>
                 <a:extLst>
                   <a:ext uri="{0D108BD9-81ED-4DB2-BD59-A6C34878D82A}">
-                    <a16:rowId xmlns:a16="http://schemas.microsoft.com/office/drawing/2014/main" val="2754747789"/>
+                    <a16:rowId xmlns:a16="http://schemas.microsoft.com/office/drawing/2014/main" xmlns="" val="2754747789"/>
                   </a:ext>
                 </a:extLst>
               </a:tr>
@@ -8054,7 +8036,7 @@
                 </a:tc>
                 <a:extLst>
                   <a:ext uri="{0D108BD9-81ED-4DB2-BD59-A6C34878D82A}">
-                    <a16:rowId xmlns:a16="http://schemas.microsoft.com/office/drawing/2014/main" val="106684801"/>
+                    <a16:rowId xmlns:a16="http://schemas.microsoft.com/office/drawing/2014/main" xmlns="" val="106684801"/>
                   </a:ext>
                 </a:extLst>
               </a:tr>
@@ -8361,7 +8343,7 @@
                 </a:tc>
                 <a:extLst>
                   <a:ext uri="{0D108BD9-81ED-4DB2-BD59-A6C34878D82A}">
-                    <a16:rowId xmlns:a16="http://schemas.microsoft.com/office/drawing/2014/main" val="3645791315"/>
+                    <a16:rowId xmlns:a16="http://schemas.microsoft.com/office/drawing/2014/main" xmlns="" val="3645791315"/>
                   </a:ext>
                 </a:extLst>
               </a:tr>
@@ -8590,7 +8572,7 @@
                 </a:tc>
                 <a:extLst>
                   <a:ext uri="{0D108BD9-81ED-4DB2-BD59-A6C34878D82A}">
-                    <a16:rowId xmlns:a16="http://schemas.microsoft.com/office/drawing/2014/main" val="4232353146"/>
+                    <a16:rowId xmlns:a16="http://schemas.microsoft.com/office/drawing/2014/main" xmlns="" val="4232353146"/>
                   </a:ext>
                 </a:extLst>
               </a:tr>
@@ -8603,7 +8585,7 @@
           <p:cNvPr id="9" name="TextBox 8">
             <a:extLst>
               <a:ext uri="{FF2B5EF4-FFF2-40B4-BE49-F238E27FC236}">
-                <a16:creationId xmlns:a16="http://schemas.microsoft.com/office/drawing/2014/main" id="{7C287909-9480-4FE7-9D30-F50C0E434808}"/>
+                <a16:creationId xmlns:a16="http://schemas.microsoft.com/office/drawing/2014/main" xmlns="" id="{7C287909-9480-4FE7-9D30-F50C0E434808}"/>
               </a:ext>
             </a:extLst>
           </p:cNvPr>
@@ -8817,6 +8799,13 @@
   <p:clrMapOvr>
     <a:masterClrMapping/>
   </p:clrMapOvr>
+  <p:timing>
+    <p:tnLst>
+      <p:par>
+        <p:cTn id="1" dur="indefinite" restart="never" nodeType="tmRoot"/>
+      </p:par>
+    </p:tnLst>
+  </p:timing>
 </p:sld>
 </file>
 
@@ -8842,7 +8831,7 @@
           <p:cNvPr id="2" name="Номер слайда 1">
             <a:extLst>
               <a:ext uri="{FF2B5EF4-FFF2-40B4-BE49-F238E27FC236}">
-                <a16:creationId xmlns:a16="http://schemas.microsoft.com/office/drawing/2014/main" id="{247E7F6B-780D-4361-BACE-2711AB2D6A63}"/>
+                <a16:creationId xmlns:a16="http://schemas.microsoft.com/office/drawing/2014/main" xmlns="" id="{247E7F6B-780D-4361-BACE-2711AB2D6A63}"/>
               </a:ext>
             </a:extLst>
           </p:cNvPr>
@@ -8872,7 +8861,7 @@
           <p:cNvPr id="3" name="Заголовок 2">
             <a:extLst>
               <a:ext uri="{FF2B5EF4-FFF2-40B4-BE49-F238E27FC236}">
-                <a16:creationId xmlns:a16="http://schemas.microsoft.com/office/drawing/2014/main" id="{E92D53AD-69BB-4E61-9189-F3A7DFE9737C}"/>
+                <a16:creationId xmlns:a16="http://schemas.microsoft.com/office/drawing/2014/main" xmlns="" id="{E92D53AD-69BB-4E61-9189-F3A7DFE9737C}"/>
               </a:ext>
             </a:extLst>
           </p:cNvPr>
@@ -8900,7 +8889,7 @@
           <p:cNvPr id="6" name="Рисунок 5">
             <a:extLst>
               <a:ext uri="{FF2B5EF4-FFF2-40B4-BE49-F238E27FC236}">
-                <a16:creationId xmlns:a16="http://schemas.microsoft.com/office/drawing/2014/main" id="{24421BA1-06BC-4B0F-B05E-DA2A7B8751B5}"/>
+                <a16:creationId xmlns:a16="http://schemas.microsoft.com/office/drawing/2014/main" xmlns="" id="{24421BA1-06BC-4B0F-B05E-DA2A7B8751B5}"/>
               </a:ext>
             </a:extLst>
           </p:cNvPr>
@@ -8928,7 +8917,7 @@
           <p:cNvPr id="7" name="Рисунок 6">
             <a:extLst>
               <a:ext uri="{FF2B5EF4-FFF2-40B4-BE49-F238E27FC236}">
-                <a16:creationId xmlns:a16="http://schemas.microsoft.com/office/drawing/2014/main" id="{4B754820-913A-416B-8979-E3E0A9F3B448}"/>
+                <a16:creationId xmlns:a16="http://schemas.microsoft.com/office/drawing/2014/main" xmlns="" id="{4B754820-913A-416B-8979-E3E0A9F3B448}"/>
               </a:ext>
             </a:extLst>
           </p:cNvPr>
@@ -8936,7 +8925,7 @@
           <p:nvPr/>
         </p:nvPicPr>
         <p:blipFill>
-          <a:blip r:embed="rId3">
+          <a:blip r:embed="rId3" cstate="print">
             <a:extLst>
               <a:ext uri="{28A0092B-C50C-407E-A947-70E740481C1C}">
                 <a14:useLocalDpi xmlns:a14="http://schemas.microsoft.com/office/drawing/2010/main" val="0"/>
@@ -8967,7 +8956,7 @@
           <p:cNvPr id="8" name="Рисунок 7">
             <a:extLst>
               <a:ext uri="{FF2B5EF4-FFF2-40B4-BE49-F238E27FC236}">
-                <a16:creationId xmlns:a16="http://schemas.microsoft.com/office/drawing/2014/main" id="{DB69C41C-DD27-432F-BDE1-C25851C21061}"/>
+                <a16:creationId xmlns:a16="http://schemas.microsoft.com/office/drawing/2014/main" xmlns="" id="{DB69C41C-DD27-432F-BDE1-C25851C21061}"/>
               </a:ext>
             </a:extLst>
           </p:cNvPr>
@@ -9006,7 +8995,7 @@
           <p:cNvPr id="10" name="Рисунок 9">
             <a:extLst>
               <a:ext uri="{FF2B5EF4-FFF2-40B4-BE49-F238E27FC236}">
-                <a16:creationId xmlns:a16="http://schemas.microsoft.com/office/drawing/2014/main" id="{C69D74A5-0DEF-4F4F-AE93-2BC99989A859}"/>
+                <a16:creationId xmlns:a16="http://schemas.microsoft.com/office/drawing/2014/main" xmlns="" id="{C69D74A5-0DEF-4F4F-AE93-2BC99989A859}"/>
               </a:ext>
             </a:extLst>
           </p:cNvPr>
@@ -9041,7 +9030,7 @@
           <p:cNvPr id="13" name="Рисунок 12">
             <a:extLst>
               <a:ext uri="{FF2B5EF4-FFF2-40B4-BE49-F238E27FC236}">
-                <a16:creationId xmlns:a16="http://schemas.microsoft.com/office/drawing/2014/main" id="{9072F750-2699-4252-B917-0B7A67C293B5}"/>
+                <a16:creationId xmlns:a16="http://schemas.microsoft.com/office/drawing/2014/main" xmlns="" id="{9072F750-2699-4252-B917-0B7A67C293B5}"/>
               </a:ext>
             </a:extLst>
           </p:cNvPr>
@@ -9069,7 +9058,7 @@
           <p:cNvPr id="14" name="Рисунок 13" descr="C:\Users\Ruslan\Downloads\photo_5260493764416362252_y.jpg">
             <a:extLst>
               <a:ext uri="{FF2B5EF4-FFF2-40B4-BE49-F238E27FC236}">
-                <a16:creationId xmlns:a16="http://schemas.microsoft.com/office/drawing/2014/main" id="{C62BEF66-DC8F-4024-A165-BA59F2DA8456}"/>
+                <a16:creationId xmlns:a16="http://schemas.microsoft.com/office/drawing/2014/main" xmlns="" id="{C62BEF66-DC8F-4024-A165-BA59F2DA8456}"/>
               </a:ext>
             </a:extLst>
           </p:cNvPr>
@@ -9138,7 +9127,7 @@
           <p:cNvPr id="2" name="Номер слайда 1">
             <a:extLst>
               <a:ext uri="{FF2B5EF4-FFF2-40B4-BE49-F238E27FC236}">
-                <a16:creationId xmlns:a16="http://schemas.microsoft.com/office/drawing/2014/main" id="{D21018C0-46BD-4D32-ABAE-F9E667D73F1C}"/>
+                <a16:creationId xmlns:a16="http://schemas.microsoft.com/office/drawing/2014/main" xmlns="" id="{D21018C0-46BD-4D32-ABAE-F9E667D73F1C}"/>
               </a:ext>
             </a:extLst>
           </p:cNvPr>
@@ -9168,7 +9157,7 @@
           <p:cNvPr id="3" name="Заголовок 2">
             <a:extLst>
               <a:ext uri="{FF2B5EF4-FFF2-40B4-BE49-F238E27FC236}">
-                <a16:creationId xmlns:a16="http://schemas.microsoft.com/office/drawing/2014/main" id="{77B005C9-6564-4ECE-A547-59B792E5130D}"/>
+                <a16:creationId xmlns:a16="http://schemas.microsoft.com/office/drawing/2014/main" xmlns="" id="{77B005C9-6564-4ECE-A547-59B792E5130D}"/>
               </a:ext>
             </a:extLst>
           </p:cNvPr>
@@ -9205,7 +9194,7 @@
           <p:cNvPr id="16" name="Rectangle 6">
             <a:extLst>
               <a:ext uri="{FF2B5EF4-FFF2-40B4-BE49-F238E27FC236}">
-                <a16:creationId xmlns:a16="http://schemas.microsoft.com/office/drawing/2014/main" id="{21BF7161-81BF-4660-93A9-95AA02151190}"/>
+                <a16:creationId xmlns:a16="http://schemas.microsoft.com/office/drawing/2014/main" xmlns="" id="{21BF7161-81BF-4660-93A9-95AA02151190}"/>
               </a:ext>
             </a:extLst>
           </p:cNvPr>
@@ -9274,7 +9263,7 @@
           <p:cNvPr id="17" name="Объект 16">
             <a:extLst>
               <a:ext uri="{FF2B5EF4-FFF2-40B4-BE49-F238E27FC236}">
-                <a16:creationId xmlns:a16="http://schemas.microsoft.com/office/drawing/2014/main" id="{067D4738-FA39-496E-B82B-7E72F3D9D3A8}"/>
+                <a16:creationId xmlns:a16="http://schemas.microsoft.com/office/drawing/2014/main" xmlns="" id="{067D4738-FA39-496E-B82B-7E72F3D9D3A8}"/>
               </a:ext>
             </a:extLst>
           </p:cNvPr>
@@ -9297,7 +9286,7 @@
           <a:graphicData uri="http://schemas.openxmlformats.org/presentationml/2006/ole">
             <mc:AlternateContent xmlns:mc="http://schemas.openxmlformats.org/markup-compatibility/2006">
               <mc:Choice xmlns:v="urn:schemas-microsoft-com:vml" Requires="v">
-                <p:oleObj spid="_x0000_s9224" name="Visio" r:id="rId3" imgW="6838740" imgH="2076514" progId="Visio.Drawing.15">
+                <p:oleObj spid="_x0000_s9227" name="Visio" r:id="rId3" imgW="6838740" imgH="2076514" progId="Visio.Drawing.15">
                   <p:embed/>
                 </p:oleObj>
               </mc:Choice>
@@ -9356,7 +9345,7 @@
           <p:cNvPr id="18" name="Рисунок 17">
             <a:extLst>
               <a:ext uri="{FF2B5EF4-FFF2-40B4-BE49-F238E27FC236}">
-                <a16:creationId xmlns:a16="http://schemas.microsoft.com/office/drawing/2014/main" id="{BA69B803-D14E-4C64-B023-94FFD5BC32C4}"/>
+                <a16:creationId xmlns:a16="http://schemas.microsoft.com/office/drawing/2014/main" xmlns="" id="{BA69B803-D14E-4C64-B023-94FFD5BC32C4}"/>
               </a:ext>
             </a:extLst>
           </p:cNvPr>
@@ -9395,7 +9384,7 @@
           <p:cNvPr id="19" name="Рисунок 18">
             <a:extLst>
               <a:ext uri="{FF2B5EF4-FFF2-40B4-BE49-F238E27FC236}">
-                <a16:creationId xmlns:a16="http://schemas.microsoft.com/office/drawing/2014/main" id="{23723E94-026B-4CA8-9023-FD7789D3806A}"/>
+                <a16:creationId xmlns:a16="http://schemas.microsoft.com/office/drawing/2014/main" xmlns="" id="{23723E94-026B-4CA8-9023-FD7789D3806A}"/>
               </a:ext>
             </a:extLst>
           </p:cNvPr>
@@ -9434,7 +9423,7 @@
           <p:cNvPr id="20" name="Рисунок 19">
             <a:extLst>
               <a:ext uri="{FF2B5EF4-FFF2-40B4-BE49-F238E27FC236}">
-                <a16:creationId xmlns:a16="http://schemas.microsoft.com/office/drawing/2014/main" id="{C3432E2F-97D9-4BC5-A1DA-9DC39DCBB7B2}"/>
+                <a16:creationId xmlns:a16="http://schemas.microsoft.com/office/drawing/2014/main" xmlns="" id="{C3432E2F-97D9-4BC5-A1DA-9DC39DCBB7B2}"/>
               </a:ext>
             </a:extLst>
           </p:cNvPr>
@@ -9473,7 +9462,7 @@
           <p:cNvPr id="23" name="TextBox 22">
             <a:extLst>
               <a:ext uri="{FF2B5EF4-FFF2-40B4-BE49-F238E27FC236}">
-                <a16:creationId xmlns:a16="http://schemas.microsoft.com/office/drawing/2014/main" id="{57AEB712-E86C-4D5E-A640-BDB06EE4AEEA}"/>
+                <a16:creationId xmlns:a16="http://schemas.microsoft.com/office/drawing/2014/main" xmlns="" id="{57AEB712-E86C-4D5E-A640-BDB06EE4AEEA}"/>
               </a:ext>
             </a:extLst>
           </p:cNvPr>
@@ -9550,7 +9539,7 @@
           <p:cNvPr id="2" name="Номер слайда 1">
             <a:extLst>
               <a:ext uri="{FF2B5EF4-FFF2-40B4-BE49-F238E27FC236}">
-                <a16:creationId xmlns:a16="http://schemas.microsoft.com/office/drawing/2014/main" id="{8B2B390A-BBCD-4B9D-89DA-031E2F9FBED7}"/>
+                <a16:creationId xmlns:a16="http://schemas.microsoft.com/office/drawing/2014/main" xmlns="" id="{8B2B390A-BBCD-4B9D-89DA-031E2F9FBED7}"/>
               </a:ext>
             </a:extLst>
           </p:cNvPr>
@@ -9580,7 +9569,7 @@
           <p:cNvPr id="3" name="Заголовок 2">
             <a:extLst>
               <a:ext uri="{FF2B5EF4-FFF2-40B4-BE49-F238E27FC236}">
-                <a16:creationId xmlns:a16="http://schemas.microsoft.com/office/drawing/2014/main" id="{12E5236E-3DD8-46DC-9CC1-31C284A44EE7}"/>
+                <a16:creationId xmlns:a16="http://schemas.microsoft.com/office/drawing/2014/main" xmlns="" id="{12E5236E-3DD8-46DC-9CC1-31C284A44EE7}"/>
               </a:ext>
             </a:extLst>
           </p:cNvPr>
@@ -9615,7 +9604,7 @@
           <p:cNvPr id="5" name="TextBox 4">
             <a:extLst>
               <a:ext uri="{FF2B5EF4-FFF2-40B4-BE49-F238E27FC236}">
-                <a16:creationId xmlns:a16="http://schemas.microsoft.com/office/drawing/2014/main" id="{106FCCC1-68B5-42BD-B846-49709BFDE51D}"/>
+                <a16:creationId xmlns:a16="http://schemas.microsoft.com/office/drawing/2014/main" xmlns="" id="{106FCCC1-68B5-42BD-B846-49709BFDE51D}"/>
               </a:ext>
             </a:extLst>
           </p:cNvPr>
@@ -9662,7 +9651,7 @@
           <p:cNvPr id="6" name="Рисунок 5">
             <a:extLst>
               <a:ext uri="{FF2B5EF4-FFF2-40B4-BE49-F238E27FC236}">
-                <a16:creationId xmlns:a16="http://schemas.microsoft.com/office/drawing/2014/main" id="{F49BEBD5-D5C0-4211-91F7-BFF6292F6D9A}"/>
+                <a16:creationId xmlns:a16="http://schemas.microsoft.com/office/drawing/2014/main" xmlns="" id="{F49BEBD5-D5C0-4211-91F7-BFF6292F6D9A}"/>
               </a:ext>
             </a:extLst>
           </p:cNvPr>
@@ -9690,7 +9679,7 @@
           <p:cNvPr id="7" name="Рисунок 6">
             <a:extLst>
               <a:ext uri="{FF2B5EF4-FFF2-40B4-BE49-F238E27FC236}">
-                <a16:creationId xmlns:a16="http://schemas.microsoft.com/office/drawing/2014/main" id="{297D3909-872E-47AE-8339-EE4F778F4959}"/>
+                <a16:creationId xmlns:a16="http://schemas.microsoft.com/office/drawing/2014/main" xmlns="" id="{297D3909-872E-47AE-8339-EE4F778F4959}"/>
               </a:ext>
             </a:extLst>
           </p:cNvPr>
@@ -9729,7 +9718,7 @@
           <p:cNvPr id="8" name="Рисунок 7">
             <a:extLst>
               <a:ext uri="{FF2B5EF4-FFF2-40B4-BE49-F238E27FC236}">
-                <a16:creationId xmlns:a16="http://schemas.microsoft.com/office/drawing/2014/main" id="{BBCEE2BD-3F08-425C-93C0-9A156D2E9CAA}"/>
+                <a16:creationId xmlns:a16="http://schemas.microsoft.com/office/drawing/2014/main" xmlns="" id="{BBCEE2BD-3F08-425C-93C0-9A156D2E9CAA}"/>
               </a:ext>
             </a:extLst>
           </p:cNvPr>
@@ -9768,7 +9757,7 @@
           <p:cNvPr id="9" name="Рисунок 8">
             <a:extLst>
               <a:ext uri="{FF2B5EF4-FFF2-40B4-BE49-F238E27FC236}">
-                <a16:creationId xmlns:a16="http://schemas.microsoft.com/office/drawing/2014/main" id="{A6EEE119-5FB3-4771-AC93-1C60A517F6E6}"/>
+                <a16:creationId xmlns:a16="http://schemas.microsoft.com/office/drawing/2014/main" xmlns="" id="{A6EEE119-5FB3-4771-AC93-1C60A517F6E6}"/>
               </a:ext>
             </a:extLst>
           </p:cNvPr>
@@ -9837,7 +9826,7 @@
           <p:cNvPr id="2" name="Номер слайда 1">
             <a:extLst>
               <a:ext uri="{FF2B5EF4-FFF2-40B4-BE49-F238E27FC236}">
-                <a16:creationId xmlns:a16="http://schemas.microsoft.com/office/drawing/2014/main" id="{D08CF9C3-4E07-402E-9716-A063AD54FE85}"/>
+                <a16:creationId xmlns:a16="http://schemas.microsoft.com/office/drawing/2014/main" xmlns="" id="{D08CF9C3-4E07-402E-9716-A063AD54FE85}"/>
               </a:ext>
             </a:extLst>
           </p:cNvPr>
@@ -9867,7 +9856,7 @@
           <p:cNvPr id="3" name="Заголовок 2">
             <a:extLst>
               <a:ext uri="{FF2B5EF4-FFF2-40B4-BE49-F238E27FC236}">
-                <a16:creationId xmlns:a16="http://schemas.microsoft.com/office/drawing/2014/main" id="{99077E6B-1401-4F40-9788-EF48039F3B8E}"/>
+                <a16:creationId xmlns:a16="http://schemas.microsoft.com/office/drawing/2014/main" xmlns="" id="{99077E6B-1401-4F40-9788-EF48039F3B8E}"/>
               </a:ext>
             </a:extLst>
           </p:cNvPr>
@@ -9902,7 +9891,7 @@
           <p:cNvPr id="5" name="TextBox 4">
             <a:extLst>
               <a:ext uri="{FF2B5EF4-FFF2-40B4-BE49-F238E27FC236}">
-                <a16:creationId xmlns:a16="http://schemas.microsoft.com/office/drawing/2014/main" id="{96D9902F-E760-4325-8E45-1151A6182207}"/>
+                <a16:creationId xmlns:a16="http://schemas.microsoft.com/office/drawing/2014/main" xmlns="" id="{96D9902F-E760-4325-8E45-1151A6182207}"/>
               </a:ext>
             </a:extLst>
           </p:cNvPr>
@@ -9949,7 +9938,7 @@
           <p:cNvPr id="6" name="Рисунок 5">
             <a:extLst>
               <a:ext uri="{FF2B5EF4-FFF2-40B4-BE49-F238E27FC236}">
-                <a16:creationId xmlns:a16="http://schemas.microsoft.com/office/drawing/2014/main" id="{4527170E-2B06-49A6-8C49-84A0324D2A6F}"/>
+                <a16:creationId xmlns:a16="http://schemas.microsoft.com/office/drawing/2014/main" xmlns="" id="{4527170E-2B06-49A6-8C49-84A0324D2A6F}"/>
               </a:ext>
             </a:extLst>
           </p:cNvPr>
@@ -9988,7 +9977,7 @@
           <p:cNvPr id="7" name="Рисунок 6">
             <a:extLst>
               <a:ext uri="{FF2B5EF4-FFF2-40B4-BE49-F238E27FC236}">
-                <a16:creationId xmlns:a16="http://schemas.microsoft.com/office/drawing/2014/main" id="{4083CB1E-829B-472C-B362-E51CC28FEAD7}"/>
+                <a16:creationId xmlns:a16="http://schemas.microsoft.com/office/drawing/2014/main" xmlns="" id="{4083CB1E-829B-472C-B362-E51CC28FEAD7}"/>
               </a:ext>
             </a:extLst>
           </p:cNvPr>
@@ -10027,7 +10016,7 @@
           <p:cNvPr id="8" name="Рисунок 7">
             <a:extLst>
               <a:ext uri="{FF2B5EF4-FFF2-40B4-BE49-F238E27FC236}">
-                <a16:creationId xmlns:a16="http://schemas.microsoft.com/office/drawing/2014/main" id="{8B0876E4-C230-4CF2-A993-9D6EDEB6F34C}"/>
+                <a16:creationId xmlns:a16="http://schemas.microsoft.com/office/drawing/2014/main" xmlns="" id="{8B0876E4-C230-4CF2-A993-9D6EDEB6F34C}"/>
               </a:ext>
             </a:extLst>
           </p:cNvPr>
@@ -10066,7 +10055,7 @@
           <p:cNvPr id="10" name="Рисунок 9">
             <a:extLst>
               <a:ext uri="{FF2B5EF4-FFF2-40B4-BE49-F238E27FC236}">
-                <a16:creationId xmlns:a16="http://schemas.microsoft.com/office/drawing/2014/main" id="{C78FC1E2-B96F-422A-92E2-CDD0E63C1FD0}"/>
+                <a16:creationId xmlns:a16="http://schemas.microsoft.com/office/drawing/2014/main" xmlns="" id="{C78FC1E2-B96F-422A-92E2-CDD0E63C1FD0}"/>
               </a:ext>
             </a:extLst>
           </p:cNvPr>
@@ -10135,7 +10124,7 @@
           <p:cNvPr id="2" name="Номер слайда 1">
             <a:extLst>
               <a:ext uri="{FF2B5EF4-FFF2-40B4-BE49-F238E27FC236}">
-                <a16:creationId xmlns:a16="http://schemas.microsoft.com/office/drawing/2014/main" id="{F2172E51-DED9-4860-8E6D-1FE280509737}"/>
+                <a16:creationId xmlns:a16="http://schemas.microsoft.com/office/drawing/2014/main" xmlns="" id="{F2172E51-DED9-4860-8E6D-1FE280509737}"/>
               </a:ext>
             </a:extLst>
           </p:cNvPr>
@@ -10165,7 +10154,7 @@
           <p:cNvPr id="3" name="Заголовок 2">
             <a:extLst>
               <a:ext uri="{FF2B5EF4-FFF2-40B4-BE49-F238E27FC236}">
-                <a16:creationId xmlns:a16="http://schemas.microsoft.com/office/drawing/2014/main" id="{DEA35ED7-3A28-4BB7-8824-A4F36E4E6A10}"/>
+                <a16:creationId xmlns:a16="http://schemas.microsoft.com/office/drawing/2014/main" xmlns="" id="{DEA35ED7-3A28-4BB7-8824-A4F36E4E6A10}"/>
               </a:ext>
             </a:extLst>
           </p:cNvPr>
@@ -10193,7 +10182,7 @@
           <p:cNvPr id="6" name="Рисунок 5">
             <a:extLst>
               <a:ext uri="{FF2B5EF4-FFF2-40B4-BE49-F238E27FC236}">
-                <a16:creationId xmlns:a16="http://schemas.microsoft.com/office/drawing/2014/main" id="{80A9A350-6BE3-42BC-A221-C423F9372F5D}"/>
+                <a16:creationId xmlns:a16="http://schemas.microsoft.com/office/drawing/2014/main" xmlns="" id="{80A9A350-6BE3-42BC-A221-C423F9372F5D}"/>
               </a:ext>
             </a:extLst>
           </p:cNvPr>
@@ -10232,7 +10221,7 @@
           <p:cNvPr id="7" name="Рисунок 6">
             <a:extLst>
               <a:ext uri="{FF2B5EF4-FFF2-40B4-BE49-F238E27FC236}">
-                <a16:creationId xmlns:a16="http://schemas.microsoft.com/office/drawing/2014/main" id="{E3868E63-C375-4C5E-AB80-ECC38D6A76F0}"/>
+                <a16:creationId xmlns:a16="http://schemas.microsoft.com/office/drawing/2014/main" xmlns="" id="{E3868E63-C375-4C5E-AB80-ECC38D6A76F0}"/>
               </a:ext>
             </a:extLst>
           </p:cNvPr>
@@ -10267,7 +10256,7 @@
           <p:cNvPr id="8" name="Рисунок 7">
             <a:extLst>
               <a:ext uri="{FF2B5EF4-FFF2-40B4-BE49-F238E27FC236}">
-                <a16:creationId xmlns:a16="http://schemas.microsoft.com/office/drawing/2014/main" id="{0D229461-2917-4B24-869D-3099DA01C523}"/>
+                <a16:creationId xmlns:a16="http://schemas.microsoft.com/office/drawing/2014/main" xmlns="" id="{0D229461-2917-4B24-869D-3099DA01C523}"/>
               </a:ext>
             </a:extLst>
           </p:cNvPr>
@@ -10339,7 +10328,7 @@
           <p:cNvPr id="2" name="Номер слайда 1">
             <a:extLst>
               <a:ext uri="{FF2B5EF4-FFF2-40B4-BE49-F238E27FC236}">
-                <a16:creationId xmlns:a16="http://schemas.microsoft.com/office/drawing/2014/main" id="{098A9DD5-CDB3-44DC-85B5-713BF751CCEB}"/>
+                <a16:creationId xmlns:a16="http://schemas.microsoft.com/office/drawing/2014/main" xmlns="" id="{098A9DD5-CDB3-44DC-85B5-713BF751CCEB}"/>
               </a:ext>
             </a:extLst>
           </p:cNvPr>
@@ -10369,7 +10358,7 @@
           <p:cNvPr id="3" name="Заголовок 2">
             <a:extLst>
               <a:ext uri="{FF2B5EF4-FFF2-40B4-BE49-F238E27FC236}">
-                <a16:creationId xmlns:a16="http://schemas.microsoft.com/office/drawing/2014/main" id="{FA9EA431-4C1B-4D5C-ADA0-49F9692C9AAA}"/>
+                <a16:creationId xmlns:a16="http://schemas.microsoft.com/office/drawing/2014/main" xmlns="" id="{FA9EA431-4C1B-4D5C-ADA0-49F9692C9AAA}"/>
               </a:ext>
             </a:extLst>
           </p:cNvPr>
@@ -10397,7 +10386,7 @@
           <p:cNvPr id="5" name="Рисунок 4">
             <a:extLst>
               <a:ext uri="{FF2B5EF4-FFF2-40B4-BE49-F238E27FC236}">
-                <a16:creationId xmlns:a16="http://schemas.microsoft.com/office/drawing/2014/main" id="{8939ED67-0DCD-4692-9EC0-CB49194CAE31}"/>
+                <a16:creationId xmlns:a16="http://schemas.microsoft.com/office/drawing/2014/main" xmlns="" id="{8939ED67-0DCD-4692-9EC0-CB49194CAE31}"/>
               </a:ext>
             </a:extLst>
           </p:cNvPr>
@@ -10436,7 +10425,7 @@
           <p:cNvPr id="6" name="Рисунок 5">
             <a:extLst>
               <a:ext uri="{FF2B5EF4-FFF2-40B4-BE49-F238E27FC236}">
-                <a16:creationId xmlns:a16="http://schemas.microsoft.com/office/drawing/2014/main" id="{93196775-0702-487D-B08C-6DA591A7E835}"/>
+                <a16:creationId xmlns:a16="http://schemas.microsoft.com/office/drawing/2014/main" xmlns="" id="{93196775-0702-487D-B08C-6DA591A7E835}"/>
               </a:ext>
             </a:extLst>
           </p:cNvPr>
@@ -10464,7 +10453,7 @@
           <p:cNvPr id="7" name="Рисунок 6">
             <a:extLst>
               <a:ext uri="{FF2B5EF4-FFF2-40B4-BE49-F238E27FC236}">
-                <a16:creationId xmlns:a16="http://schemas.microsoft.com/office/drawing/2014/main" id="{65348883-E04B-43C4-8EDC-E625F7B63F97}"/>
+                <a16:creationId xmlns:a16="http://schemas.microsoft.com/office/drawing/2014/main" xmlns="" id="{65348883-E04B-43C4-8EDC-E625F7B63F97}"/>
               </a:ext>
             </a:extLst>
           </p:cNvPr>
@@ -10706,7 +10695,7 @@
   <a:extraClrSchemeLst/>
   <a:extLst>
     <a:ext uri="{05A4C25C-085E-4340-85A3-A5531E510DB2}">
-      <thm15:themeFamily xmlns:thm15="http://schemas.microsoft.com/office/thememl/2012/main" name="ШАБЛОН_ИШНКБ_ТПУ_бумага_2022" id="{E92067F9-B219-473D-8CA7-E76BF7CECA97}" vid="{0258512F-E367-4D85-8A7F-92C966D94D9A}"/>
+      <thm15:themeFamily xmlns:thm15="http://schemas.microsoft.com/office/thememl/2012/main" xmlns="" name="ШАБЛОН_ИШНКБ_ТПУ_бумага_2022" id="{E92067F9-B219-473D-8CA7-E76BF7CECA97}" vid="{0258512F-E367-4D85-8A7F-92C966D94D9A}"/>
     </a:ext>
   </a:extLst>
 </a:theme>
@@ -10967,7 +10956,7 @@
   <a:extraClrSchemeLst/>
   <a:extLst>
     <a:ext uri="{05A4C25C-085E-4340-85A3-A5531E510DB2}">
-      <thm15:themeFamily xmlns:thm15="http://schemas.microsoft.com/office/thememl/2012/main" name="Office Theme" id="{62F939B6-93AF-4DB8-9C6B-D6C7DFDC589F}" vid="{4A3C46E8-61CC-4603-A589-7422A47A8E4A}"/>
+      <thm15:themeFamily xmlns:thm15="http://schemas.microsoft.com/office/thememl/2012/main" xmlns="" name="Office Theme" id="{62F939B6-93AF-4DB8-9C6B-D6C7DFDC589F}" vid="{4A3C46E8-61CC-4603-A589-7422A47A8E4A}"/>
     </a:ext>
   </a:extLst>
 </a:theme>
@@ -11228,7 +11217,7 @@
   <a:extraClrSchemeLst/>
   <a:extLst>
     <a:ext uri="{05A4C25C-085E-4340-85A3-A5531E510DB2}">
-      <thm15:themeFamily xmlns:thm15="http://schemas.microsoft.com/office/thememl/2012/main" name="Office Theme" id="{62F939B6-93AF-4DB8-9C6B-D6C7DFDC589F}" vid="{4A3C46E8-61CC-4603-A589-7422A47A8E4A}"/>
+      <thm15:themeFamily xmlns:thm15="http://schemas.microsoft.com/office/thememl/2012/main" xmlns="" name="Office Theme" id="{62F939B6-93AF-4DB8-9C6B-D6C7DFDC589F}" vid="{4A3C46E8-61CC-4603-A589-7422A47A8E4A}"/>
     </a:ext>
   </a:extLst>
 </a:theme>

--- a/ВКР/ВКР.pptx
+++ b/ВКР/ВКР.pptx
@@ -5,10 +5,10 @@
     <p:sldMasterId id="2147483648" r:id="rId1"/>
   </p:sldMasterIdLst>
   <p:notesMasterIdLst>
-    <p:notesMasterId r:id="rId14"/>
+    <p:notesMasterId r:id="rId17"/>
   </p:notesMasterIdLst>
   <p:handoutMasterIdLst>
-    <p:handoutMasterId r:id="rId15"/>
+    <p:handoutMasterId r:id="rId18"/>
   </p:handoutMasterIdLst>
   <p:sldIdLst>
     <p:sldId id="256" r:id="rId2"/>
@@ -16,13 +16,16 @@
     <p:sldId id="269" r:id="rId4"/>
     <p:sldId id="271" r:id="rId5"/>
     <p:sldId id="270" r:id="rId6"/>
-    <p:sldId id="272" r:id="rId7"/>
-    <p:sldId id="273" r:id="rId8"/>
-    <p:sldId id="274" r:id="rId9"/>
-    <p:sldId id="275" r:id="rId10"/>
-    <p:sldId id="276" r:id="rId11"/>
-    <p:sldId id="277" r:id="rId12"/>
-    <p:sldId id="278" r:id="rId13"/>
+    <p:sldId id="280" r:id="rId7"/>
+    <p:sldId id="272" r:id="rId8"/>
+    <p:sldId id="281" r:id="rId9"/>
+    <p:sldId id="273" r:id="rId10"/>
+    <p:sldId id="283" r:id="rId11"/>
+    <p:sldId id="274" r:id="rId12"/>
+    <p:sldId id="275" r:id="rId13"/>
+    <p:sldId id="276" r:id="rId14"/>
+    <p:sldId id="277" r:id="rId15"/>
+    <p:sldId id="278" r:id="rId16"/>
   </p:sldIdLst>
   <p:sldSz cx="12192000" cy="6858000"/>
   <p:notesSz cx="6791325" cy="9872663"/>
@@ -123,7 +126,7 @@
   </p:defaultTextStyle>
   <p:extLst>
     <p:ext uri="{EFAFB233-063F-42B5-8137-9DF3F51BA10A}">
-      <p15:sldGuideLst xmlns:p15="http://schemas.microsoft.com/office/powerpoint/2012/main" xmlns="">
+      <p15:sldGuideLst xmlns="" xmlns:p15="http://schemas.microsoft.com/office/powerpoint/2012/main">
         <p15:guide id="1" orient="horz" pos="2160">
           <p15:clr>
             <a:srgbClr val="A4A3A4"/>
@@ -137,7 +140,7 @@
       </p15:sldGuideLst>
     </p:ext>
     <p:ext uri="{2D200454-40CA-4A62-9FC3-DE9A4176ACB9}">
-      <p15:notesGuideLst xmlns:p15="http://schemas.microsoft.com/office/powerpoint/2012/main" xmlns=""/>
+      <p15:notesGuideLst xmlns="" xmlns:p15="http://schemas.microsoft.com/office/powerpoint/2012/main"/>
     </p:ext>
   </p:extLst>
 </p:presentation>
@@ -231,7 +234,7 @@
           <a:p>
             <a:fld id="{E2449973-B2ED-47F8-8A78-D28DB888792A}" type="datetimeFigureOut">
               <a:rPr lang="ru-RU" smtClean="0"/>
-              <a:t>05.06.2024</a:t>
+              <a:t>10.06.2024</a:t>
             </a:fld>
             <a:endParaRPr lang="ru-RU"/>
           </a:p>
@@ -396,7 +399,7 @@
           <a:p>
             <a:fld id="{B8DDC125-F1CB-421D-BF0C-479EBC807B8B}" type="datetimeFigureOut">
               <a:rPr lang="ru-RU" smtClean="0"/>
-              <a:t>05.06.2024</a:t>
+              <a:t>10.06.2024</a:t>
             </a:fld>
             <a:endParaRPr lang="ru-RU"/>
           </a:p>
@@ -6282,7 +6285,7 @@
           <p:cNvPr id="2" name="Номер слайда 1">
             <a:extLst>
               <a:ext uri="{FF2B5EF4-FFF2-40B4-BE49-F238E27FC236}">
-                <a16:creationId xmlns:a16="http://schemas.microsoft.com/office/drawing/2014/main" xmlns="" id="{E3659B3C-A890-4763-8AC1-9603751F926E}"/>
+                <a16:creationId xmlns="" xmlns:a16="http://schemas.microsoft.com/office/drawing/2014/main" id="{D08CF9C3-4E07-402E-9716-A063AD54FE85}"/>
               </a:ext>
             </a:extLst>
           </p:cNvPr>
@@ -6299,11 +6302,19 @@
           <a:lstStyle/>
           <a:p>
             <a:fld id="{751D432A-D135-4954-8559-2B6A9DE81B6A}" type="slidenum">
-              <a:rPr lang="ru-RU" smtClean="0"/>
+              <a:rPr lang="ru-RU" sz="1800" b="1" smtClean="0">
+                <a:solidFill>
+                  <a:schemeClr val="tx1"/>
+                </a:solidFill>
+              </a:rPr>
               <a:pPr/>
               <a:t>10</a:t>
             </a:fld>
-            <a:endParaRPr lang="ru-RU" dirty="0"/>
+            <a:endParaRPr lang="ru-RU" b="1" dirty="0">
+              <a:solidFill>
+                <a:schemeClr val="tx1"/>
+              </a:solidFill>
+            </a:endParaRPr>
           </a:p>
         </p:txBody>
       </p:sp>
@@ -6312,7 +6323,7 @@
           <p:cNvPr id="3" name="Заголовок 2">
             <a:extLst>
               <a:ext uri="{FF2B5EF4-FFF2-40B4-BE49-F238E27FC236}">
-                <a16:creationId xmlns:a16="http://schemas.microsoft.com/office/drawing/2014/main" xmlns="" id="{D89CF2A5-0F9C-435B-A6C1-B7A4520DDAAE}"/>
+                <a16:creationId xmlns="" xmlns:a16="http://schemas.microsoft.com/office/drawing/2014/main" id="{99077E6B-1401-4F40-9788-EF48039F3B8E}"/>
               </a:ext>
             </a:extLst>
           </p:cNvPr>
@@ -6325,55 +6336,80 @@
         </p:nvSpPr>
         <p:spPr/>
         <p:txBody>
-          <a:bodyPr/>
+          <a:bodyPr>
+            <a:normAutofit fontScale="90000"/>
+          </a:bodyPr>
           <a:lstStyle/>
           <a:p>
             <a:r>
-              <a:rPr lang="ru-RU" dirty="0"/>
-              <a:t>Экспериментальное исследование</a:t>
-            </a:r>
-          </a:p>
-        </p:txBody>
-      </p:sp>
-      <p:sp>
-        <p:nvSpPr>
-          <p:cNvPr id="4" name="Текст 3">
+              <a:rPr lang="ru-RU" sz="3200" dirty="0">
+                <a:effectLst/>
+                <a:latin typeface="+mj-lt"/>
+                <a:ea typeface="Calibri" panose="020F0502020204030204" pitchFamily="34" charset="0"/>
+              </a:rPr>
+              <a:t>Разработка и настройка контура управления положением электропривода рулевой рейки с учётом физических ограничений, присущих системе</a:t>
+            </a:r>
+            <a:endParaRPr lang="ru-RU" dirty="0"/>
+          </a:p>
+        </p:txBody>
+      </p:sp>
+      <p:sp>
+        <p:nvSpPr>
+          <p:cNvPr id="5" name="TextBox 4">
             <a:extLst>
               <a:ext uri="{FF2B5EF4-FFF2-40B4-BE49-F238E27FC236}">
-                <a16:creationId xmlns:a16="http://schemas.microsoft.com/office/drawing/2014/main" xmlns="" id="{77F69E4B-4457-4D76-8D84-776CA9CC8EF1}"/>
+                <a16:creationId xmlns="" xmlns:a16="http://schemas.microsoft.com/office/drawing/2014/main" id="{96D9902F-E760-4325-8E45-1151A6182207}"/>
               </a:ext>
             </a:extLst>
           </p:cNvPr>
-          <p:cNvSpPr>
-            <a:spLocks noGrp="1"/>
-          </p:cNvSpPr>
-          <p:nvPr>
-            <p:ph type="body" sz="quarter" idx="12"/>
-          </p:nvPr>
-        </p:nvSpPr>
-        <p:spPr/>
-        <p:txBody>
-          <a:bodyPr/>
+          <p:cNvSpPr txBox="1"/>
+          <p:nvPr/>
+        </p:nvSpPr>
+        <p:spPr>
+          <a:xfrm>
+            <a:off x="0" y="6258888"/>
+            <a:ext cx="6096000" cy="646331"/>
+          </a:xfrm>
+          <a:prstGeom prst="rect">
+            <a:avLst/>
+          </a:prstGeom>
+          <a:noFill/>
+        </p:spPr>
+        <p:txBody>
+          <a:bodyPr wrap="square">
+            <a:spAutoFit/>
+          </a:bodyPr>
           <a:lstStyle/>
           <a:p>
-            <a:endParaRPr lang="ru-RU" dirty="0"/>
+            <a:r>
+              <a:rPr lang="ru-RU" sz="1200" dirty="0">
+                <a:latin typeface="Times New Roman" panose="02020603050405020304" pitchFamily="18" charset="0"/>
+                <a:ea typeface="Calibri" panose="020F0502020204030204" pitchFamily="34" charset="0"/>
+              </a:rPr>
+              <a:t>5</a:t>
+            </a:r>
+            <a:r>
+              <a:rPr lang="ru-RU" sz="1200" dirty="0">
+                <a:effectLst/>
+                <a:latin typeface="Times New Roman" panose="02020603050405020304" pitchFamily="18" charset="0"/>
+                <a:ea typeface="Calibri" panose="020F0502020204030204" pitchFamily="34" charset="0"/>
+              </a:rPr>
+              <a:t>. СИСТЕМЫ ПОДЧИНЕННОГО РЕГУЛИРОВАНИЯ ЭЛЕКТРОПРИВОДОВ. Часть 1. Электроприводы постоянного тока с подчиненным регулированием координат: Учеб. Пособие для вузов. - Екатеринбург: Изд-во Урал. гос. проф.-пед. ун-та, 1997.-279 с</a:t>
+            </a:r>
+            <a:endParaRPr lang="ru-RU" sz="1200" dirty="0"/>
           </a:p>
         </p:txBody>
       </p:sp>
       <p:pic>
         <p:nvPicPr>
-          <p:cNvPr id="5" name="Рисунок 4">
-            <a:extLst>
-              <a:ext uri="{FF2B5EF4-FFF2-40B4-BE49-F238E27FC236}">
-                <a16:creationId xmlns:a16="http://schemas.microsoft.com/office/drawing/2014/main" xmlns="" id="{63B88A9D-DE95-40F4-B7E7-636DBFFA51CA}"/>
-              </a:ext>
-            </a:extLst>
-          </p:cNvPr>
-          <p:cNvPicPr/>
+          <p:cNvPr id="13314" name="Picture 2"/>
+          <p:cNvPicPr>
+            <a:picLocks noChangeAspect="1" noChangeArrowheads="1"/>
+          </p:cNvPicPr>
           <p:nvPr/>
         </p:nvPicPr>
         <p:blipFill>
-          <a:blip r:embed="rId2" cstate="print">
+          <a:blip r:embed="rId2">
             <a:extLst>
               <a:ext uri="{28A0092B-C50C-407E-A947-70E740481C1C}">
                 <a14:useLocalDpi xmlns:a14="http://schemas.microsoft.com/office/drawing/2010/main" val="0"/>
@@ -6387,8 +6423,8 @@
         </p:blipFill>
         <p:spPr bwMode="auto">
           <a:xfrm>
-            <a:off x="309748" y="2725390"/>
-            <a:ext cx="1397886" cy="3953436"/>
+            <a:off x="1" y="3303369"/>
+            <a:ext cx="7922028" cy="2357246"/>
           </a:xfrm>
           <a:prstGeom prst="rect">
             <a:avLst/>
@@ -6397,14 +6433,43 @@
           <a:ln>
             <a:noFill/>
           </a:ln>
+          <a:effectLst/>
+          <a:extLst>
+            <a:ext uri="{909E8E84-426E-40DD-AFC4-6F175D3DCCD1}">
+              <a14:hiddenFill xmlns:a14="http://schemas.microsoft.com/office/drawing/2010/main">
+                <a:solidFill>
+                  <a:schemeClr val="accent1"/>
+                </a:solidFill>
+              </a14:hiddenFill>
+            </a:ext>
+            <a:ext uri="{91240B29-F687-4F45-9708-019B960494DF}">
+              <a14:hiddenLine xmlns:a14="http://schemas.microsoft.com/office/drawing/2010/main" w="9525">
+                <a:solidFill>
+                  <a:schemeClr val="tx1"/>
+                </a:solidFill>
+                <a:miter lim="800000"/>
+                <a:headEnd/>
+                <a:tailEnd/>
+              </a14:hiddenLine>
+            </a:ext>
+            <a:ext uri="{AF507438-7753-43E0-B8FC-AC1667EBCBE1}">
+              <a14:hiddenEffects xmlns:a14="http://schemas.microsoft.com/office/drawing/2010/main">
+                <a:effectLst>
+                  <a:outerShdw dist="35921" dir="2700000" algn="ctr" rotWithShape="0">
+                    <a:schemeClr val="bg2"/>
+                  </a:outerShdw>
+                </a:effectLst>
+              </a14:hiddenEffects>
+            </a:ext>
+          </a:extLst>
         </p:spPr>
       </p:pic>
       <p:pic>
         <p:nvPicPr>
-          <p:cNvPr id="6" name="Рисунок 5">
+          <p:cNvPr id="9" name="Рисунок 8">
             <a:extLst>
               <a:ext uri="{FF2B5EF4-FFF2-40B4-BE49-F238E27FC236}">
-                <a16:creationId xmlns:a16="http://schemas.microsoft.com/office/drawing/2014/main" xmlns="" id="{AD088BE8-BE12-4B78-BFEC-CA7F9340F6B7}"/>
+                <a16:creationId xmlns="" xmlns:a16="http://schemas.microsoft.com/office/drawing/2014/main" id="{C78FC1E2-B96F-422A-92E2-CDD0E63C1FD0}"/>
               </a:ext>
             </a:extLst>
           </p:cNvPr>
@@ -6412,35 +6477,7 @@
           <p:nvPr/>
         </p:nvPicPr>
         <p:blipFill>
-          <a:blip r:embed="rId3"/>
-          <a:stretch>
-            <a:fillRect/>
-          </a:stretch>
-        </p:blipFill>
-        <p:spPr>
-          <a:xfrm>
-            <a:off x="2046509" y="3246438"/>
-            <a:ext cx="4732655" cy="3114675"/>
-          </a:xfrm>
-          <a:prstGeom prst="rect">
-            <a:avLst/>
-          </a:prstGeom>
-        </p:spPr>
-      </p:pic>
-      <p:pic>
-        <p:nvPicPr>
-          <p:cNvPr id="7" name="Рисунок 6">
-            <a:extLst>
-              <a:ext uri="{FF2B5EF4-FFF2-40B4-BE49-F238E27FC236}">
-                <a16:creationId xmlns:a16="http://schemas.microsoft.com/office/drawing/2014/main" xmlns="" id="{D088B63B-26CA-4919-B502-11A522F50140}"/>
-              </a:ext>
-            </a:extLst>
-          </p:cNvPr>
-          <p:cNvPicPr/>
-          <p:nvPr/>
-        </p:nvPicPr>
-        <p:blipFill>
-          <a:blip r:embed="rId4">
+          <a:blip r:embed="rId3">
             <a:extLst>
               <a:ext uri="{28A0092B-C50C-407E-A947-70E740481C1C}">
                 <a14:useLocalDpi xmlns:a14="http://schemas.microsoft.com/office/drawing/2010/main" val="0"/>
@@ -6454,8 +6491,8 @@
         </p:blipFill>
         <p:spPr bwMode="auto">
           <a:xfrm>
-            <a:off x="7090615" y="3246438"/>
-            <a:ext cx="4486275" cy="3163570"/>
+            <a:off x="7578686" y="3023096"/>
+            <a:ext cx="4613314" cy="3080671"/>
           </a:xfrm>
           <a:prstGeom prst="rect">
             <a:avLst/>
@@ -6469,13 +6506,20 @@
     </p:spTree>
     <p:extLst>
       <p:ext uri="{BB962C8B-B14F-4D97-AF65-F5344CB8AC3E}">
-        <p14:creationId xmlns:p14="http://schemas.microsoft.com/office/powerpoint/2010/main" val="1903193867"/>
+        <p14:creationId xmlns:p14="http://schemas.microsoft.com/office/powerpoint/2010/main" val="814120623"/>
       </p:ext>
     </p:extLst>
   </p:cSld>
   <p:clrMapOvr>
     <a:masterClrMapping/>
   </p:clrMapOvr>
+  <p:timing>
+    <p:tnLst>
+      <p:par>
+        <p:cTn id="1" dur="indefinite" restart="never" nodeType="tmRoot"/>
+      </p:par>
+    </p:tnLst>
+  </p:timing>
 </p:sld>
 </file>
 
@@ -6501,7 +6545,7 @@
           <p:cNvPr id="2" name="Номер слайда 1">
             <a:extLst>
               <a:ext uri="{FF2B5EF4-FFF2-40B4-BE49-F238E27FC236}">
-                <a16:creationId xmlns:a16="http://schemas.microsoft.com/office/drawing/2014/main" xmlns="" id="{B9EF4480-FFF6-4022-8981-6EA812DD27AC}"/>
+                <a16:creationId xmlns="" xmlns:a16="http://schemas.microsoft.com/office/drawing/2014/main" id="{F2172E51-DED9-4860-8E6D-1FE280509737}"/>
               </a:ext>
             </a:extLst>
           </p:cNvPr>
@@ -6518,11 +6562,19 @@
           <a:lstStyle/>
           <a:p>
             <a:fld id="{751D432A-D135-4954-8559-2B6A9DE81B6A}" type="slidenum">
-              <a:rPr lang="ru-RU" smtClean="0"/>
+              <a:rPr lang="ru-RU" sz="1800" b="1" smtClean="0">
+                <a:solidFill>
+                  <a:schemeClr val="tx1"/>
+                </a:solidFill>
+              </a:rPr>
               <a:pPr/>
               <a:t>11</a:t>
             </a:fld>
-            <a:endParaRPr lang="ru-RU" dirty="0"/>
+            <a:endParaRPr lang="ru-RU" sz="1800" b="1" dirty="0">
+              <a:solidFill>
+                <a:schemeClr val="tx1"/>
+              </a:solidFill>
+            </a:endParaRPr>
           </a:p>
         </p:txBody>
       </p:sp>
@@ -6531,7 +6583,7 @@
           <p:cNvPr id="3" name="Заголовок 2">
             <a:extLst>
               <a:ext uri="{FF2B5EF4-FFF2-40B4-BE49-F238E27FC236}">
-                <a16:creationId xmlns:a16="http://schemas.microsoft.com/office/drawing/2014/main" xmlns="" id="{3F43DC89-D1A1-4A4E-90C9-C84B1864EC06}"/>
+                <a16:creationId xmlns="" xmlns:a16="http://schemas.microsoft.com/office/drawing/2014/main" id="{DEA35ED7-3A28-4BB7-8824-A4F36E4E6A10}"/>
               </a:ext>
             </a:extLst>
           </p:cNvPr>
@@ -6549,27 +6601,30 @@
           <a:p>
             <a:r>
               <a:rPr lang="ru-RU" dirty="0"/>
-              <a:t>Результаты</a:t>
-            </a:r>
+              <a:t>Экспериментальное </a:t>
+            </a:r>
+            <a:r>
+              <a:rPr lang="ru-RU" dirty="0" smtClean="0"/>
+              <a:t>исследование: Контур регулирования током</a:t>
+            </a:r>
+            <a:endParaRPr lang="ru-RU" dirty="0"/>
           </a:p>
         </p:txBody>
       </p:sp>
       <p:pic>
         <p:nvPicPr>
-          <p:cNvPr id="5" name="Picture 2" descr="Сервоконтроллер рулевой рейки">
+          <p:cNvPr id="6" name="Рисунок 5">
             <a:extLst>
               <a:ext uri="{FF2B5EF4-FFF2-40B4-BE49-F238E27FC236}">
-                <a16:creationId xmlns:a16="http://schemas.microsoft.com/office/drawing/2014/main" xmlns="" id="{AA70E385-478B-40AF-B217-83BB515A0673}"/>
+                <a16:creationId xmlns="" xmlns:a16="http://schemas.microsoft.com/office/drawing/2014/main" id="{80A9A350-6BE3-42BC-A221-C423F9372F5D}"/>
               </a:ext>
             </a:extLst>
           </p:cNvPr>
-          <p:cNvPicPr>
-            <a:picLocks noChangeAspect="1" noChangeArrowheads="1"/>
-          </p:cNvPicPr>
+          <p:cNvPicPr/>
           <p:nvPr/>
         </p:nvPicPr>
         <p:blipFill>
-          <a:blip r:embed="rId2" cstate="print">
+          <a:blip r:embed="rId3">
             <a:extLst>
               <a:ext uri="{28A0092B-C50C-407E-A947-70E740481C1C}">
                 <a14:useLocalDpi xmlns:a14="http://schemas.microsoft.com/office/drawing/2010/main" val="0"/>
@@ -6583,30 +6638,1432 @@
         </p:blipFill>
         <p:spPr bwMode="auto">
           <a:xfrm>
-            <a:off x="0" y="2557779"/>
-            <a:ext cx="3571234" cy="2678426"/>
+            <a:off x="309748" y="3177994"/>
+            <a:ext cx="2329822" cy="3500832"/>
           </a:xfrm>
           <a:prstGeom prst="rect">
             <a:avLst/>
           </a:prstGeom>
           <a:noFill/>
-          <a:extLst>
-            <a:ext uri="{909E8E84-426E-40DD-AFC4-6F175D3DCCD1}">
-              <a14:hiddenFill xmlns:a14="http://schemas.microsoft.com/office/drawing/2010/main">
-                <a:solidFill>
-                  <a:srgbClr val="FFFFFF"/>
-                </a:solidFill>
-              </a14:hiddenFill>
-            </a:ext>
-          </a:extLst>
+          <a:ln>
+            <a:noFill/>
+          </a:ln>
         </p:spPr>
       </p:pic>
       <p:pic>
         <p:nvPicPr>
-          <p:cNvPr id="6" name="Picture 4" descr="BURR-30-С">
+          <p:cNvPr id="7" name="Рисунок 6">
             <a:extLst>
               <a:ext uri="{FF2B5EF4-FFF2-40B4-BE49-F238E27FC236}">
-                <a16:creationId xmlns:a16="http://schemas.microsoft.com/office/drawing/2014/main" xmlns="" id="{B6BB4025-BEC7-4919-8BDE-8614CC9969DA}"/>
+                <a16:creationId xmlns="" xmlns:a16="http://schemas.microsoft.com/office/drawing/2014/main" id="{E3868E63-C375-4C5E-AB80-ECC38D6A76F0}"/>
+              </a:ext>
+            </a:extLst>
+          </p:cNvPr>
+          <p:cNvPicPr/>
+          <p:nvPr/>
+        </p:nvPicPr>
+        <p:blipFill rotWithShape="1">
+          <a:blip r:embed="rId4"/>
+          <a:srcRect b="1943"/>
+          <a:stretch/>
+        </p:blipFill>
+        <p:spPr bwMode="auto">
+          <a:xfrm>
+            <a:off x="2839465" y="3162273"/>
+            <a:ext cx="4320992" cy="3405730"/>
+          </a:xfrm>
+          <a:prstGeom prst="rect">
+            <a:avLst/>
+          </a:prstGeom>
+          <a:ln>
+            <a:noFill/>
+          </a:ln>
+          <a:extLst>
+            <a:ext uri="{53640926-AAD7-44D8-BBD7-CCE9431645EC}">
+              <a14:shadowObscured xmlns:a14="http://schemas.microsoft.com/office/drawing/2010/main"/>
+            </a:ext>
+          </a:extLst>
+        </p:spPr>
+      </p:pic>
+      <p:pic>
+        <p:nvPicPr>
+          <p:cNvPr id="8" name="Рисунок 7">
+            <a:extLst>
+              <a:ext uri="{FF2B5EF4-FFF2-40B4-BE49-F238E27FC236}">
+                <a16:creationId xmlns="" xmlns:a16="http://schemas.microsoft.com/office/drawing/2014/main" id="{0D229461-2917-4B24-869D-3099DA01C523}"/>
+              </a:ext>
+            </a:extLst>
+          </p:cNvPr>
+          <p:cNvPicPr/>
+          <p:nvPr/>
+        </p:nvPicPr>
+        <p:blipFill rotWithShape="1">
+          <a:blip r:embed="rId5">
+            <a:extLst>
+              <a:ext uri="{28A0092B-C50C-407E-A947-70E740481C1C}">
+                <a14:useLocalDpi xmlns:a14="http://schemas.microsoft.com/office/drawing/2010/main" val="0"/>
+              </a:ext>
+            </a:extLst>
+          </a:blip>
+          <a:srcRect l="5609" t="5215" r="7692"/>
+          <a:stretch/>
+        </p:blipFill>
+        <p:spPr bwMode="auto">
+          <a:xfrm>
+            <a:off x="7160457" y="3347046"/>
+            <a:ext cx="4307980" cy="3102740"/>
+          </a:xfrm>
+          <a:prstGeom prst="rect">
+            <a:avLst/>
+          </a:prstGeom>
+          <a:noFill/>
+          <a:ln>
+            <a:noFill/>
+          </a:ln>
+          <a:extLst>
+            <a:ext uri="{53640926-AAD7-44D8-BBD7-CCE9431645EC}">
+              <a14:shadowObscured xmlns:a14="http://schemas.microsoft.com/office/drawing/2010/main"/>
+            </a:ext>
+          </a:extLst>
+        </p:spPr>
+      </p:pic>
+      <p:graphicFrame>
+        <p:nvGraphicFramePr>
+          <p:cNvPr id="4" name="Объект 3"/>
+          <p:cNvGraphicFramePr>
+            <a:graphicFrameLocks noChangeAspect="1"/>
+          </p:cNvGraphicFramePr>
+          <p:nvPr>
+            <p:extLst>
+              <p:ext uri="{D42A27DB-BD31-4B8C-83A1-F6EECF244321}">
+                <p14:modId xmlns:p14="http://schemas.microsoft.com/office/powerpoint/2010/main" val="2969906470"/>
+              </p:ext>
+            </p:extLst>
+          </p:nvPr>
+        </p:nvGraphicFramePr>
+        <p:xfrm>
+          <a:off x="3412672" y="3028923"/>
+          <a:ext cx="990600" cy="266700"/>
+        </p:xfrm>
+        <a:graphic>
+          <a:graphicData uri="http://schemas.openxmlformats.org/presentationml/2006/ole">
+            <mc:AlternateContent xmlns:mc="http://schemas.openxmlformats.org/markup-compatibility/2006">
+              <mc:Choice xmlns:v="urn:schemas-microsoft-com:vml" Requires="v">
+                <p:oleObj spid="_x0000_s14364" name="Equation" r:id="rId6" imgW="990360" imgH="266400" progId="Equation.DSMT4">
+                  <p:embed/>
+                </p:oleObj>
+              </mc:Choice>
+              <mc:Fallback>
+                <p:oleObj name="Equation" r:id="rId6" imgW="990360" imgH="266400" progId="Equation.DSMT4">
+                  <p:embed/>
+                  <p:pic>
+                    <p:nvPicPr>
+                      <p:cNvPr id="0" name=""/>
+                      <p:cNvPicPr/>
+                      <p:nvPr/>
+                    </p:nvPicPr>
+                    <p:blipFill>
+                      <a:blip r:embed="rId7"/>
+                      <a:stretch>
+                        <a:fillRect/>
+                      </a:stretch>
+                    </p:blipFill>
+                    <p:spPr>
+                      <a:xfrm>
+                        <a:off x="3412672" y="3028923"/>
+                        <a:ext cx="990600" cy="266700"/>
+                      </a:xfrm>
+                      <a:prstGeom prst="rect">
+                        <a:avLst/>
+                      </a:prstGeom>
+                    </p:spPr>
+                  </p:pic>
+                </p:oleObj>
+              </mc:Fallback>
+            </mc:AlternateContent>
+          </a:graphicData>
+        </a:graphic>
+      </p:graphicFrame>
+      <p:graphicFrame>
+        <p:nvGraphicFramePr>
+          <p:cNvPr id="5" name="Объект 4"/>
+          <p:cNvGraphicFramePr>
+            <a:graphicFrameLocks noChangeAspect="1"/>
+          </p:cNvGraphicFramePr>
+          <p:nvPr>
+            <p:extLst>
+              <p:ext uri="{D42A27DB-BD31-4B8C-83A1-F6EECF244321}">
+                <p14:modId xmlns:p14="http://schemas.microsoft.com/office/powerpoint/2010/main" val="390543977"/>
+              </p:ext>
+            </p:extLst>
+          </p:nvPr>
+        </p:nvGraphicFramePr>
+        <p:xfrm>
+          <a:off x="3362553" y="2733449"/>
+          <a:ext cx="977900" cy="228600"/>
+        </p:xfrm>
+        <a:graphic>
+          <a:graphicData uri="http://schemas.openxmlformats.org/presentationml/2006/ole">
+            <mc:AlternateContent xmlns:mc="http://schemas.openxmlformats.org/markup-compatibility/2006">
+              <mc:Choice xmlns:v="urn:schemas-microsoft-com:vml" Requires="v">
+                <p:oleObj spid="_x0000_s14365" name="Equation" r:id="rId8" imgW="977760" imgH="228600" progId="Equation.DSMT4">
+                  <p:embed/>
+                </p:oleObj>
+              </mc:Choice>
+              <mc:Fallback>
+                <p:oleObj name="Equation" r:id="rId8" imgW="977760" imgH="228600" progId="Equation.DSMT4">
+                  <p:embed/>
+                  <p:pic>
+                    <p:nvPicPr>
+                      <p:cNvPr id="0" name=""/>
+                      <p:cNvPicPr/>
+                      <p:nvPr/>
+                    </p:nvPicPr>
+                    <p:blipFill>
+                      <a:blip r:embed="rId9"/>
+                      <a:stretch>
+                        <a:fillRect/>
+                      </a:stretch>
+                    </p:blipFill>
+                    <p:spPr>
+                      <a:xfrm>
+                        <a:off x="3362553" y="2733449"/>
+                        <a:ext cx="977900" cy="228600"/>
+                      </a:xfrm>
+                      <a:prstGeom prst="rect">
+                        <a:avLst/>
+                      </a:prstGeom>
+                    </p:spPr>
+                  </p:pic>
+                </p:oleObj>
+              </mc:Fallback>
+            </mc:AlternateContent>
+          </a:graphicData>
+        </a:graphic>
+      </p:graphicFrame>
+      <p:graphicFrame>
+        <p:nvGraphicFramePr>
+          <p:cNvPr id="9" name="Объект 8"/>
+          <p:cNvGraphicFramePr>
+            <a:graphicFrameLocks noChangeAspect="1"/>
+          </p:cNvGraphicFramePr>
+          <p:nvPr>
+            <p:extLst>
+              <p:ext uri="{D42A27DB-BD31-4B8C-83A1-F6EECF244321}">
+                <p14:modId xmlns:p14="http://schemas.microsoft.com/office/powerpoint/2010/main" val="1596619024"/>
+              </p:ext>
+            </p:extLst>
+          </p:nvPr>
+        </p:nvGraphicFramePr>
+        <p:xfrm>
+          <a:off x="7485063" y="3079750"/>
+          <a:ext cx="1219200" cy="266700"/>
+        </p:xfrm>
+        <a:graphic>
+          <a:graphicData uri="http://schemas.openxmlformats.org/presentationml/2006/ole">
+            <mc:AlternateContent xmlns:mc="http://schemas.openxmlformats.org/markup-compatibility/2006">
+              <mc:Choice xmlns:v="urn:schemas-microsoft-com:vml" Requires="v">
+                <p:oleObj spid="_x0000_s14366" name="Equation" r:id="rId10" imgW="1218960" imgH="266400" progId="Equation.DSMT4">
+                  <p:embed/>
+                </p:oleObj>
+              </mc:Choice>
+              <mc:Fallback>
+                <p:oleObj name="Equation" r:id="rId10" imgW="1218960" imgH="266400" progId="Equation.DSMT4">
+                  <p:embed/>
+                  <p:pic>
+                    <p:nvPicPr>
+                      <p:cNvPr id="0" name="Объект 3"/>
+                      <p:cNvPicPr>
+                        <a:picLocks noChangeAspect="1" noChangeArrowheads="1"/>
+                      </p:cNvPicPr>
+                      <p:nvPr/>
+                    </p:nvPicPr>
+                    <p:blipFill>
+                      <a:blip r:embed="rId11"/>
+                      <a:srcRect/>
+                      <a:stretch>
+                        <a:fillRect/>
+                      </a:stretch>
+                    </p:blipFill>
+                    <p:spPr bwMode="auto">
+                      <a:xfrm>
+                        <a:off x="7485063" y="3079750"/>
+                        <a:ext cx="1219200" cy="266700"/>
+                      </a:xfrm>
+                      <a:prstGeom prst="rect">
+                        <a:avLst/>
+                      </a:prstGeom>
+                      <a:noFill/>
+                      <a:ln>
+                        <a:noFill/>
+                      </a:ln>
+                      <a:extLst>
+                        <a:ext uri="{909E8E84-426E-40DD-AFC4-6F175D3DCCD1}">
+                          <a14:hiddenFill xmlns:a14="http://schemas.microsoft.com/office/drawing/2010/main">
+                            <a:solidFill>
+                              <a:srgbClr val="FFFFFF"/>
+                            </a:solidFill>
+                          </a14:hiddenFill>
+                        </a:ext>
+                        <a:ext uri="{91240B29-F687-4F45-9708-019B960494DF}">
+                          <a14:hiddenLine xmlns:a14="http://schemas.microsoft.com/office/drawing/2010/main" w="9525">
+                            <a:solidFill>
+                              <a:srgbClr val="000000"/>
+                            </a:solidFill>
+                            <a:miter lim="800000"/>
+                            <a:headEnd/>
+                            <a:tailEnd/>
+                          </a14:hiddenLine>
+                        </a:ext>
+                      </a:extLst>
+                    </p:spPr>
+                  </p:pic>
+                </p:oleObj>
+              </mc:Fallback>
+            </mc:AlternateContent>
+          </a:graphicData>
+        </a:graphic>
+      </p:graphicFrame>
+      <p:graphicFrame>
+        <p:nvGraphicFramePr>
+          <p:cNvPr id="10" name="Объект 9"/>
+          <p:cNvGraphicFramePr>
+            <a:graphicFrameLocks noChangeAspect="1"/>
+          </p:cNvGraphicFramePr>
+          <p:nvPr>
+            <p:extLst>
+              <p:ext uri="{D42A27DB-BD31-4B8C-83A1-F6EECF244321}">
+                <p14:modId xmlns:p14="http://schemas.microsoft.com/office/powerpoint/2010/main" val="2801450420"/>
+              </p:ext>
+            </p:extLst>
+          </p:nvPr>
+        </p:nvGraphicFramePr>
+        <p:xfrm>
+          <a:off x="7497763" y="2784475"/>
+          <a:ext cx="1079500" cy="228600"/>
+        </p:xfrm>
+        <a:graphic>
+          <a:graphicData uri="http://schemas.openxmlformats.org/presentationml/2006/ole">
+            <mc:AlternateContent xmlns:mc="http://schemas.openxmlformats.org/markup-compatibility/2006">
+              <mc:Choice xmlns:v="urn:schemas-microsoft-com:vml" Requires="v">
+                <p:oleObj spid="_x0000_s14367" name="Equation" r:id="rId12" imgW="1079280" imgH="228600" progId="Equation.DSMT4">
+                  <p:embed/>
+                </p:oleObj>
+              </mc:Choice>
+              <mc:Fallback>
+                <p:oleObj name="Equation" r:id="rId12" imgW="1079280" imgH="228600" progId="Equation.DSMT4">
+                  <p:embed/>
+                  <p:pic>
+                    <p:nvPicPr>
+                      <p:cNvPr id="0" name="Объект 4"/>
+                      <p:cNvPicPr>
+                        <a:picLocks noChangeAspect="1" noChangeArrowheads="1"/>
+                      </p:cNvPicPr>
+                      <p:nvPr/>
+                    </p:nvPicPr>
+                    <p:blipFill>
+                      <a:blip r:embed="rId13"/>
+                      <a:srcRect/>
+                      <a:stretch>
+                        <a:fillRect/>
+                      </a:stretch>
+                    </p:blipFill>
+                    <p:spPr bwMode="auto">
+                      <a:xfrm>
+                        <a:off x="7497763" y="2784475"/>
+                        <a:ext cx="1079500" cy="228600"/>
+                      </a:xfrm>
+                      <a:prstGeom prst="rect">
+                        <a:avLst/>
+                      </a:prstGeom>
+                      <a:noFill/>
+                      <a:ln>
+                        <a:noFill/>
+                      </a:ln>
+                      <a:extLst>
+                        <a:ext uri="{909E8E84-426E-40DD-AFC4-6F175D3DCCD1}">
+                          <a14:hiddenFill xmlns:a14="http://schemas.microsoft.com/office/drawing/2010/main">
+                            <a:solidFill>
+                              <a:srgbClr val="FFFFFF"/>
+                            </a:solidFill>
+                          </a14:hiddenFill>
+                        </a:ext>
+                        <a:ext uri="{91240B29-F687-4F45-9708-019B960494DF}">
+                          <a14:hiddenLine xmlns:a14="http://schemas.microsoft.com/office/drawing/2010/main" w="9525">
+                            <a:solidFill>
+                              <a:srgbClr val="000000"/>
+                            </a:solidFill>
+                            <a:miter lim="800000"/>
+                            <a:headEnd/>
+                            <a:tailEnd/>
+                          </a14:hiddenLine>
+                        </a:ext>
+                      </a:extLst>
+                    </p:spPr>
+                  </p:pic>
+                </p:oleObj>
+              </mc:Fallback>
+            </mc:AlternateContent>
+          </a:graphicData>
+        </a:graphic>
+      </p:graphicFrame>
+    </p:spTree>
+    <p:extLst>
+      <p:ext uri="{BB962C8B-B14F-4D97-AF65-F5344CB8AC3E}">
+        <p14:creationId xmlns:p14="http://schemas.microsoft.com/office/powerpoint/2010/main" val="3950523227"/>
+      </p:ext>
+    </p:extLst>
+  </p:cSld>
+  <p:clrMapOvr>
+    <a:masterClrMapping/>
+  </p:clrMapOvr>
+  <p:timing>
+    <p:tnLst>
+      <p:par>
+        <p:cTn id="1" dur="indefinite" restart="never" nodeType="tmRoot"/>
+      </p:par>
+    </p:tnLst>
+  </p:timing>
+</p:sld>
+</file>
+
+<file path=ppt/slides/slide12.xml><?xml version="1.0" encoding="utf-8"?>
+<p:sld xmlns:a="http://schemas.openxmlformats.org/drawingml/2006/main" xmlns:r="http://schemas.openxmlformats.org/officeDocument/2006/relationships" xmlns:p="http://schemas.openxmlformats.org/presentationml/2006/main">
+  <p:cSld>
+    <p:spTree>
+      <p:nvGrpSpPr>
+        <p:cNvPr id="1" name=""/>
+        <p:cNvGrpSpPr/>
+        <p:nvPr/>
+      </p:nvGrpSpPr>
+      <p:grpSpPr>
+        <a:xfrm>
+          <a:off x="0" y="0"/>
+          <a:ext cx="0" cy="0"/>
+          <a:chOff x="0" y="0"/>
+          <a:chExt cx="0" cy="0"/>
+        </a:xfrm>
+      </p:grpSpPr>
+      <p:pic>
+        <p:nvPicPr>
+          <p:cNvPr id="5" name="Рисунок 4">
+            <a:extLst>
+              <a:ext uri="{FF2B5EF4-FFF2-40B4-BE49-F238E27FC236}">
+                <a16:creationId xmlns="" xmlns:a16="http://schemas.microsoft.com/office/drawing/2014/main" id="{8939ED67-0DCD-4692-9EC0-CB49194CAE31}"/>
+              </a:ext>
+            </a:extLst>
+          </p:cNvPr>
+          <p:cNvPicPr/>
+          <p:nvPr/>
+        </p:nvPicPr>
+        <p:blipFill>
+          <a:blip r:embed="rId3">
+            <a:extLst>
+              <a:ext uri="{28A0092B-C50C-407E-A947-70E740481C1C}">
+                <a14:useLocalDpi xmlns:a14="http://schemas.microsoft.com/office/drawing/2010/main" val="0"/>
+              </a:ext>
+            </a:extLst>
+          </a:blip>
+          <a:srcRect/>
+          <a:stretch>
+            <a:fillRect/>
+          </a:stretch>
+        </p:blipFill>
+        <p:spPr bwMode="auto">
+          <a:xfrm>
+            <a:off x="293914" y="2535679"/>
+            <a:ext cx="2057400" cy="4322317"/>
+          </a:xfrm>
+          <a:prstGeom prst="rect">
+            <a:avLst/>
+          </a:prstGeom>
+          <a:noFill/>
+          <a:ln>
+            <a:noFill/>
+          </a:ln>
+        </p:spPr>
+      </p:pic>
+      <p:sp>
+        <p:nvSpPr>
+          <p:cNvPr id="2" name="Номер слайда 1">
+            <a:extLst>
+              <a:ext uri="{FF2B5EF4-FFF2-40B4-BE49-F238E27FC236}">
+                <a16:creationId xmlns="" xmlns:a16="http://schemas.microsoft.com/office/drawing/2014/main" id="{098A9DD5-CDB3-44DC-85B5-713BF751CCEB}"/>
+              </a:ext>
+            </a:extLst>
+          </p:cNvPr>
+          <p:cNvSpPr>
+            <a:spLocks noGrp="1"/>
+          </p:cNvSpPr>
+          <p:nvPr>
+            <p:ph type="sldNum" sz="quarter" idx="10"/>
+          </p:nvPr>
+        </p:nvSpPr>
+        <p:spPr/>
+        <p:txBody>
+          <a:bodyPr/>
+          <a:lstStyle/>
+          <a:p>
+            <a:fld id="{751D432A-D135-4954-8559-2B6A9DE81B6A}" type="slidenum">
+              <a:rPr lang="ru-RU" sz="1800" b="1" smtClean="0">
+                <a:solidFill>
+                  <a:schemeClr val="tx1"/>
+                </a:solidFill>
+              </a:rPr>
+              <a:pPr/>
+              <a:t>12</a:t>
+            </a:fld>
+            <a:endParaRPr lang="ru-RU" b="1" dirty="0">
+              <a:solidFill>
+                <a:schemeClr val="tx1"/>
+              </a:solidFill>
+            </a:endParaRPr>
+          </a:p>
+        </p:txBody>
+      </p:sp>
+      <p:sp>
+        <p:nvSpPr>
+          <p:cNvPr id="3" name="Заголовок 2">
+            <a:extLst>
+              <a:ext uri="{FF2B5EF4-FFF2-40B4-BE49-F238E27FC236}">
+                <a16:creationId xmlns="" xmlns:a16="http://schemas.microsoft.com/office/drawing/2014/main" id="{FA9EA431-4C1B-4D5C-ADA0-49F9692C9AAA}"/>
+              </a:ext>
+            </a:extLst>
+          </p:cNvPr>
+          <p:cNvSpPr>
+            <a:spLocks noGrp="1"/>
+          </p:cNvSpPr>
+          <p:nvPr>
+            <p:ph type="title"/>
+          </p:nvPr>
+        </p:nvSpPr>
+        <p:spPr/>
+        <p:txBody>
+          <a:bodyPr/>
+          <a:lstStyle/>
+          <a:p>
+            <a:r>
+              <a:rPr lang="ru-RU" dirty="0"/>
+              <a:t>Экспериментальное </a:t>
+            </a:r>
+            <a:r>
+              <a:rPr lang="ru-RU" dirty="0" smtClean="0"/>
+              <a:t>исследование: контур регулирования скоростью</a:t>
+            </a:r>
+            <a:endParaRPr lang="ru-RU" dirty="0"/>
+          </a:p>
+        </p:txBody>
+      </p:sp>
+      <p:pic>
+        <p:nvPicPr>
+          <p:cNvPr id="6" name="Рисунок 5">
+            <a:extLst>
+              <a:ext uri="{FF2B5EF4-FFF2-40B4-BE49-F238E27FC236}">
+                <a16:creationId xmlns="" xmlns:a16="http://schemas.microsoft.com/office/drawing/2014/main" id="{93196775-0702-487D-B08C-6DA591A7E835}"/>
+              </a:ext>
+            </a:extLst>
+          </p:cNvPr>
+          <p:cNvPicPr/>
+          <p:nvPr/>
+        </p:nvPicPr>
+        <p:blipFill>
+          <a:blip r:embed="rId4"/>
+          <a:stretch>
+            <a:fillRect/>
+          </a:stretch>
+        </p:blipFill>
+        <p:spPr>
+          <a:xfrm>
+            <a:off x="2666231" y="3356973"/>
+            <a:ext cx="4619625" cy="3007360"/>
+          </a:xfrm>
+          <a:prstGeom prst="rect">
+            <a:avLst/>
+          </a:prstGeom>
+        </p:spPr>
+      </p:pic>
+      <p:pic>
+        <p:nvPicPr>
+          <p:cNvPr id="7" name="Рисунок 6">
+            <a:extLst>
+              <a:ext uri="{FF2B5EF4-FFF2-40B4-BE49-F238E27FC236}">
+                <a16:creationId xmlns="" xmlns:a16="http://schemas.microsoft.com/office/drawing/2014/main" id="{65348883-E04B-43C4-8EDC-E625F7B63F97}"/>
+              </a:ext>
+            </a:extLst>
+          </p:cNvPr>
+          <p:cNvPicPr/>
+          <p:nvPr/>
+        </p:nvPicPr>
+        <p:blipFill>
+          <a:blip r:embed="rId5">
+            <a:extLst>
+              <a:ext uri="{28A0092B-C50C-407E-A947-70E740481C1C}">
+                <a14:useLocalDpi xmlns:a14="http://schemas.microsoft.com/office/drawing/2010/main" val="0"/>
+              </a:ext>
+            </a:extLst>
+          </a:blip>
+          <a:srcRect/>
+          <a:stretch>
+            <a:fillRect/>
+          </a:stretch>
+        </p:blipFill>
+        <p:spPr bwMode="auto">
+          <a:xfrm>
+            <a:off x="7397299" y="3258883"/>
+            <a:ext cx="4957986" cy="3039195"/>
+          </a:xfrm>
+          <a:prstGeom prst="rect">
+            <a:avLst/>
+          </a:prstGeom>
+          <a:noFill/>
+          <a:ln>
+            <a:noFill/>
+          </a:ln>
+        </p:spPr>
+      </p:pic>
+      <p:graphicFrame>
+        <p:nvGraphicFramePr>
+          <p:cNvPr id="4" name="Объект 3"/>
+          <p:cNvGraphicFramePr>
+            <a:graphicFrameLocks noChangeAspect="1"/>
+          </p:cNvGraphicFramePr>
+          <p:nvPr>
+            <p:extLst>
+              <p:ext uri="{D42A27DB-BD31-4B8C-83A1-F6EECF244321}">
+                <p14:modId xmlns:p14="http://schemas.microsoft.com/office/powerpoint/2010/main" val="1859753218"/>
+              </p:ext>
+            </p:extLst>
+          </p:nvPr>
+        </p:nvGraphicFramePr>
+        <p:xfrm>
+          <a:off x="3019199" y="3204573"/>
+          <a:ext cx="1028700" cy="304800"/>
+        </p:xfrm>
+        <a:graphic>
+          <a:graphicData uri="http://schemas.openxmlformats.org/presentationml/2006/ole">
+            <mc:AlternateContent xmlns:mc="http://schemas.openxmlformats.org/markup-compatibility/2006">
+              <mc:Choice xmlns:v="urn:schemas-microsoft-com:vml" Requires="v">
+                <p:oleObj spid="_x0000_s15385" name="Equation" r:id="rId6" imgW="1028520" imgH="304560" progId="Equation.DSMT4">
+                  <p:embed/>
+                </p:oleObj>
+              </mc:Choice>
+              <mc:Fallback>
+                <p:oleObj name="Equation" r:id="rId6" imgW="1028520" imgH="304560" progId="Equation.DSMT4">
+                  <p:embed/>
+                  <p:pic>
+                    <p:nvPicPr>
+                      <p:cNvPr id="0" name="Объект 3"/>
+                      <p:cNvPicPr>
+                        <a:picLocks noChangeAspect="1" noChangeArrowheads="1"/>
+                      </p:cNvPicPr>
+                      <p:nvPr/>
+                    </p:nvPicPr>
+                    <p:blipFill>
+                      <a:blip r:embed="rId7"/>
+                      <a:srcRect/>
+                      <a:stretch>
+                        <a:fillRect/>
+                      </a:stretch>
+                    </p:blipFill>
+                    <p:spPr bwMode="auto">
+                      <a:xfrm>
+                        <a:off x="3019199" y="3204573"/>
+                        <a:ext cx="1028700" cy="304800"/>
+                      </a:xfrm>
+                      <a:prstGeom prst="rect">
+                        <a:avLst/>
+                      </a:prstGeom>
+                      <a:noFill/>
+                      <a:ln>
+                        <a:noFill/>
+                      </a:ln>
+                      <a:extLst>
+                        <a:ext uri="{909E8E84-426E-40DD-AFC4-6F175D3DCCD1}">
+                          <a14:hiddenFill xmlns:a14="http://schemas.microsoft.com/office/drawing/2010/main">
+                            <a:solidFill>
+                              <a:srgbClr val="FFFFFF"/>
+                            </a:solidFill>
+                          </a14:hiddenFill>
+                        </a:ext>
+                        <a:ext uri="{91240B29-F687-4F45-9708-019B960494DF}">
+                          <a14:hiddenLine xmlns:a14="http://schemas.microsoft.com/office/drawing/2010/main" w="9525">
+                            <a:solidFill>
+                              <a:srgbClr val="000000"/>
+                            </a:solidFill>
+                            <a:miter lim="800000"/>
+                            <a:headEnd/>
+                            <a:tailEnd/>
+                          </a14:hiddenLine>
+                        </a:ext>
+                      </a:extLst>
+                    </p:spPr>
+                  </p:pic>
+                </p:oleObj>
+              </mc:Fallback>
+            </mc:AlternateContent>
+          </a:graphicData>
+        </a:graphic>
+      </p:graphicFrame>
+      <p:graphicFrame>
+        <p:nvGraphicFramePr>
+          <p:cNvPr id="8" name="Объект 7"/>
+          <p:cNvGraphicFramePr>
+            <a:graphicFrameLocks noChangeAspect="1"/>
+          </p:cNvGraphicFramePr>
+          <p:nvPr>
+            <p:extLst>
+              <p:ext uri="{D42A27DB-BD31-4B8C-83A1-F6EECF244321}">
+                <p14:modId xmlns:p14="http://schemas.microsoft.com/office/powerpoint/2010/main" val="2092070055"/>
+              </p:ext>
+            </p:extLst>
+          </p:nvPr>
+        </p:nvGraphicFramePr>
+        <p:xfrm>
+          <a:off x="3028499" y="2838686"/>
+          <a:ext cx="698500" cy="228600"/>
+        </p:xfrm>
+        <a:graphic>
+          <a:graphicData uri="http://schemas.openxmlformats.org/presentationml/2006/ole">
+            <mc:AlternateContent xmlns:mc="http://schemas.openxmlformats.org/markup-compatibility/2006">
+              <mc:Choice xmlns:v="urn:schemas-microsoft-com:vml" Requires="v">
+                <p:oleObj spid="_x0000_s15386" name="Equation" r:id="rId8" imgW="698400" imgH="228600" progId="Equation.DSMT4">
+                  <p:embed/>
+                </p:oleObj>
+              </mc:Choice>
+              <mc:Fallback>
+                <p:oleObj name="Equation" r:id="rId8" imgW="698400" imgH="228600" progId="Equation.DSMT4">
+                  <p:embed/>
+                  <p:pic>
+                    <p:nvPicPr>
+                      <p:cNvPr id="0" name="Объект 4"/>
+                      <p:cNvPicPr>
+                        <a:picLocks noChangeAspect="1" noChangeArrowheads="1"/>
+                      </p:cNvPicPr>
+                      <p:nvPr/>
+                    </p:nvPicPr>
+                    <p:blipFill>
+                      <a:blip r:embed="rId9"/>
+                      <a:srcRect/>
+                      <a:stretch>
+                        <a:fillRect/>
+                      </a:stretch>
+                    </p:blipFill>
+                    <p:spPr bwMode="auto">
+                      <a:xfrm>
+                        <a:off x="3028499" y="2838686"/>
+                        <a:ext cx="698500" cy="228600"/>
+                      </a:xfrm>
+                      <a:prstGeom prst="rect">
+                        <a:avLst/>
+                      </a:prstGeom>
+                      <a:noFill/>
+                      <a:ln>
+                        <a:noFill/>
+                      </a:ln>
+                      <a:extLst>
+                        <a:ext uri="{909E8E84-426E-40DD-AFC4-6F175D3DCCD1}">
+                          <a14:hiddenFill xmlns:a14="http://schemas.microsoft.com/office/drawing/2010/main">
+                            <a:solidFill>
+                              <a:srgbClr val="FFFFFF"/>
+                            </a:solidFill>
+                          </a14:hiddenFill>
+                        </a:ext>
+                        <a:ext uri="{91240B29-F687-4F45-9708-019B960494DF}">
+                          <a14:hiddenLine xmlns:a14="http://schemas.microsoft.com/office/drawing/2010/main" w="9525">
+                            <a:solidFill>
+                              <a:srgbClr val="000000"/>
+                            </a:solidFill>
+                            <a:miter lim="800000"/>
+                            <a:headEnd/>
+                            <a:tailEnd/>
+                          </a14:hiddenLine>
+                        </a:ext>
+                      </a:extLst>
+                    </p:spPr>
+                  </p:pic>
+                </p:oleObj>
+              </mc:Fallback>
+            </mc:AlternateContent>
+          </a:graphicData>
+        </a:graphic>
+      </p:graphicFrame>
+      <p:graphicFrame>
+        <p:nvGraphicFramePr>
+          <p:cNvPr id="9" name="Объект 8"/>
+          <p:cNvGraphicFramePr>
+            <a:graphicFrameLocks noChangeAspect="1"/>
+          </p:cNvGraphicFramePr>
+          <p:nvPr>
+            <p:extLst>
+              <p:ext uri="{D42A27DB-BD31-4B8C-83A1-F6EECF244321}">
+                <p14:modId xmlns:p14="http://schemas.microsoft.com/office/powerpoint/2010/main" val="759007185"/>
+              </p:ext>
+            </p:extLst>
+          </p:nvPr>
+        </p:nvGraphicFramePr>
+        <p:xfrm>
+          <a:off x="7988300" y="3111500"/>
+          <a:ext cx="914400" cy="304800"/>
+        </p:xfrm>
+        <a:graphic>
+          <a:graphicData uri="http://schemas.openxmlformats.org/presentationml/2006/ole">
+            <mc:AlternateContent xmlns:mc="http://schemas.openxmlformats.org/markup-compatibility/2006">
+              <mc:Choice xmlns:v="urn:schemas-microsoft-com:vml" Requires="v">
+                <p:oleObj spid="_x0000_s15387" name="Equation" r:id="rId10" imgW="914400" imgH="304560" progId="Equation.DSMT4">
+                  <p:embed/>
+                </p:oleObj>
+              </mc:Choice>
+              <mc:Fallback>
+                <p:oleObj name="Equation" r:id="rId10" imgW="914400" imgH="304560" progId="Equation.DSMT4">
+                  <p:embed/>
+                  <p:pic>
+                    <p:nvPicPr>
+                      <p:cNvPr id="0" name="Объект 3"/>
+                      <p:cNvPicPr>
+                        <a:picLocks noChangeAspect="1" noChangeArrowheads="1"/>
+                      </p:cNvPicPr>
+                      <p:nvPr/>
+                    </p:nvPicPr>
+                    <p:blipFill>
+                      <a:blip r:embed="rId11"/>
+                      <a:srcRect/>
+                      <a:stretch>
+                        <a:fillRect/>
+                      </a:stretch>
+                    </p:blipFill>
+                    <p:spPr bwMode="auto">
+                      <a:xfrm>
+                        <a:off x="7988300" y="3111500"/>
+                        <a:ext cx="914400" cy="304800"/>
+                      </a:xfrm>
+                      <a:prstGeom prst="rect">
+                        <a:avLst/>
+                      </a:prstGeom>
+                      <a:noFill/>
+                      <a:ln>
+                        <a:noFill/>
+                      </a:ln>
+                      <a:extLst>
+                        <a:ext uri="{909E8E84-426E-40DD-AFC4-6F175D3DCCD1}">
+                          <a14:hiddenFill xmlns:a14="http://schemas.microsoft.com/office/drawing/2010/main">
+                            <a:solidFill>
+                              <a:srgbClr val="FFFFFF"/>
+                            </a:solidFill>
+                          </a14:hiddenFill>
+                        </a:ext>
+                        <a:ext uri="{91240B29-F687-4F45-9708-019B960494DF}">
+                          <a14:hiddenLine xmlns:a14="http://schemas.microsoft.com/office/drawing/2010/main" w="9525">
+                            <a:solidFill>
+                              <a:srgbClr val="000000"/>
+                            </a:solidFill>
+                            <a:miter lim="800000"/>
+                            <a:headEnd/>
+                            <a:tailEnd/>
+                          </a14:hiddenLine>
+                        </a:ext>
+                      </a:extLst>
+                    </p:spPr>
+                  </p:pic>
+                </p:oleObj>
+              </mc:Fallback>
+            </mc:AlternateContent>
+          </a:graphicData>
+        </a:graphic>
+      </p:graphicFrame>
+      <p:graphicFrame>
+        <p:nvGraphicFramePr>
+          <p:cNvPr id="10" name="Объект 9"/>
+          <p:cNvGraphicFramePr>
+            <a:graphicFrameLocks noChangeAspect="1"/>
+          </p:cNvGraphicFramePr>
+          <p:nvPr>
+            <p:extLst>
+              <p:ext uri="{D42A27DB-BD31-4B8C-83A1-F6EECF244321}">
+                <p14:modId xmlns:p14="http://schemas.microsoft.com/office/powerpoint/2010/main" val="1031474265"/>
+              </p:ext>
+            </p:extLst>
+          </p:nvPr>
+        </p:nvGraphicFramePr>
+        <p:xfrm>
+          <a:off x="7956777" y="2822490"/>
+          <a:ext cx="698500" cy="228600"/>
+        </p:xfrm>
+        <a:graphic>
+          <a:graphicData uri="http://schemas.openxmlformats.org/presentationml/2006/ole">
+            <mc:AlternateContent xmlns:mc="http://schemas.openxmlformats.org/markup-compatibility/2006">
+              <mc:Choice xmlns:v="urn:schemas-microsoft-com:vml" Requires="v">
+                <p:oleObj spid="_x0000_s15388" name="Equation" r:id="rId12" imgW="698400" imgH="228600" progId="Equation.DSMT4">
+                  <p:embed/>
+                </p:oleObj>
+              </mc:Choice>
+              <mc:Fallback>
+                <p:oleObj name="Equation" r:id="rId12" imgW="698400" imgH="228600" progId="Equation.DSMT4">
+                  <p:embed/>
+                  <p:pic>
+                    <p:nvPicPr>
+                      <p:cNvPr id="0" name="Объект 7"/>
+                      <p:cNvPicPr>
+                        <a:picLocks noChangeAspect="1" noChangeArrowheads="1"/>
+                      </p:cNvPicPr>
+                      <p:nvPr/>
+                    </p:nvPicPr>
+                    <p:blipFill>
+                      <a:blip r:embed="rId13"/>
+                      <a:srcRect/>
+                      <a:stretch>
+                        <a:fillRect/>
+                      </a:stretch>
+                    </p:blipFill>
+                    <p:spPr bwMode="auto">
+                      <a:xfrm>
+                        <a:off x="7956777" y="2822490"/>
+                        <a:ext cx="698500" cy="228600"/>
+                      </a:xfrm>
+                      <a:prstGeom prst="rect">
+                        <a:avLst/>
+                      </a:prstGeom>
+                      <a:noFill/>
+                      <a:ln>
+                        <a:noFill/>
+                      </a:ln>
+                      <a:extLst>
+                        <a:ext uri="{909E8E84-426E-40DD-AFC4-6F175D3DCCD1}">
+                          <a14:hiddenFill xmlns:a14="http://schemas.microsoft.com/office/drawing/2010/main">
+                            <a:solidFill>
+                              <a:srgbClr val="FFFFFF"/>
+                            </a:solidFill>
+                          </a14:hiddenFill>
+                        </a:ext>
+                        <a:ext uri="{91240B29-F687-4F45-9708-019B960494DF}">
+                          <a14:hiddenLine xmlns:a14="http://schemas.microsoft.com/office/drawing/2010/main" w="9525">
+                            <a:solidFill>
+                              <a:srgbClr val="000000"/>
+                            </a:solidFill>
+                            <a:miter lim="800000"/>
+                            <a:headEnd/>
+                            <a:tailEnd/>
+                          </a14:hiddenLine>
+                        </a:ext>
+                      </a:extLst>
+                    </p:spPr>
+                  </p:pic>
+                </p:oleObj>
+              </mc:Fallback>
+            </mc:AlternateContent>
+          </a:graphicData>
+        </a:graphic>
+      </p:graphicFrame>
+    </p:spTree>
+    <p:extLst>
+      <p:ext uri="{BB962C8B-B14F-4D97-AF65-F5344CB8AC3E}">
+        <p14:creationId xmlns:p14="http://schemas.microsoft.com/office/powerpoint/2010/main" val="1967664097"/>
+      </p:ext>
+    </p:extLst>
+  </p:cSld>
+  <p:clrMapOvr>
+    <a:masterClrMapping/>
+  </p:clrMapOvr>
+  <p:timing>
+    <p:tnLst>
+      <p:par>
+        <p:cTn id="1" dur="indefinite" restart="never" nodeType="tmRoot"/>
+      </p:par>
+    </p:tnLst>
+  </p:timing>
+</p:sld>
+</file>
+
+<file path=ppt/slides/slide13.xml><?xml version="1.0" encoding="utf-8"?>
+<p:sld xmlns:a="http://schemas.openxmlformats.org/drawingml/2006/main" xmlns:r="http://schemas.openxmlformats.org/officeDocument/2006/relationships" xmlns:p="http://schemas.openxmlformats.org/presentationml/2006/main">
+  <p:cSld>
+    <p:spTree>
+      <p:nvGrpSpPr>
+        <p:cNvPr id="1" name=""/>
+        <p:cNvGrpSpPr/>
+        <p:nvPr/>
+      </p:nvGrpSpPr>
+      <p:grpSpPr>
+        <a:xfrm>
+          <a:off x="0" y="0"/>
+          <a:ext cx="0" cy="0"/>
+          <a:chOff x="0" y="0"/>
+          <a:chExt cx="0" cy="0"/>
+        </a:xfrm>
+      </p:grpSpPr>
+      <p:sp>
+        <p:nvSpPr>
+          <p:cNvPr id="2" name="Номер слайда 1">
+            <a:extLst>
+              <a:ext uri="{FF2B5EF4-FFF2-40B4-BE49-F238E27FC236}">
+                <a16:creationId xmlns="" xmlns:a16="http://schemas.microsoft.com/office/drawing/2014/main" id="{E3659B3C-A890-4763-8AC1-9603751F926E}"/>
+              </a:ext>
+            </a:extLst>
+          </p:cNvPr>
+          <p:cNvSpPr>
+            <a:spLocks noGrp="1"/>
+          </p:cNvSpPr>
+          <p:nvPr>
+            <p:ph type="sldNum" sz="quarter" idx="10"/>
+          </p:nvPr>
+        </p:nvSpPr>
+        <p:spPr/>
+        <p:txBody>
+          <a:bodyPr/>
+          <a:lstStyle/>
+          <a:p>
+            <a:fld id="{751D432A-D135-4954-8559-2B6A9DE81B6A}" type="slidenum">
+              <a:rPr lang="ru-RU" sz="1800" b="1" smtClean="0">
+                <a:solidFill>
+                  <a:schemeClr val="tx1"/>
+                </a:solidFill>
+              </a:rPr>
+              <a:pPr/>
+              <a:t>13</a:t>
+            </a:fld>
+            <a:endParaRPr lang="ru-RU" b="1" dirty="0">
+              <a:solidFill>
+                <a:schemeClr val="tx1"/>
+              </a:solidFill>
+            </a:endParaRPr>
+          </a:p>
+        </p:txBody>
+      </p:sp>
+      <p:sp>
+        <p:nvSpPr>
+          <p:cNvPr id="3" name="Заголовок 2">
+            <a:extLst>
+              <a:ext uri="{FF2B5EF4-FFF2-40B4-BE49-F238E27FC236}">
+                <a16:creationId xmlns="" xmlns:a16="http://schemas.microsoft.com/office/drawing/2014/main" id="{D89CF2A5-0F9C-435B-A6C1-B7A4520DDAAE}"/>
+              </a:ext>
+            </a:extLst>
+          </p:cNvPr>
+          <p:cNvSpPr>
+            <a:spLocks noGrp="1"/>
+          </p:cNvSpPr>
+          <p:nvPr>
+            <p:ph type="title"/>
+          </p:nvPr>
+        </p:nvSpPr>
+        <p:spPr/>
+        <p:txBody>
+          <a:bodyPr/>
+          <a:lstStyle/>
+          <a:p>
+            <a:r>
+              <a:rPr lang="ru-RU" dirty="0"/>
+              <a:t>Экспериментальное </a:t>
+            </a:r>
+            <a:r>
+              <a:rPr lang="ru-RU" dirty="0" smtClean="0"/>
+              <a:t>исследование: контур регулирования положением</a:t>
+            </a:r>
+            <a:endParaRPr lang="ru-RU" dirty="0"/>
+          </a:p>
+        </p:txBody>
+      </p:sp>
+      <p:sp>
+        <p:nvSpPr>
+          <p:cNvPr id="4" name="Текст 3">
+            <a:extLst>
+              <a:ext uri="{FF2B5EF4-FFF2-40B4-BE49-F238E27FC236}">
+                <a16:creationId xmlns="" xmlns:a16="http://schemas.microsoft.com/office/drawing/2014/main" id="{77F69E4B-4457-4D76-8D84-776CA9CC8EF1}"/>
+              </a:ext>
+            </a:extLst>
+          </p:cNvPr>
+          <p:cNvSpPr>
+            <a:spLocks noGrp="1"/>
+          </p:cNvSpPr>
+          <p:nvPr>
+            <p:ph type="body" sz="quarter" idx="12"/>
+          </p:nvPr>
+        </p:nvSpPr>
+        <p:spPr/>
+        <p:txBody>
+          <a:bodyPr/>
+          <a:lstStyle/>
+          <a:p>
+            <a:endParaRPr lang="ru-RU" dirty="0"/>
+          </a:p>
+        </p:txBody>
+      </p:sp>
+      <p:pic>
+        <p:nvPicPr>
+          <p:cNvPr id="5" name="Рисунок 4">
+            <a:extLst>
+              <a:ext uri="{FF2B5EF4-FFF2-40B4-BE49-F238E27FC236}">
+                <a16:creationId xmlns="" xmlns:a16="http://schemas.microsoft.com/office/drawing/2014/main" id="{63B88A9D-DE95-40F4-B7E7-636DBFFA51CA}"/>
+              </a:ext>
+            </a:extLst>
+          </p:cNvPr>
+          <p:cNvPicPr/>
+          <p:nvPr/>
+        </p:nvPicPr>
+        <p:blipFill>
+          <a:blip r:embed="rId3" cstate="print">
+            <a:extLst>
+              <a:ext uri="{28A0092B-C50C-407E-A947-70E740481C1C}">
+                <a14:useLocalDpi xmlns:a14="http://schemas.microsoft.com/office/drawing/2010/main" val="0"/>
+              </a:ext>
+            </a:extLst>
+          </a:blip>
+          <a:srcRect/>
+          <a:stretch>
+            <a:fillRect/>
+          </a:stretch>
+        </p:blipFill>
+        <p:spPr bwMode="auto">
+          <a:xfrm>
+            <a:off x="367394" y="2527066"/>
+            <a:ext cx="1886446" cy="4330934"/>
+          </a:xfrm>
+          <a:prstGeom prst="rect">
+            <a:avLst/>
+          </a:prstGeom>
+          <a:noFill/>
+          <a:ln>
+            <a:noFill/>
+          </a:ln>
+        </p:spPr>
+      </p:pic>
+      <p:pic>
+        <p:nvPicPr>
+          <p:cNvPr id="6" name="Рисунок 5">
+            <a:extLst>
+              <a:ext uri="{FF2B5EF4-FFF2-40B4-BE49-F238E27FC236}">
+                <a16:creationId xmlns="" xmlns:a16="http://schemas.microsoft.com/office/drawing/2014/main" id="{AD088BE8-BE12-4B78-BFEC-CA7F9340F6B7}"/>
+              </a:ext>
+            </a:extLst>
+          </p:cNvPr>
+          <p:cNvPicPr/>
+          <p:nvPr/>
+        </p:nvPicPr>
+        <p:blipFill>
+          <a:blip r:embed="rId4"/>
+          <a:stretch>
+            <a:fillRect/>
+          </a:stretch>
+        </p:blipFill>
+        <p:spPr>
+          <a:xfrm>
+            <a:off x="3030220" y="2978097"/>
+            <a:ext cx="4732655" cy="3114675"/>
+          </a:xfrm>
+          <a:prstGeom prst="rect">
+            <a:avLst/>
+          </a:prstGeom>
+        </p:spPr>
+      </p:pic>
+      <p:pic>
+        <p:nvPicPr>
+          <p:cNvPr id="7" name="Рисунок 6">
+            <a:extLst>
+              <a:ext uri="{FF2B5EF4-FFF2-40B4-BE49-F238E27FC236}">
+                <a16:creationId xmlns="" xmlns:a16="http://schemas.microsoft.com/office/drawing/2014/main" id="{D088B63B-26CA-4919-B502-11A522F50140}"/>
+              </a:ext>
+            </a:extLst>
+          </p:cNvPr>
+          <p:cNvPicPr/>
+          <p:nvPr/>
+        </p:nvPicPr>
+        <p:blipFill>
+          <a:blip r:embed="rId5">
+            <a:extLst>
+              <a:ext uri="{28A0092B-C50C-407E-A947-70E740481C1C}">
+                <a14:useLocalDpi xmlns:a14="http://schemas.microsoft.com/office/drawing/2010/main" val="0"/>
+              </a:ext>
+            </a:extLst>
+          </a:blip>
+          <a:srcRect/>
+          <a:stretch>
+            <a:fillRect/>
+          </a:stretch>
+        </p:blipFill>
+        <p:spPr bwMode="auto">
+          <a:xfrm>
+            <a:off x="7762875" y="2863888"/>
+            <a:ext cx="4486275" cy="3163570"/>
+          </a:xfrm>
+          <a:prstGeom prst="rect">
+            <a:avLst/>
+          </a:prstGeom>
+          <a:noFill/>
+          <a:ln>
+            <a:noFill/>
+          </a:ln>
+        </p:spPr>
+      </p:pic>
+      <p:graphicFrame>
+        <p:nvGraphicFramePr>
+          <p:cNvPr id="8" name="Объект 7"/>
+          <p:cNvGraphicFramePr>
+            <a:graphicFrameLocks noChangeAspect="1"/>
+          </p:cNvGraphicFramePr>
+          <p:nvPr>
+            <p:extLst>
+              <p:ext uri="{D42A27DB-BD31-4B8C-83A1-F6EECF244321}">
+                <p14:modId xmlns:p14="http://schemas.microsoft.com/office/powerpoint/2010/main" val="86711296"/>
+              </p:ext>
+            </p:extLst>
+          </p:nvPr>
+        </p:nvGraphicFramePr>
+        <p:xfrm>
+          <a:off x="3140075" y="2643188"/>
+          <a:ext cx="1028700" cy="304800"/>
+        </p:xfrm>
+        <a:graphic>
+          <a:graphicData uri="http://schemas.openxmlformats.org/presentationml/2006/ole">
+            <mc:AlternateContent xmlns:mc="http://schemas.openxmlformats.org/markup-compatibility/2006">
+              <mc:Choice xmlns:v="urn:schemas-microsoft-com:vml" Requires="v">
+                <p:oleObj spid="_x0000_s16393" name="Equation" r:id="rId6" imgW="1028520" imgH="304560" progId="Equation.DSMT4">
+                  <p:embed/>
+                </p:oleObj>
+              </mc:Choice>
+              <mc:Fallback>
+                <p:oleObj name="Equation" r:id="rId6" imgW="1028520" imgH="304560" progId="Equation.DSMT4">
+                  <p:embed/>
+                  <p:pic>
+                    <p:nvPicPr>
+                      <p:cNvPr id="0" name=""/>
+                      <p:cNvPicPr/>
+                      <p:nvPr/>
+                    </p:nvPicPr>
+                    <p:blipFill>
+                      <a:blip r:embed="rId7"/>
+                      <a:stretch>
+                        <a:fillRect/>
+                      </a:stretch>
+                    </p:blipFill>
+                    <p:spPr>
+                      <a:xfrm>
+                        <a:off x="3140075" y="2643188"/>
+                        <a:ext cx="1028700" cy="304800"/>
+                      </a:xfrm>
+                      <a:prstGeom prst="rect">
+                        <a:avLst/>
+                      </a:prstGeom>
+                    </p:spPr>
+                  </p:pic>
+                </p:oleObj>
+              </mc:Fallback>
+            </mc:AlternateContent>
+          </a:graphicData>
+        </a:graphic>
+      </p:graphicFrame>
+      <p:graphicFrame>
+        <p:nvGraphicFramePr>
+          <p:cNvPr id="10" name="Объект 9"/>
+          <p:cNvGraphicFramePr>
+            <a:graphicFrameLocks noChangeAspect="1"/>
+          </p:cNvGraphicFramePr>
+          <p:nvPr>
+            <p:extLst>
+              <p:ext uri="{D42A27DB-BD31-4B8C-83A1-F6EECF244321}">
+                <p14:modId xmlns:p14="http://schemas.microsoft.com/office/powerpoint/2010/main" val="3900544640"/>
+              </p:ext>
+            </p:extLst>
+          </p:nvPr>
+        </p:nvGraphicFramePr>
+        <p:xfrm>
+          <a:off x="8430985" y="2776803"/>
+          <a:ext cx="1028700" cy="304800"/>
+        </p:xfrm>
+        <a:graphic>
+          <a:graphicData uri="http://schemas.openxmlformats.org/presentationml/2006/ole">
+            <mc:AlternateContent xmlns:mc="http://schemas.openxmlformats.org/markup-compatibility/2006">
+              <mc:Choice xmlns:v="urn:schemas-microsoft-com:vml" Requires="v">
+                <p:oleObj spid="_x0000_s16394" name="Equation" r:id="rId8" imgW="1028520" imgH="304560" progId="Equation.DSMT4">
+                  <p:embed/>
+                </p:oleObj>
+              </mc:Choice>
+              <mc:Fallback>
+                <p:oleObj name="Equation" r:id="rId8" imgW="1028520" imgH="304560" progId="Equation.DSMT4">
+                  <p:embed/>
+                  <p:pic>
+                    <p:nvPicPr>
+                      <p:cNvPr id="0" name=""/>
+                      <p:cNvPicPr/>
+                      <p:nvPr/>
+                    </p:nvPicPr>
+                    <p:blipFill>
+                      <a:blip r:embed="rId9"/>
+                      <a:stretch>
+                        <a:fillRect/>
+                      </a:stretch>
+                    </p:blipFill>
+                    <p:spPr>
+                      <a:xfrm>
+                        <a:off x="8430985" y="2776803"/>
+                        <a:ext cx="1028700" cy="304800"/>
+                      </a:xfrm>
+                      <a:prstGeom prst="rect">
+                        <a:avLst/>
+                      </a:prstGeom>
+                    </p:spPr>
+                  </p:pic>
+                </p:oleObj>
+              </mc:Fallback>
+            </mc:AlternateContent>
+          </a:graphicData>
+        </a:graphic>
+      </p:graphicFrame>
+    </p:spTree>
+    <p:extLst>
+      <p:ext uri="{BB962C8B-B14F-4D97-AF65-F5344CB8AC3E}">
+        <p14:creationId xmlns:p14="http://schemas.microsoft.com/office/powerpoint/2010/main" val="1903193867"/>
+      </p:ext>
+    </p:extLst>
+  </p:cSld>
+  <p:clrMapOvr>
+    <a:masterClrMapping/>
+  </p:clrMapOvr>
+  <p:timing>
+    <p:tnLst>
+      <p:par>
+        <p:cTn id="1" dur="indefinite" restart="never" nodeType="tmRoot"/>
+      </p:par>
+    </p:tnLst>
+  </p:timing>
+</p:sld>
+</file>
+
+<file path=ppt/slides/slide14.xml><?xml version="1.0" encoding="utf-8"?>
+<p:sld xmlns:a="http://schemas.openxmlformats.org/drawingml/2006/main" xmlns:r="http://schemas.openxmlformats.org/officeDocument/2006/relationships" xmlns:p="http://schemas.openxmlformats.org/presentationml/2006/main">
+  <p:cSld>
+    <p:spTree>
+      <p:nvGrpSpPr>
+        <p:cNvPr id="1" name=""/>
+        <p:cNvGrpSpPr/>
+        <p:nvPr/>
+      </p:nvGrpSpPr>
+      <p:grpSpPr>
+        <a:xfrm>
+          <a:off x="0" y="0"/>
+          <a:ext cx="0" cy="0"/>
+          <a:chOff x="0" y="0"/>
+          <a:chExt cx="0" cy="0"/>
+        </a:xfrm>
+      </p:grpSpPr>
+      <p:sp>
+        <p:nvSpPr>
+          <p:cNvPr id="3" name="Заголовок 2">
+            <a:extLst>
+              <a:ext uri="{FF2B5EF4-FFF2-40B4-BE49-F238E27FC236}">
+                <a16:creationId xmlns="" xmlns:a16="http://schemas.microsoft.com/office/drawing/2014/main" id="{3F43DC89-D1A1-4A4E-90C9-C84B1864EC06}"/>
+              </a:ext>
+            </a:extLst>
+          </p:cNvPr>
+          <p:cNvSpPr>
+            <a:spLocks noGrp="1"/>
+          </p:cNvSpPr>
+          <p:nvPr>
+            <p:ph type="title"/>
+          </p:nvPr>
+        </p:nvSpPr>
+        <p:spPr/>
+        <p:txBody>
+          <a:bodyPr/>
+          <a:lstStyle/>
+          <a:p>
+            <a:r>
+              <a:rPr lang="ru-RU" dirty="0"/>
+              <a:t>Результаты</a:t>
+            </a:r>
+          </a:p>
+        </p:txBody>
+      </p:sp>
+      <p:sp>
+        <p:nvSpPr>
+          <p:cNvPr id="4" name="Объект 3"/>
+          <p:cNvSpPr>
+            <a:spLocks noGrp="1"/>
+          </p:cNvSpPr>
+          <p:nvPr>
+            <p:ph idx="1"/>
+          </p:nvPr>
+        </p:nvSpPr>
+        <p:spPr/>
+        <p:txBody>
+          <a:bodyPr/>
+          <a:lstStyle/>
+          <a:p>
+            <a:endParaRPr lang="ru-RU" dirty="0"/>
+          </a:p>
+        </p:txBody>
+      </p:sp>
+      <p:sp>
+        <p:nvSpPr>
+          <p:cNvPr id="2" name="Номер слайда 1">
+            <a:extLst>
+              <a:ext uri="{FF2B5EF4-FFF2-40B4-BE49-F238E27FC236}">
+                <a16:creationId xmlns="" xmlns:a16="http://schemas.microsoft.com/office/drawing/2014/main" id="{B9EF4480-FFF6-4022-8981-6EA812DD27AC}"/>
+              </a:ext>
+            </a:extLst>
+          </p:cNvPr>
+          <p:cNvSpPr>
+            <a:spLocks noGrp="1"/>
+          </p:cNvSpPr>
+          <p:nvPr>
+            <p:ph type="sldNum" sz="quarter" idx="12"/>
+          </p:nvPr>
+        </p:nvSpPr>
+        <p:spPr/>
+        <p:txBody>
+          <a:bodyPr/>
+          <a:lstStyle/>
+          <a:p>
+            <a:fld id="{751D432A-D135-4954-8559-2B6A9DE81B6A}" type="slidenum">
+              <a:rPr lang="ru-RU" sz="1800" b="1" smtClean="0">
+                <a:solidFill>
+                  <a:schemeClr val="tx1"/>
+                </a:solidFill>
+              </a:rPr>
+              <a:pPr/>
+              <a:t>14</a:t>
+            </a:fld>
+            <a:endParaRPr lang="ru-RU" sz="1800" b="1" dirty="0">
+              <a:solidFill>
+                <a:schemeClr val="tx1"/>
+              </a:solidFill>
+            </a:endParaRPr>
+          </a:p>
+        </p:txBody>
+      </p:sp>
+      <p:pic>
+        <p:nvPicPr>
+          <p:cNvPr id="7" name="Рисунок 6">
+            <a:extLst>
+              <a:ext uri="{FF2B5EF4-FFF2-40B4-BE49-F238E27FC236}">
+                <a16:creationId xmlns="" xmlns:a16="http://schemas.microsoft.com/office/drawing/2014/main" id="{B27CBF68-004C-4571-802E-793FFD58DEE2}"/>
+              </a:ext>
+            </a:extLst>
+          </p:cNvPr>
+          <p:cNvPicPr>
+            <a:picLocks noChangeAspect="1"/>
+          </p:cNvPicPr>
+          <p:nvPr/>
+        </p:nvPicPr>
+        <p:blipFill>
+          <a:blip r:embed="rId2"/>
+          <a:stretch>
+            <a:fillRect/>
+          </a:stretch>
+        </p:blipFill>
+        <p:spPr>
+          <a:xfrm>
+            <a:off x="834269" y="1748040"/>
+            <a:ext cx="3476473" cy="2436342"/>
+          </a:xfrm>
+          <a:prstGeom prst="rect">
+            <a:avLst/>
+          </a:prstGeom>
+        </p:spPr>
+      </p:pic>
+      <p:pic>
+        <p:nvPicPr>
+          <p:cNvPr id="8" name="Picture 8">
+            <a:extLst>
+              <a:ext uri="{FF2B5EF4-FFF2-40B4-BE49-F238E27FC236}">
+                <a16:creationId xmlns="" xmlns:a16="http://schemas.microsoft.com/office/drawing/2014/main" id="{23D99B0B-2553-4CD6-AADC-86A18220F107}"/>
               </a:ext>
             </a:extLst>
           </p:cNvPr>
@@ -6630,8 +8087,8 @@
         </p:blipFill>
         <p:spPr bwMode="auto">
           <a:xfrm>
-            <a:off x="3571234" y="2536307"/>
-            <a:ext cx="3404658" cy="2553493"/>
+            <a:off x="7956738" y="1809458"/>
+            <a:ext cx="4112900" cy="2313506"/>
           </a:xfrm>
           <a:prstGeom prst="rect">
             <a:avLst/>
@@ -6650,40 +8107,10 @@
       </p:pic>
       <p:pic>
         <p:nvPicPr>
-          <p:cNvPr id="7" name="Рисунок 6">
+          <p:cNvPr id="10242" name="Picture 2">
             <a:extLst>
               <a:ext uri="{FF2B5EF4-FFF2-40B4-BE49-F238E27FC236}">
-                <a16:creationId xmlns:a16="http://schemas.microsoft.com/office/drawing/2014/main" xmlns="" id="{B27CBF68-004C-4571-802E-793FFD58DEE2}"/>
-              </a:ext>
-            </a:extLst>
-          </p:cNvPr>
-          <p:cNvPicPr>
-            <a:picLocks noChangeAspect="1"/>
-          </p:cNvPicPr>
-          <p:nvPr/>
-        </p:nvPicPr>
-        <p:blipFill>
-          <a:blip r:embed="rId4"/>
-          <a:stretch>
-            <a:fillRect/>
-          </a:stretch>
-        </p:blipFill>
-        <p:spPr>
-          <a:xfrm>
-            <a:off x="605671" y="4755581"/>
-            <a:ext cx="2965563" cy="2078292"/>
-          </a:xfrm>
-          <a:prstGeom prst="rect">
-            <a:avLst/>
-          </a:prstGeom>
-        </p:spPr>
-      </p:pic>
-      <p:pic>
-        <p:nvPicPr>
-          <p:cNvPr id="8" name="Picture 8">
-            <a:extLst>
-              <a:ext uri="{FF2B5EF4-FFF2-40B4-BE49-F238E27FC236}">
-                <a16:creationId xmlns:a16="http://schemas.microsoft.com/office/drawing/2014/main" xmlns="" id="{23D99B0B-2553-4CD6-AADC-86A18220F107}"/>
+                <a16:creationId xmlns="" xmlns:a16="http://schemas.microsoft.com/office/drawing/2014/main" id="{C628EADF-1C0A-4BD5-8115-688F686C319D}"/>
               </a:ext>
             </a:extLst>
           </p:cNvPr>
@@ -6693,7 +8120,7 @@
           <p:nvPr/>
         </p:nvPicPr>
         <p:blipFill>
-          <a:blip r:embed="rId5" cstate="print">
+          <a:blip r:embed="rId4" cstate="print">
             <a:extLst>
               <a:ext uri="{28A0092B-C50C-407E-A947-70E740481C1C}">
                 <a14:useLocalDpi xmlns:a14="http://schemas.microsoft.com/office/drawing/2010/main" val="0"/>
@@ -6707,55 +8134,8 @@
         </p:blipFill>
         <p:spPr bwMode="auto">
           <a:xfrm>
-            <a:off x="7678656" y="2664035"/>
-            <a:ext cx="3502946" cy="1970407"/>
-          </a:xfrm>
-          <a:prstGeom prst="rect">
-            <a:avLst/>
-          </a:prstGeom>
-          <a:noFill/>
-          <a:extLst>
-            <a:ext uri="{909E8E84-426E-40DD-AFC4-6F175D3DCCD1}">
-              <a14:hiddenFill xmlns:a14="http://schemas.microsoft.com/office/drawing/2010/main">
-                <a:solidFill>
-                  <a:srgbClr val="FFFFFF"/>
-                </a:solidFill>
-              </a14:hiddenFill>
-            </a:ext>
-          </a:extLst>
-        </p:spPr>
-      </p:pic>
-      <p:pic>
-        <p:nvPicPr>
-          <p:cNvPr id="10242" name="Picture 2">
-            <a:extLst>
-              <a:ext uri="{FF2B5EF4-FFF2-40B4-BE49-F238E27FC236}">
-                <a16:creationId xmlns:a16="http://schemas.microsoft.com/office/drawing/2014/main" xmlns="" id="{C628EADF-1C0A-4BD5-8115-688F686C319D}"/>
-              </a:ext>
-            </a:extLst>
-          </p:cNvPr>
-          <p:cNvPicPr>
-            <a:picLocks noChangeAspect="1" noChangeArrowheads="1"/>
-          </p:cNvPicPr>
-          <p:nvPr/>
-        </p:nvPicPr>
-        <p:blipFill>
-          <a:blip r:embed="rId6" cstate="print">
-            <a:extLst>
-              <a:ext uri="{28A0092B-C50C-407E-A947-70E740481C1C}">
-                <a14:useLocalDpi xmlns:a14="http://schemas.microsoft.com/office/drawing/2010/main" val="0"/>
-              </a:ext>
-            </a:extLst>
-          </a:blip>
-          <a:srcRect/>
-          <a:stretch>
-            <a:fillRect/>
-          </a:stretch>
-        </p:blipFill>
-        <p:spPr bwMode="auto">
-          <a:xfrm>
-            <a:off x="4176905" y="4548281"/>
-            <a:ext cx="3316754" cy="2285592"/>
+            <a:off x="4310743" y="3945636"/>
+            <a:ext cx="3645995" cy="2512474"/>
           </a:xfrm>
           <a:prstGeom prst="rect">
             <a:avLst/>
@@ -6782,10 +8162,17 @@
   <p:clrMapOvr>
     <a:masterClrMapping/>
   </p:clrMapOvr>
+  <p:timing>
+    <p:tnLst>
+      <p:par>
+        <p:cTn id="1" dur="indefinite" restart="never" nodeType="tmRoot"/>
+      </p:par>
+    </p:tnLst>
+  </p:timing>
 </p:sld>
 </file>
 
-<file path=ppt/slides/slide12.xml><?xml version="1.0" encoding="utf-8"?>
+<file path=ppt/slides/slide15.xml><?xml version="1.0" encoding="utf-8"?>
 <p:sld xmlns:a="http://schemas.openxmlformats.org/drawingml/2006/main" xmlns:r="http://schemas.openxmlformats.org/officeDocument/2006/relationships" xmlns:p="http://schemas.openxmlformats.org/presentationml/2006/main">
   <p:cSld>
     <p:spTree>
@@ -6941,6 +8328,13 @@
   <p:clrMapOvr>
     <a:masterClrMapping/>
   </p:clrMapOvr>
+  <p:timing>
+    <p:tnLst>
+      <p:par>
+        <p:cTn id="1" dur="indefinite" restart="never" nodeType="tmRoot"/>
+      </p:par>
+    </p:tnLst>
+  </p:timing>
 </p:sld>
 </file>
 
@@ -6966,7 +8360,7 @@
           <p:cNvPr id="2" name="Номер слайда 1">
             <a:extLst>
               <a:ext uri="{FF2B5EF4-FFF2-40B4-BE49-F238E27FC236}">
-                <a16:creationId xmlns:a16="http://schemas.microsoft.com/office/drawing/2014/main" xmlns="" id="{6098971D-5BA3-4105-A0EB-48E8CD086855}"/>
+                <a16:creationId xmlns="" xmlns:a16="http://schemas.microsoft.com/office/drawing/2014/main" id="{6098971D-5BA3-4105-A0EB-48E8CD086855}"/>
               </a:ext>
             </a:extLst>
           </p:cNvPr>
@@ -6983,11 +8377,19 @@
           <a:lstStyle/>
           <a:p>
             <a:fld id="{751D432A-D135-4954-8559-2B6A9DE81B6A}" type="slidenum">
-              <a:rPr lang="ru-RU" smtClean="0"/>
+              <a:rPr lang="ru-RU" sz="1800" b="1" smtClean="0">
+                <a:solidFill>
+                  <a:schemeClr val="tx1"/>
+                </a:solidFill>
+              </a:rPr>
               <a:pPr/>
               <a:t>2</a:t>
             </a:fld>
-            <a:endParaRPr lang="ru-RU" dirty="0"/>
+            <a:endParaRPr lang="ru-RU" sz="1800" b="1" dirty="0">
+              <a:solidFill>
+                <a:schemeClr val="tx1"/>
+              </a:solidFill>
+            </a:endParaRPr>
           </a:p>
         </p:txBody>
       </p:sp>
@@ -6996,7 +8398,7 @@
           <p:cNvPr id="3" name="Заголовок 2">
             <a:extLst>
               <a:ext uri="{FF2B5EF4-FFF2-40B4-BE49-F238E27FC236}">
-                <a16:creationId xmlns:a16="http://schemas.microsoft.com/office/drawing/2014/main" xmlns="" id="{07E66B6F-2F2E-4256-AAA1-A18CD71FE782}"/>
+                <a16:creationId xmlns="" xmlns:a16="http://schemas.microsoft.com/office/drawing/2014/main" id="{07E66B6F-2F2E-4256-AAA1-A18CD71FE782}"/>
               </a:ext>
             </a:extLst>
           </p:cNvPr>
@@ -7024,7 +8426,7 @@
           <p:cNvPr id="4" name="Текст 3">
             <a:extLst>
               <a:ext uri="{FF2B5EF4-FFF2-40B4-BE49-F238E27FC236}">
-                <a16:creationId xmlns:a16="http://schemas.microsoft.com/office/drawing/2014/main" xmlns="" id="{4D84527A-FE93-4BCB-AD6A-0764C6E5AF7B}"/>
+                <a16:creationId xmlns="" xmlns:a16="http://schemas.microsoft.com/office/drawing/2014/main" id="{4D84527A-FE93-4BCB-AD6A-0764C6E5AF7B}"/>
               </a:ext>
             </a:extLst>
           </p:cNvPr>
@@ -7093,7 +8495,7 @@
           <p:cNvPr id="9" name="TextBox 8">
             <a:extLst>
               <a:ext uri="{FF2B5EF4-FFF2-40B4-BE49-F238E27FC236}">
-                <a16:creationId xmlns:a16="http://schemas.microsoft.com/office/drawing/2014/main" xmlns="" id="{B52051B1-98D8-402D-A05B-CB88338D3FC0}"/>
+                <a16:creationId xmlns="" xmlns:a16="http://schemas.microsoft.com/office/drawing/2014/main" id="{B52051B1-98D8-402D-A05B-CB88338D3FC0}"/>
               </a:ext>
             </a:extLst>
           </p:cNvPr>
@@ -7170,7 +8572,7 @@
           <p:cNvPr id="3" name="Заголовок 2">
             <a:extLst>
               <a:ext uri="{FF2B5EF4-FFF2-40B4-BE49-F238E27FC236}">
-                <a16:creationId xmlns:a16="http://schemas.microsoft.com/office/drawing/2014/main" xmlns="" id="{65F70A3B-76F2-473F-8F79-B6A978BFCED5}"/>
+                <a16:creationId xmlns="" xmlns:a16="http://schemas.microsoft.com/office/drawing/2014/main" id="{65F70A3B-76F2-473F-8F79-B6A978BFCED5}"/>
               </a:ext>
             </a:extLst>
           </p:cNvPr>
@@ -7205,7 +8607,7 @@
           <p:cNvPr id="2" name="Номер слайда 1">
             <a:extLst>
               <a:ext uri="{FF2B5EF4-FFF2-40B4-BE49-F238E27FC236}">
-                <a16:creationId xmlns:a16="http://schemas.microsoft.com/office/drawing/2014/main" xmlns="" id="{0580F03E-E7BF-4128-BD87-EC8FA6495150}"/>
+                <a16:creationId xmlns="" xmlns:a16="http://schemas.microsoft.com/office/drawing/2014/main" id="{0580F03E-E7BF-4128-BD87-EC8FA6495150}"/>
               </a:ext>
             </a:extLst>
           </p:cNvPr>
@@ -7224,7 +8626,7 @@
         </p:spPr>
         <p:txBody>
           <a:bodyPr anchor="ctr">
-            <a:normAutofit/>
+            <a:noAutofit/>
           </a:bodyPr>
           <a:lstStyle/>
           <a:p>
@@ -7234,7 +8636,11 @@
               </a:spcAft>
             </a:pPr>
             <a:fld id="{751D432A-D135-4954-8559-2B6A9DE81B6A}" type="slidenum">
-              <a:rPr lang="ru-RU" smtClean="0"/>
+              <a:rPr lang="ru-RU" sz="1800" b="1" smtClean="0">
+                <a:solidFill>
+                  <a:schemeClr val="tx1"/>
+                </a:solidFill>
+              </a:rPr>
               <a:pPr>
                 <a:spcAft>
                   <a:spcPts val="600"/>
@@ -7242,7 +8648,11 @@
               </a:pPr>
               <a:t>3</a:t>
             </a:fld>
-            <a:endParaRPr lang="ru-RU"/>
+            <a:endParaRPr lang="ru-RU" sz="1800" b="1" dirty="0">
+              <a:solidFill>
+                <a:schemeClr val="tx1"/>
+              </a:solidFill>
+            </a:endParaRPr>
           </a:p>
         </p:txBody>
       </p:sp>
@@ -7251,7 +8661,7 @@
           <p:cNvPr id="6" name="Таблица 5">
             <a:extLst>
               <a:ext uri="{FF2B5EF4-FFF2-40B4-BE49-F238E27FC236}">
-                <a16:creationId xmlns:a16="http://schemas.microsoft.com/office/drawing/2014/main" xmlns="" id="{FE2B6B68-9222-40BE-984A-9B7B99E56F18}"/>
+                <a16:creationId xmlns="" xmlns:a16="http://schemas.microsoft.com/office/drawing/2014/main" id="{FE2B6B68-9222-40BE-984A-9B7B99E56F18}"/>
               </a:ext>
             </a:extLst>
           </p:cNvPr>
@@ -7278,21 +8688,21 @@
                 <a:gridCol w="2586055">
                   <a:extLst>
                     <a:ext uri="{9D8B030D-6E8A-4147-A177-3AD203B41FA5}">
-                      <a16:colId xmlns:a16="http://schemas.microsoft.com/office/drawing/2014/main" xmlns="" val="3935573724"/>
+                      <a16:colId xmlns="" xmlns:a16="http://schemas.microsoft.com/office/drawing/2014/main" val="3935573724"/>
                     </a:ext>
                   </a:extLst>
                 </a:gridCol>
                 <a:gridCol w="2900325">
                   <a:extLst>
                     <a:ext uri="{9D8B030D-6E8A-4147-A177-3AD203B41FA5}">
-                      <a16:colId xmlns:a16="http://schemas.microsoft.com/office/drawing/2014/main" xmlns="" val="1280676488"/>
+                      <a16:colId xmlns="" xmlns:a16="http://schemas.microsoft.com/office/drawing/2014/main" val="1280676488"/>
                     </a:ext>
                   </a:extLst>
                 </a:gridCol>
                 <a:gridCol w="3586967">
                   <a:extLst>
                     <a:ext uri="{9D8B030D-6E8A-4147-A177-3AD203B41FA5}">
-                      <a16:colId xmlns:a16="http://schemas.microsoft.com/office/drawing/2014/main" xmlns="" val="3584821397"/>
+                      <a16:colId xmlns="" xmlns:a16="http://schemas.microsoft.com/office/drawing/2014/main" val="3584821397"/>
                     </a:ext>
                   </a:extLst>
                 </a:gridCol>
@@ -7513,7 +8923,7 @@
                 </a:tc>
                 <a:extLst>
                   <a:ext uri="{0D108BD9-81ED-4DB2-BD59-A6C34878D82A}">
-                    <a16:rowId xmlns:a16="http://schemas.microsoft.com/office/drawing/2014/main" xmlns="" val="590879686"/>
+                    <a16:rowId xmlns="" xmlns:a16="http://schemas.microsoft.com/office/drawing/2014/main" val="590879686"/>
                   </a:ext>
                 </a:extLst>
               </a:tr>
@@ -7807,7 +9217,7 @@
                 </a:tc>
                 <a:extLst>
                   <a:ext uri="{0D108BD9-81ED-4DB2-BD59-A6C34878D82A}">
-                    <a16:rowId xmlns:a16="http://schemas.microsoft.com/office/drawing/2014/main" xmlns="" val="2754747789"/>
+                    <a16:rowId xmlns="" xmlns:a16="http://schemas.microsoft.com/office/drawing/2014/main" val="2754747789"/>
                   </a:ext>
                 </a:extLst>
               </a:tr>
@@ -8036,7 +9446,7 @@
                 </a:tc>
                 <a:extLst>
                   <a:ext uri="{0D108BD9-81ED-4DB2-BD59-A6C34878D82A}">
-                    <a16:rowId xmlns:a16="http://schemas.microsoft.com/office/drawing/2014/main" xmlns="" val="106684801"/>
+                    <a16:rowId xmlns="" xmlns:a16="http://schemas.microsoft.com/office/drawing/2014/main" val="106684801"/>
                   </a:ext>
                 </a:extLst>
               </a:tr>
@@ -8343,7 +9753,7 @@
                 </a:tc>
                 <a:extLst>
                   <a:ext uri="{0D108BD9-81ED-4DB2-BD59-A6C34878D82A}">
-                    <a16:rowId xmlns:a16="http://schemas.microsoft.com/office/drawing/2014/main" xmlns="" val="3645791315"/>
+                    <a16:rowId xmlns="" xmlns:a16="http://schemas.microsoft.com/office/drawing/2014/main" val="3645791315"/>
                   </a:ext>
                 </a:extLst>
               </a:tr>
@@ -8572,7 +9982,7 @@
                 </a:tc>
                 <a:extLst>
                   <a:ext uri="{0D108BD9-81ED-4DB2-BD59-A6C34878D82A}">
-                    <a16:rowId xmlns:a16="http://schemas.microsoft.com/office/drawing/2014/main" xmlns="" val="4232353146"/>
+                    <a16:rowId xmlns="" xmlns:a16="http://schemas.microsoft.com/office/drawing/2014/main" val="4232353146"/>
                   </a:ext>
                 </a:extLst>
               </a:tr>
@@ -8585,7 +9995,7 @@
           <p:cNvPr id="9" name="TextBox 8">
             <a:extLst>
               <a:ext uri="{FF2B5EF4-FFF2-40B4-BE49-F238E27FC236}">
-                <a16:creationId xmlns:a16="http://schemas.microsoft.com/office/drawing/2014/main" xmlns="" id="{7C287909-9480-4FE7-9D30-F50C0E434808}"/>
+                <a16:creationId xmlns="" xmlns:a16="http://schemas.microsoft.com/office/drawing/2014/main" id="{7C287909-9480-4FE7-9D30-F50C0E434808}"/>
               </a:ext>
             </a:extLst>
           </p:cNvPr>
@@ -8831,7 +10241,7 @@
           <p:cNvPr id="2" name="Номер слайда 1">
             <a:extLst>
               <a:ext uri="{FF2B5EF4-FFF2-40B4-BE49-F238E27FC236}">
-                <a16:creationId xmlns:a16="http://schemas.microsoft.com/office/drawing/2014/main" xmlns="" id="{247E7F6B-780D-4361-BACE-2711AB2D6A63}"/>
+                <a16:creationId xmlns="" xmlns:a16="http://schemas.microsoft.com/office/drawing/2014/main" id="{247E7F6B-780D-4361-BACE-2711AB2D6A63}"/>
               </a:ext>
             </a:extLst>
           </p:cNvPr>
@@ -8848,11 +10258,19 @@
           <a:lstStyle/>
           <a:p>
             <a:fld id="{751D432A-D135-4954-8559-2B6A9DE81B6A}" type="slidenum">
-              <a:rPr lang="ru-RU" smtClean="0"/>
+              <a:rPr lang="ru-RU" sz="1800" b="1" smtClean="0">
+                <a:solidFill>
+                  <a:schemeClr val="tx1"/>
+                </a:solidFill>
+              </a:rPr>
               <a:pPr/>
               <a:t>4</a:t>
             </a:fld>
-            <a:endParaRPr lang="ru-RU" dirty="0"/>
+            <a:endParaRPr lang="ru-RU" sz="1800" b="1" dirty="0">
+              <a:solidFill>
+                <a:schemeClr val="tx1"/>
+              </a:solidFill>
+            </a:endParaRPr>
           </a:p>
         </p:txBody>
       </p:sp>
@@ -8861,7 +10279,7 @@
           <p:cNvPr id="3" name="Заголовок 2">
             <a:extLst>
               <a:ext uri="{FF2B5EF4-FFF2-40B4-BE49-F238E27FC236}">
-                <a16:creationId xmlns:a16="http://schemas.microsoft.com/office/drawing/2014/main" xmlns="" id="{E92D53AD-69BB-4E61-9189-F3A7DFE9737C}"/>
+                <a16:creationId xmlns="" xmlns:a16="http://schemas.microsoft.com/office/drawing/2014/main" id="{E92D53AD-69BB-4E61-9189-F3A7DFE9737C}"/>
               </a:ext>
             </a:extLst>
           </p:cNvPr>
@@ -8889,7 +10307,7 @@
           <p:cNvPr id="6" name="Рисунок 5">
             <a:extLst>
               <a:ext uri="{FF2B5EF4-FFF2-40B4-BE49-F238E27FC236}">
-                <a16:creationId xmlns:a16="http://schemas.microsoft.com/office/drawing/2014/main" xmlns="" id="{24421BA1-06BC-4B0F-B05E-DA2A7B8751B5}"/>
+                <a16:creationId xmlns="" xmlns:a16="http://schemas.microsoft.com/office/drawing/2014/main" id="{24421BA1-06BC-4B0F-B05E-DA2A7B8751B5}"/>
               </a:ext>
             </a:extLst>
           </p:cNvPr>
@@ -8917,7 +10335,7 @@
           <p:cNvPr id="7" name="Рисунок 6">
             <a:extLst>
               <a:ext uri="{FF2B5EF4-FFF2-40B4-BE49-F238E27FC236}">
-                <a16:creationId xmlns:a16="http://schemas.microsoft.com/office/drawing/2014/main" xmlns="" id="{4B754820-913A-416B-8979-E3E0A9F3B448}"/>
+                <a16:creationId xmlns="" xmlns:a16="http://schemas.microsoft.com/office/drawing/2014/main" id="{4B754820-913A-416B-8979-E3E0A9F3B448}"/>
               </a:ext>
             </a:extLst>
           </p:cNvPr>
@@ -8956,7 +10374,7 @@
           <p:cNvPr id="8" name="Рисунок 7">
             <a:extLst>
               <a:ext uri="{FF2B5EF4-FFF2-40B4-BE49-F238E27FC236}">
-                <a16:creationId xmlns:a16="http://schemas.microsoft.com/office/drawing/2014/main" xmlns="" id="{DB69C41C-DD27-432F-BDE1-C25851C21061}"/>
+                <a16:creationId xmlns="" xmlns:a16="http://schemas.microsoft.com/office/drawing/2014/main" id="{DB69C41C-DD27-432F-BDE1-C25851C21061}"/>
               </a:ext>
             </a:extLst>
           </p:cNvPr>
@@ -8995,7 +10413,7 @@
           <p:cNvPr id="10" name="Рисунок 9">
             <a:extLst>
               <a:ext uri="{FF2B5EF4-FFF2-40B4-BE49-F238E27FC236}">
-                <a16:creationId xmlns:a16="http://schemas.microsoft.com/office/drawing/2014/main" xmlns="" id="{C69D74A5-0DEF-4F4F-AE93-2BC99989A859}"/>
+                <a16:creationId xmlns="" xmlns:a16="http://schemas.microsoft.com/office/drawing/2014/main" id="{C69D74A5-0DEF-4F4F-AE93-2BC99989A859}"/>
               </a:ext>
             </a:extLst>
           </p:cNvPr>
@@ -9030,7 +10448,7 @@
           <p:cNvPr id="13" name="Рисунок 12">
             <a:extLst>
               <a:ext uri="{FF2B5EF4-FFF2-40B4-BE49-F238E27FC236}">
-                <a16:creationId xmlns:a16="http://schemas.microsoft.com/office/drawing/2014/main" xmlns="" id="{9072F750-2699-4252-B917-0B7A67C293B5}"/>
+                <a16:creationId xmlns="" xmlns:a16="http://schemas.microsoft.com/office/drawing/2014/main" id="{9072F750-2699-4252-B917-0B7A67C293B5}"/>
               </a:ext>
             </a:extLst>
           </p:cNvPr>
@@ -9058,7 +10476,7 @@
           <p:cNvPr id="14" name="Рисунок 13" descr="C:\Users\Ruslan\Downloads\photo_5260493764416362252_y.jpg">
             <a:extLst>
               <a:ext uri="{FF2B5EF4-FFF2-40B4-BE49-F238E27FC236}">
-                <a16:creationId xmlns:a16="http://schemas.microsoft.com/office/drawing/2014/main" xmlns="" id="{C62BEF66-DC8F-4024-A165-BA59F2DA8456}"/>
+                <a16:creationId xmlns="" xmlns:a16="http://schemas.microsoft.com/office/drawing/2014/main" id="{C62BEF66-DC8F-4024-A165-BA59F2DA8456}"/>
               </a:ext>
             </a:extLst>
           </p:cNvPr>
@@ -9102,6 +10520,13 @@
   <p:clrMapOvr>
     <a:masterClrMapping/>
   </p:clrMapOvr>
+  <p:timing>
+    <p:tnLst>
+      <p:par>
+        <p:cTn id="1" dur="indefinite" restart="never" nodeType="tmRoot"/>
+      </p:par>
+    </p:tnLst>
+  </p:timing>
 </p:sld>
 </file>
 
@@ -9127,7 +10552,7 @@
           <p:cNvPr id="2" name="Номер слайда 1">
             <a:extLst>
               <a:ext uri="{FF2B5EF4-FFF2-40B4-BE49-F238E27FC236}">
-                <a16:creationId xmlns:a16="http://schemas.microsoft.com/office/drawing/2014/main" xmlns="" id="{D21018C0-46BD-4D32-ABAE-F9E667D73F1C}"/>
+                <a16:creationId xmlns="" xmlns:a16="http://schemas.microsoft.com/office/drawing/2014/main" id="{D21018C0-46BD-4D32-ABAE-F9E667D73F1C}"/>
               </a:ext>
             </a:extLst>
           </p:cNvPr>
@@ -9144,11 +10569,19 @@
           <a:lstStyle/>
           <a:p>
             <a:fld id="{751D432A-D135-4954-8559-2B6A9DE81B6A}" type="slidenum">
-              <a:rPr lang="ru-RU" smtClean="0"/>
+              <a:rPr lang="ru-RU" sz="1800" b="1" smtClean="0">
+                <a:solidFill>
+                  <a:schemeClr val="tx1"/>
+                </a:solidFill>
+              </a:rPr>
               <a:pPr/>
               <a:t>5</a:t>
             </a:fld>
-            <a:endParaRPr lang="ru-RU" dirty="0"/>
+            <a:endParaRPr lang="ru-RU" b="1" dirty="0">
+              <a:solidFill>
+                <a:schemeClr val="tx1"/>
+              </a:solidFill>
+            </a:endParaRPr>
           </a:p>
         </p:txBody>
       </p:sp>
@@ -9157,7 +10590,7 @@
           <p:cNvPr id="3" name="Заголовок 2">
             <a:extLst>
               <a:ext uri="{FF2B5EF4-FFF2-40B4-BE49-F238E27FC236}">
-                <a16:creationId xmlns:a16="http://schemas.microsoft.com/office/drawing/2014/main" xmlns="" id="{77B005C9-6564-4ECE-A547-59B792E5130D}"/>
+                <a16:creationId xmlns="" xmlns:a16="http://schemas.microsoft.com/office/drawing/2014/main" id="{77B005C9-6564-4ECE-A547-59B792E5130D}"/>
               </a:ext>
             </a:extLst>
           </p:cNvPr>
@@ -9194,7 +10627,7 @@
           <p:cNvPr id="16" name="Rectangle 6">
             <a:extLst>
               <a:ext uri="{FF2B5EF4-FFF2-40B4-BE49-F238E27FC236}">
-                <a16:creationId xmlns:a16="http://schemas.microsoft.com/office/drawing/2014/main" xmlns="" id="{21BF7161-81BF-4660-93A9-95AA02151190}"/>
+                <a16:creationId xmlns="" xmlns:a16="http://schemas.microsoft.com/office/drawing/2014/main" id="{21BF7161-81BF-4660-93A9-95AA02151190}"/>
               </a:ext>
             </a:extLst>
           </p:cNvPr>
@@ -9263,7 +10696,7 @@
           <p:cNvPr id="17" name="Объект 16">
             <a:extLst>
               <a:ext uri="{FF2B5EF4-FFF2-40B4-BE49-F238E27FC236}">
-                <a16:creationId xmlns:a16="http://schemas.microsoft.com/office/drawing/2014/main" xmlns="" id="{067D4738-FA39-496E-B82B-7E72F3D9D3A8}"/>
+                <a16:creationId xmlns="" xmlns:a16="http://schemas.microsoft.com/office/drawing/2014/main" id="{067D4738-FA39-496E-B82B-7E72F3D9D3A8}"/>
               </a:ext>
             </a:extLst>
           </p:cNvPr>
@@ -9273,20 +10706,20 @@
           <p:nvPr>
             <p:extLst>
               <p:ext uri="{D42A27DB-BD31-4B8C-83A1-F6EECF244321}">
-                <p14:modId xmlns:p14="http://schemas.microsoft.com/office/powerpoint/2010/main" val="697211454"/>
+                <p14:modId xmlns:p14="http://schemas.microsoft.com/office/powerpoint/2010/main" val="351589193"/>
               </p:ext>
             </p:extLst>
           </p:nvPr>
         </p:nvGraphicFramePr>
         <p:xfrm>
-          <a:off x="0" y="2895600"/>
+          <a:off x="161925" y="3654879"/>
           <a:ext cx="5934075" cy="1800225"/>
         </p:xfrm>
         <a:graphic>
           <a:graphicData uri="http://schemas.openxmlformats.org/presentationml/2006/ole">
             <mc:AlternateContent xmlns:mc="http://schemas.openxmlformats.org/markup-compatibility/2006">
               <mc:Choice xmlns:v="urn:schemas-microsoft-com:vml" Requires="v">
-                <p:oleObj spid="_x0000_s9227" name="Visio" r:id="rId3" imgW="6838740" imgH="2076514" progId="Visio.Drawing.15">
+                <p:oleObj spid="_x0000_s9231" name="Visio" r:id="rId3" imgW="6838740" imgH="2076514" progId="Visio.Drawing.15">
                   <p:embed/>
                 </p:oleObj>
               </mc:Choice>
@@ -9316,7 +10749,7 @@
                     </p:blipFill>
                     <p:spPr bwMode="auto">
                       <a:xfrm>
-                        <a:off x="0" y="2895600"/>
+                        <a:off x="161925" y="3654879"/>
                         <a:ext cx="5934075" cy="1800225"/>
                       </a:xfrm>
                       <a:prstGeom prst="rect">
@@ -9342,10 +10775,10 @@
       </p:graphicFrame>
       <p:pic>
         <p:nvPicPr>
-          <p:cNvPr id="18" name="Рисунок 17">
+          <p:cNvPr id="20" name="Рисунок 19">
             <a:extLst>
               <a:ext uri="{FF2B5EF4-FFF2-40B4-BE49-F238E27FC236}">
-                <a16:creationId xmlns:a16="http://schemas.microsoft.com/office/drawing/2014/main" xmlns="" id="{BA69B803-D14E-4C64-B023-94FFD5BC32C4}"/>
+                <a16:creationId xmlns="" xmlns:a16="http://schemas.microsoft.com/office/drawing/2014/main" id="{C3432E2F-97D9-4BC5-A1DA-9DC39DCBB7B2}"/>
               </a:ext>
             </a:extLst>
           </p:cNvPr>
@@ -9353,7 +10786,7 @@
           <p:nvPr/>
         </p:nvPicPr>
         <p:blipFill>
-          <a:blip r:embed="rId5" cstate="print">
+          <a:blip r:embed="rId5">
             <a:extLst>
               <a:ext uri="{28A0092B-C50C-407E-A947-70E740481C1C}">
                 <a14:useLocalDpi xmlns:a14="http://schemas.microsoft.com/office/drawing/2010/main" val="0"/>
@@ -9367,8 +10800,8 @@
         </p:blipFill>
         <p:spPr bwMode="auto">
           <a:xfrm>
-            <a:off x="0" y="4795977"/>
-            <a:ext cx="5934075" cy="1685925"/>
+            <a:off x="6000751" y="3094261"/>
+            <a:ext cx="6055178" cy="3164627"/>
           </a:xfrm>
           <a:prstGeom prst="rect">
             <a:avLst/>
@@ -9379,90 +10812,12 @@
           </a:ln>
         </p:spPr>
       </p:pic>
-      <p:pic>
-        <p:nvPicPr>
-          <p:cNvPr id="19" name="Рисунок 18">
-            <a:extLst>
-              <a:ext uri="{FF2B5EF4-FFF2-40B4-BE49-F238E27FC236}">
-                <a16:creationId xmlns:a16="http://schemas.microsoft.com/office/drawing/2014/main" xmlns="" id="{23723E94-026B-4CA8-9023-FD7789D3806A}"/>
-              </a:ext>
-            </a:extLst>
-          </p:cNvPr>
-          <p:cNvPicPr/>
-          <p:nvPr/>
-        </p:nvPicPr>
-        <p:blipFill>
-          <a:blip r:embed="rId6">
-            <a:extLst>
-              <a:ext uri="{28A0092B-C50C-407E-A947-70E740481C1C}">
-                <a14:useLocalDpi xmlns:a14="http://schemas.microsoft.com/office/drawing/2010/main" val="0"/>
-              </a:ext>
-            </a:extLst>
-          </a:blip>
-          <a:srcRect/>
-          <a:stretch>
-            <a:fillRect/>
-          </a:stretch>
-        </p:blipFill>
-        <p:spPr bwMode="auto">
-          <a:xfrm>
-            <a:off x="6215302" y="4518213"/>
-            <a:ext cx="3963614" cy="2339788"/>
-          </a:xfrm>
-          <a:prstGeom prst="rect">
-            <a:avLst/>
-          </a:prstGeom>
-          <a:noFill/>
-          <a:ln>
-            <a:noFill/>
-          </a:ln>
-        </p:spPr>
-      </p:pic>
-      <p:pic>
-        <p:nvPicPr>
-          <p:cNvPr id="20" name="Рисунок 19">
-            <a:extLst>
-              <a:ext uri="{FF2B5EF4-FFF2-40B4-BE49-F238E27FC236}">
-                <a16:creationId xmlns:a16="http://schemas.microsoft.com/office/drawing/2014/main" xmlns="" id="{C3432E2F-97D9-4BC5-A1DA-9DC39DCBB7B2}"/>
-              </a:ext>
-            </a:extLst>
-          </p:cNvPr>
-          <p:cNvPicPr/>
-          <p:nvPr/>
-        </p:nvPicPr>
-        <p:blipFill>
-          <a:blip r:embed="rId7">
-            <a:extLst>
-              <a:ext uri="{28A0092B-C50C-407E-A947-70E740481C1C}">
-                <a14:useLocalDpi xmlns:a14="http://schemas.microsoft.com/office/drawing/2010/main" val="0"/>
-              </a:ext>
-            </a:extLst>
-          </a:blip>
-          <a:srcRect/>
-          <a:stretch>
-            <a:fillRect/>
-          </a:stretch>
-        </p:blipFill>
-        <p:spPr bwMode="auto">
-          <a:xfrm>
-            <a:off x="6257927" y="2765330"/>
-            <a:ext cx="3881824" cy="1752882"/>
-          </a:xfrm>
-          <a:prstGeom prst="rect">
-            <a:avLst/>
-          </a:prstGeom>
-          <a:noFill/>
-          <a:ln>
-            <a:noFill/>
-          </a:ln>
-        </p:spPr>
-      </p:pic>
       <p:sp>
         <p:nvSpPr>
           <p:cNvPr id="23" name="TextBox 22">
             <a:extLst>
               <a:ext uri="{FF2B5EF4-FFF2-40B4-BE49-F238E27FC236}">
-                <a16:creationId xmlns:a16="http://schemas.microsoft.com/office/drawing/2014/main" xmlns="" id="{57AEB712-E86C-4D5E-A640-BDB06EE4AEEA}"/>
+                <a16:creationId xmlns="" xmlns:a16="http://schemas.microsoft.com/office/drawing/2014/main" id="{57AEB712-E86C-4D5E-A640-BDB06EE4AEEA}"/>
               </a:ext>
             </a:extLst>
           </p:cNvPr>
@@ -9514,6 +10869,13 @@
   <p:clrMapOvr>
     <a:masterClrMapping/>
   </p:clrMapOvr>
+  <p:timing>
+    <p:tnLst>
+      <p:par>
+        <p:cTn id="1" dur="indefinite" restart="never" nodeType="tmRoot"/>
+      </p:par>
+    </p:tnLst>
+  </p:timing>
 </p:sld>
 </file>
 
@@ -9539,7 +10901,7 @@
           <p:cNvPr id="2" name="Номер слайда 1">
             <a:extLst>
               <a:ext uri="{FF2B5EF4-FFF2-40B4-BE49-F238E27FC236}">
-                <a16:creationId xmlns:a16="http://schemas.microsoft.com/office/drawing/2014/main" xmlns="" id="{8B2B390A-BBCD-4B9D-89DA-031E2F9FBED7}"/>
+                <a16:creationId xmlns="" xmlns:a16="http://schemas.microsoft.com/office/drawing/2014/main" id="{D21018C0-46BD-4D32-ABAE-F9E667D73F1C}"/>
               </a:ext>
             </a:extLst>
           </p:cNvPr>
@@ -9556,11 +10918,19 @@
           <a:lstStyle/>
           <a:p>
             <a:fld id="{751D432A-D135-4954-8559-2B6A9DE81B6A}" type="slidenum">
-              <a:rPr lang="ru-RU" smtClean="0"/>
+              <a:rPr lang="ru-RU" sz="1800" b="1" smtClean="0">
+                <a:solidFill>
+                  <a:schemeClr val="tx1"/>
+                </a:solidFill>
+              </a:rPr>
               <a:pPr/>
               <a:t>6</a:t>
             </a:fld>
-            <a:endParaRPr lang="ru-RU" dirty="0"/>
+            <a:endParaRPr lang="ru-RU" b="1" dirty="0">
+              <a:solidFill>
+                <a:schemeClr val="tx1"/>
+              </a:solidFill>
+            </a:endParaRPr>
           </a:p>
         </p:txBody>
       </p:sp>
@@ -9569,7 +10939,7 @@
           <p:cNvPr id="3" name="Заголовок 2">
             <a:extLst>
               <a:ext uri="{FF2B5EF4-FFF2-40B4-BE49-F238E27FC236}">
-                <a16:creationId xmlns:a16="http://schemas.microsoft.com/office/drawing/2014/main" xmlns="" id="{12E5236E-3DD8-46DC-9CC1-31C284A44EE7}"/>
+                <a16:creationId xmlns="" xmlns:a16="http://schemas.microsoft.com/office/drawing/2014/main" id="{77B005C9-6564-4ECE-A547-59B792E5130D}"/>
               </a:ext>
             </a:extLst>
           </p:cNvPr>
@@ -9583,6 +10953,337 @@
         <p:spPr/>
         <p:txBody>
           <a:bodyPr>
+            <a:normAutofit/>
+          </a:bodyPr>
+          <a:lstStyle/>
+          <a:p>
+            <a:r>
+              <a:rPr lang="ru-RU" sz="2400" dirty="0">
+                <a:effectLst/>
+                <a:latin typeface="+mj-lt"/>
+                <a:ea typeface="Calibri" panose="020F0502020204030204" pitchFamily="34" charset="0"/>
+              </a:rPr>
+              <a:t>Разработка и настройка контура управления током электропривода рулевой рейки с учётом физических ограничений, присущих системе</a:t>
+            </a:r>
+            <a:endParaRPr lang="ru-RU" sz="4000" dirty="0">
+              <a:latin typeface="+mj-lt"/>
+            </a:endParaRPr>
+          </a:p>
+        </p:txBody>
+      </p:sp>
+      <p:sp>
+        <p:nvSpPr>
+          <p:cNvPr id="16" name="Rectangle 6">
+            <a:extLst>
+              <a:ext uri="{FF2B5EF4-FFF2-40B4-BE49-F238E27FC236}">
+                <a16:creationId xmlns="" xmlns:a16="http://schemas.microsoft.com/office/drawing/2014/main" id="{21BF7161-81BF-4660-93A9-95AA02151190}"/>
+              </a:ext>
+            </a:extLst>
+          </p:cNvPr>
+          <p:cNvSpPr>
+            <a:spLocks noChangeArrowheads="1"/>
+          </p:cNvSpPr>
+          <p:nvPr/>
+        </p:nvSpPr>
+        <p:spPr bwMode="auto">
+          <a:xfrm>
+            <a:off x="0" y="0"/>
+            <a:ext cx="12192000" cy="0"/>
+          </a:xfrm>
+          <a:prstGeom prst="rect">
+            <a:avLst/>
+          </a:prstGeom>
+          <a:noFill/>
+          <a:ln>
+            <a:noFill/>
+          </a:ln>
+          <a:effectLst/>
+          <a:extLst>
+            <a:ext uri="{909E8E84-426E-40DD-AFC4-6F175D3DCCD1}">
+              <a14:hiddenFill xmlns:a14="http://schemas.microsoft.com/office/drawing/2010/main">
+                <a:solidFill>
+                  <a:schemeClr val="accent1"/>
+                </a:solidFill>
+              </a14:hiddenFill>
+            </a:ext>
+            <a:ext uri="{91240B29-F687-4F45-9708-019B960494DF}">
+              <a14:hiddenLine xmlns:a14="http://schemas.microsoft.com/office/drawing/2010/main" w="9525">
+                <a:solidFill>
+                  <a:schemeClr val="tx1"/>
+                </a:solidFill>
+                <a:miter lim="800000"/>
+                <a:headEnd/>
+                <a:tailEnd/>
+              </a14:hiddenLine>
+            </a:ext>
+            <a:ext uri="{AF507438-7753-43E0-B8FC-AC1667EBCBE1}">
+              <a14:hiddenEffects xmlns:a14="http://schemas.microsoft.com/office/drawing/2010/main">
+                <a:effectLst>
+                  <a:outerShdw dist="35921" dir="2700000" algn="ctr" rotWithShape="0">
+                    <a:schemeClr val="bg2"/>
+                  </a:outerShdw>
+                </a:effectLst>
+              </a14:hiddenEffects>
+            </a:ext>
+          </a:extLst>
+        </p:spPr>
+        <p:txBody>
+          <a:bodyPr vert="horz" wrap="none" lIns="91440" tIns="45720" rIns="91440" bIns="45720" numCol="1" anchor="ctr" anchorCtr="0" compatLnSpc="1">
+            <a:prstTxWarp prst="textNoShape">
+              <a:avLst/>
+            </a:prstTxWarp>
+            <a:spAutoFit/>
+          </a:bodyPr>
+          <a:lstStyle/>
+          <a:p>
+            <a:endParaRPr lang="ru-RU"/>
+          </a:p>
+        </p:txBody>
+      </p:sp>
+      <p:sp>
+        <p:nvSpPr>
+          <p:cNvPr id="23" name="TextBox 22">
+            <a:extLst>
+              <a:ext uri="{FF2B5EF4-FFF2-40B4-BE49-F238E27FC236}">
+                <a16:creationId xmlns="" xmlns:a16="http://schemas.microsoft.com/office/drawing/2014/main" id="{57AEB712-E86C-4D5E-A640-BDB06EE4AEEA}"/>
+              </a:ext>
+            </a:extLst>
+          </p:cNvPr>
+          <p:cNvSpPr txBox="1"/>
+          <p:nvPr/>
+        </p:nvSpPr>
+        <p:spPr>
+          <a:xfrm>
+            <a:off x="0" y="6258888"/>
+            <a:ext cx="6096000" cy="646331"/>
+          </a:xfrm>
+          <a:prstGeom prst="rect">
+            <a:avLst/>
+          </a:prstGeom>
+          <a:noFill/>
+        </p:spPr>
+        <p:txBody>
+          <a:bodyPr wrap="square">
+            <a:spAutoFit/>
+          </a:bodyPr>
+          <a:lstStyle/>
+          <a:p>
+            <a:r>
+              <a:rPr lang="ru-RU" sz="1200" dirty="0">
+                <a:latin typeface="Times New Roman" panose="02020603050405020304" pitchFamily="18" charset="0"/>
+                <a:ea typeface="Calibri" panose="020F0502020204030204" pitchFamily="34" charset="0"/>
+              </a:rPr>
+              <a:t>5</a:t>
+            </a:r>
+            <a:r>
+              <a:rPr lang="ru-RU" sz="1200" dirty="0">
+                <a:effectLst/>
+                <a:latin typeface="Times New Roman" panose="02020603050405020304" pitchFamily="18" charset="0"/>
+                <a:ea typeface="Calibri" panose="020F0502020204030204" pitchFamily="34" charset="0"/>
+              </a:rPr>
+              <a:t>. СИСТЕМЫ ПОДЧИНЕННОГО РЕГУЛИРОВАНИЯ ЭЛЕКТРОПРИВОДОВ. Часть 1. Электроприводы постоянного тока с подчиненным регулированием координат: Учеб. Пособие для вузов. - Екатеринбург: Изд-во Урал. гос. проф.-пед. ун-та, 1997.-279 с</a:t>
+            </a:r>
+            <a:endParaRPr lang="ru-RU" sz="1200" dirty="0"/>
+          </a:p>
+        </p:txBody>
+      </p:sp>
+      <p:pic>
+        <p:nvPicPr>
+          <p:cNvPr id="8" name="Рисунок 7">
+            <a:extLst>
+              <a:ext uri="{FF2B5EF4-FFF2-40B4-BE49-F238E27FC236}">
+                <a16:creationId xmlns="" xmlns:a16="http://schemas.microsoft.com/office/drawing/2014/main" id="{23723E94-026B-4CA8-9023-FD7789D3806A}"/>
+              </a:ext>
+            </a:extLst>
+          </p:cNvPr>
+          <p:cNvPicPr/>
+          <p:nvPr/>
+        </p:nvPicPr>
+        <p:blipFill>
+          <a:blip r:embed="rId2">
+            <a:extLst>
+              <a:ext uri="{28A0092B-C50C-407E-A947-70E740481C1C}">
+                <a14:useLocalDpi xmlns:a14="http://schemas.microsoft.com/office/drawing/2010/main" val="0"/>
+              </a:ext>
+            </a:extLst>
+          </a:blip>
+          <a:srcRect/>
+          <a:stretch>
+            <a:fillRect/>
+          </a:stretch>
+        </p:blipFill>
+        <p:spPr bwMode="auto">
+          <a:xfrm>
+            <a:off x="6278336" y="2354678"/>
+            <a:ext cx="6211073" cy="4227375"/>
+          </a:xfrm>
+          <a:prstGeom prst="rect">
+            <a:avLst/>
+          </a:prstGeom>
+          <a:noFill/>
+          <a:ln>
+            <a:noFill/>
+          </a:ln>
+        </p:spPr>
+      </p:pic>
+      <p:pic>
+        <p:nvPicPr>
+          <p:cNvPr id="10244" name="Picture 4"/>
+          <p:cNvPicPr>
+            <a:picLocks noChangeAspect="1" noChangeArrowheads="1"/>
+          </p:cNvPicPr>
+          <p:nvPr/>
+        </p:nvPicPr>
+        <p:blipFill>
+          <a:blip r:embed="rId3">
+            <a:extLst>
+              <a:ext uri="{28A0092B-C50C-407E-A947-70E740481C1C}">
+                <a14:useLocalDpi xmlns:a14="http://schemas.microsoft.com/office/drawing/2010/main" val="0"/>
+              </a:ext>
+            </a:extLst>
+          </a:blip>
+          <a:srcRect/>
+          <a:stretch>
+            <a:fillRect/>
+          </a:stretch>
+        </p:blipFill>
+        <p:spPr bwMode="auto">
+          <a:xfrm>
+            <a:off x="62593" y="3328305"/>
+            <a:ext cx="6555921" cy="2340255"/>
+          </a:xfrm>
+          <a:prstGeom prst="rect">
+            <a:avLst/>
+          </a:prstGeom>
+          <a:noFill/>
+          <a:ln>
+            <a:noFill/>
+          </a:ln>
+          <a:effectLst/>
+          <a:extLst>
+            <a:ext uri="{909E8E84-426E-40DD-AFC4-6F175D3DCCD1}">
+              <a14:hiddenFill xmlns:a14="http://schemas.microsoft.com/office/drawing/2010/main">
+                <a:solidFill>
+                  <a:schemeClr val="accent1"/>
+                </a:solidFill>
+              </a14:hiddenFill>
+            </a:ext>
+            <a:ext uri="{91240B29-F687-4F45-9708-019B960494DF}">
+              <a14:hiddenLine xmlns:a14="http://schemas.microsoft.com/office/drawing/2010/main" w="9525">
+                <a:solidFill>
+                  <a:schemeClr val="tx1"/>
+                </a:solidFill>
+                <a:miter lim="800000"/>
+                <a:headEnd/>
+                <a:tailEnd/>
+              </a14:hiddenLine>
+            </a:ext>
+            <a:ext uri="{AF507438-7753-43E0-B8FC-AC1667EBCBE1}">
+              <a14:hiddenEffects xmlns:a14="http://schemas.microsoft.com/office/drawing/2010/main">
+                <a:effectLst>
+                  <a:outerShdw dist="35921" dir="2700000" algn="ctr" rotWithShape="0">
+                    <a:schemeClr val="bg2"/>
+                  </a:outerShdw>
+                </a:effectLst>
+              </a14:hiddenEffects>
+            </a:ext>
+          </a:extLst>
+        </p:spPr>
+      </p:pic>
+    </p:spTree>
+    <p:extLst>
+      <p:ext uri="{BB962C8B-B14F-4D97-AF65-F5344CB8AC3E}">
+        <p14:creationId xmlns:p14="http://schemas.microsoft.com/office/powerpoint/2010/main" val="4189029293"/>
+      </p:ext>
+    </p:extLst>
+  </p:cSld>
+  <p:clrMapOvr>
+    <a:masterClrMapping/>
+  </p:clrMapOvr>
+  <p:timing>
+    <p:tnLst>
+      <p:par>
+        <p:cTn id="1" dur="indefinite" restart="never" nodeType="tmRoot"/>
+      </p:par>
+    </p:tnLst>
+  </p:timing>
+</p:sld>
+</file>
+
+<file path=ppt/slides/slide7.xml><?xml version="1.0" encoding="utf-8"?>
+<p:sld xmlns:a="http://schemas.openxmlformats.org/drawingml/2006/main" xmlns:r="http://schemas.openxmlformats.org/officeDocument/2006/relationships" xmlns:p="http://schemas.openxmlformats.org/presentationml/2006/main">
+  <p:cSld>
+    <p:spTree>
+      <p:nvGrpSpPr>
+        <p:cNvPr id="1" name=""/>
+        <p:cNvGrpSpPr/>
+        <p:nvPr/>
+      </p:nvGrpSpPr>
+      <p:grpSpPr>
+        <a:xfrm>
+          <a:off x="0" y="0"/>
+          <a:ext cx="0" cy="0"/>
+          <a:chOff x="0" y="0"/>
+          <a:chExt cx="0" cy="0"/>
+        </a:xfrm>
+      </p:grpSpPr>
+      <p:sp>
+        <p:nvSpPr>
+          <p:cNvPr id="2" name="Номер слайда 1">
+            <a:extLst>
+              <a:ext uri="{FF2B5EF4-FFF2-40B4-BE49-F238E27FC236}">
+                <a16:creationId xmlns="" xmlns:a16="http://schemas.microsoft.com/office/drawing/2014/main" id="{8B2B390A-BBCD-4B9D-89DA-031E2F9FBED7}"/>
+              </a:ext>
+            </a:extLst>
+          </p:cNvPr>
+          <p:cNvSpPr>
+            <a:spLocks noGrp="1"/>
+          </p:cNvSpPr>
+          <p:nvPr>
+            <p:ph type="sldNum" sz="quarter" idx="10"/>
+          </p:nvPr>
+        </p:nvSpPr>
+        <p:spPr/>
+        <p:txBody>
+          <a:bodyPr/>
+          <a:lstStyle/>
+          <a:p>
+            <a:fld id="{751D432A-D135-4954-8559-2B6A9DE81B6A}" type="slidenum">
+              <a:rPr lang="ru-RU" sz="1800" b="1" smtClean="0">
+                <a:solidFill>
+                  <a:schemeClr val="tx1"/>
+                </a:solidFill>
+              </a:rPr>
+              <a:pPr/>
+              <a:t>7</a:t>
+            </a:fld>
+            <a:endParaRPr lang="ru-RU" b="1" dirty="0">
+              <a:solidFill>
+                <a:schemeClr val="tx1"/>
+              </a:solidFill>
+            </a:endParaRPr>
+          </a:p>
+        </p:txBody>
+      </p:sp>
+      <p:sp>
+        <p:nvSpPr>
+          <p:cNvPr id="3" name="Заголовок 2">
+            <a:extLst>
+              <a:ext uri="{FF2B5EF4-FFF2-40B4-BE49-F238E27FC236}">
+                <a16:creationId xmlns="" xmlns:a16="http://schemas.microsoft.com/office/drawing/2014/main" id="{12E5236E-3DD8-46DC-9CC1-31C284A44EE7}"/>
+              </a:ext>
+            </a:extLst>
+          </p:cNvPr>
+          <p:cNvSpPr>
+            <a:spLocks noGrp="1"/>
+          </p:cNvSpPr>
+          <p:nvPr>
+            <p:ph type="title"/>
+          </p:nvPr>
+        </p:nvSpPr>
+        <p:spPr/>
+        <p:txBody>
+          <a:bodyPr>
             <a:normAutofit fontScale="90000"/>
           </a:bodyPr>
           <a:lstStyle/>
@@ -9604,7 +11305,7 @@
           <p:cNvPr id="5" name="TextBox 4">
             <a:extLst>
               <a:ext uri="{FF2B5EF4-FFF2-40B4-BE49-F238E27FC236}">
-                <a16:creationId xmlns:a16="http://schemas.microsoft.com/office/drawing/2014/main" xmlns="" id="{106FCCC1-68B5-42BD-B846-49709BFDE51D}"/>
+                <a16:creationId xmlns="" xmlns:a16="http://schemas.microsoft.com/office/drawing/2014/main" id="{106FCCC1-68B5-42BD-B846-49709BFDE51D}"/>
               </a:ext>
             </a:extLst>
           </p:cNvPr>
@@ -9651,7 +11352,7 @@
           <p:cNvPr id="6" name="Рисунок 5">
             <a:extLst>
               <a:ext uri="{FF2B5EF4-FFF2-40B4-BE49-F238E27FC236}">
-                <a16:creationId xmlns:a16="http://schemas.microsoft.com/office/drawing/2014/main" xmlns="" id="{F49BEBD5-D5C0-4211-91F7-BFF6292F6D9A}"/>
+                <a16:creationId xmlns="" xmlns:a16="http://schemas.microsoft.com/office/drawing/2014/main" id="{F49BEBD5-D5C0-4211-91F7-BFF6292F6D9A}"/>
               </a:ext>
             </a:extLst>
           </p:cNvPr>
@@ -9666,8 +11367,8 @@
         </p:blipFill>
         <p:spPr>
           <a:xfrm>
-            <a:off x="77787" y="3048840"/>
-            <a:ext cx="5940425" cy="1495425"/>
+            <a:off x="0" y="3514204"/>
+            <a:ext cx="6555921" cy="1931375"/>
           </a:xfrm>
           <a:prstGeom prst="rect">
             <a:avLst/>
@@ -9679,7 +11380,7 @@
           <p:cNvPr id="7" name="Рисунок 6">
             <a:extLst>
               <a:ext uri="{FF2B5EF4-FFF2-40B4-BE49-F238E27FC236}">
-                <a16:creationId xmlns:a16="http://schemas.microsoft.com/office/drawing/2014/main" xmlns="" id="{297D3909-872E-47AE-8339-EE4F778F4959}"/>
+                <a16:creationId xmlns="" xmlns:a16="http://schemas.microsoft.com/office/drawing/2014/main" id="{297D3909-872E-47AE-8339-EE4F778F4959}"/>
               </a:ext>
             </a:extLst>
           </p:cNvPr>
@@ -9701,86 +11402,8 @@
         </p:blipFill>
         <p:spPr bwMode="auto">
           <a:xfrm>
-            <a:off x="6624917" y="2593023"/>
-            <a:ext cx="4488815" cy="2131378"/>
-          </a:xfrm>
-          <a:prstGeom prst="rect">
-            <a:avLst/>
-          </a:prstGeom>
-          <a:noFill/>
-          <a:ln>
-            <a:noFill/>
-          </a:ln>
-        </p:spPr>
-      </p:pic>
-      <p:pic>
-        <p:nvPicPr>
-          <p:cNvPr id="8" name="Рисунок 7">
-            <a:extLst>
-              <a:ext uri="{FF2B5EF4-FFF2-40B4-BE49-F238E27FC236}">
-                <a16:creationId xmlns:a16="http://schemas.microsoft.com/office/drawing/2014/main" xmlns="" id="{BBCEE2BD-3F08-425C-93C0-9A156D2E9CAA}"/>
-              </a:ext>
-            </a:extLst>
-          </p:cNvPr>
-          <p:cNvPicPr/>
-          <p:nvPr/>
-        </p:nvPicPr>
-        <p:blipFill>
-          <a:blip r:embed="rId4" cstate="print">
-            <a:extLst>
-              <a:ext uri="{28A0092B-C50C-407E-A947-70E740481C1C}">
-                <a14:useLocalDpi xmlns:a14="http://schemas.microsoft.com/office/drawing/2010/main" val="0"/>
-              </a:ext>
-            </a:extLst>
-          </a:blip>
-          <a:srcRect/>
-          <a:stretch>
-            <a:fillRect/>
-          </a:stretch>
-        </p:blipFill>
-        <p:spPr bwMode="auto">
-          <a:xfrm>
-            <a:off x="251012" y="4988999"/>
-            <a:ext cx="6096000" cy="936672"/>
-          </a:xfrm>
-          <a:prstGeom prst="rect">
-            <a:avLst/>
-          </a:prstGeom>
-          <a:noFill/>
-          <a:ln>
-            <a:noFill/>
-          </a:ln>
-        </p:spPr>
-      </p:pic>
-      <p:pic>
-        <p:nvPicPr>
-          <p:cNvPr id="9" name="Рисунок 8">
-            <a:extLst>
-              <a:ext uri="{FF2B5EF4-FFF2-40B4-BE49-F238E27FC236}">
-                <a16:creationId xmlns:a16="http://schemas.microsoft.com/office/drawing/2014/main" xmlns="" id="{A6EEE119-5FB3-4771-AC93-1C60A517F6E6}"/>
-              </a:ext>
-            </a:extLst>
-          </p:cNvPr>
-          <p:cNvPicPr/>
-          <p:nvPr/>
-        </p:nvPicPr>
-        <p:blipFill>
-          <a:blip r:embed="rId5">
-            <a:extLst>
-              <a:ext uri="{28A0092B-C50C-407E-A947-70E740481C1C}">
-                <a14:useLocalDpi xmlns:a14="http://schemas.microsoft.com/office/drawing/2010/main" val="0"/>
-              </a:ext>
-            </a:extLst>
-          </a:blip>
-          <a:srcRect/>
-          <a:stretch>
-            <a:fillRect/>
-          </a:stretch>
-        </p:blipFill>
-        <p:spPr bwMode="auto">
-          <a:xfrm>
-            <a:off x="6702705" y="4578005"/>
-            <a:ext cx="2993930" cy="2134561"/>
+            <a:off x="6555921" y="2535873"/>
+            <a:ext cx="5636080" cy="3358742"/>
           </a:xfrm>
           <a:prstGeom prst="rect">
             <a:avLst/>
@@ -9801,10 +11424,17 @@
   <p:clrMapOvr>
     <a:masterClrMapping/>
   </p:clrMapOvr>
+  <p:timing>
+    <p:tnLst>
+      <p:par>
+        <p:cTn id="1" dur="indefinite" restart="never" nodeType="tmRoot"/>
+      </p:par>
+    </p:tnLst>
+  </p:timing>
 </p:sld>
 </file>
 
-<file path=ppt/slides/slide7.xml><?xml version="1.0" encoding="utf-8"?>
+<file path=ppt/slides/slide8.xml><?xml version="1.0" encoding="utf-8"?>
 <p:sld xmlns:a="http://schemas.openxmlformats.org/drawingml/2006/main" xmlns:r="http://schemas.openxmlformats.org/officeDocument/2006/relationships" xmlns:p="http://schemas.openxmlformats.org/presentationml/2006/main">
   <p:cSld>
     <p:spTree>
@@ -9826,7 +11456,7 @@
           <p:cNvPr id="2" name="Номер слайда 1">
             <a:extLst>
               <a:ext uri="{FF2B5EF4-FFF2-40B4-BE49-F238E27FC236}">
-                <a16:creationId xmlns:a16="http://schemas.microsoft.com/office/drawing/2014/main" xmlns="" id="{D08CF9C3-4E07-402E-9716-A063AD54FE85}"/>
+                <a16:creationId xmlns="" xmlns:a16="http://schemas.microsoft.com/office/drawing/2014/main" id="{8B2B390A-BBCD-4B9D-89DA-031E2F9FBED7}"/>
               </a:ext>
             </a:extLst>
           </p:cNvPr>
@@ -9843,11 +11473,19 @@
           <a:lstStyle/>
           <a:p>
             <a:fld id="{751D432A-D135-4954-8559-2B6A9DE81B6A}" type="slidenum">
-              <a:rPr lang="ru-RU" smtClean="0"/>
+              <a:rPr lang="ru-RU" sz="1800" b="1" smtClean="0">
+                <a:solidFill>
+                  <a:schemeClr val="tx1"/>
+                </a:solidFill>
+              </a:rPr>
               <a:pPr/>
-              <a:t>7</a:t>
+              <a:t>8</a:t>
             </a:fld>
-            <a:endParaRPr lang="ru-RU" dirty="0"/>
+            <a:endParaRPr lang="ru-RU" b="1" dirty="0">
+              <a:solidFill>
+                <a:schemeClr val="tx1"/>
+              </a:solidFill>
+            </a:endParaRPr>
           </a:p>
         </p:txBody>
       </p:sp>
@@ -9856,7 +11494,7 @@
           <p:cNvPr id="3" name="Заголовок 2">
             <a:extLst>
               <a:ext uri="{FF2B5EF4-FFF2-40B4-BE49-F238E27FC236}">
-                <a16:creationId xmlns:a16="http://schemas.microsoft.com/office/drawing/2014/main" xmlns="" id="{99077E6B-1401-4F40-9788-EF48039F3B8E}"/>
+                <a16:creationId xmlns="" xmlns:a16="http://schemas.microsoft.com/office/drawing/2014/main" id="{12E5236E-3DD8-46DC-9CC1-31C284A44EE7}"/>
               </a:ext>
             </a:extLst>
           </p:cNvPr>
@@ -9880,7 +11518,7 @@
                 <a:latin typeface="+mj-lt"/>
                 <a:ea typeface="Calibri" panose="020F0502020204030204" pitchFamily="34" charset="0"/>
               </a:rPr>
-              <a:t>Разработка и настройка контура управления положением электропривода рулевой рейки с учётом физических ограничений, присущих системе</a:t>
+              <a:t>Разработка и настройка контура управления скоростью электропривода рулевой рейки с учётом физических ограничений, присущих системе</a:t>
             </a:r>
             <a:endParaRPr lang="ru-RU" dirty="0"/>
           </a:p>
@@ -9891,7 +11529,7 @@
           <p:cNvPr id="5" name="TextBox 4">
             <a:extLst>
               <a:ext uri="{FF2B5EF4-FFF2-40B4-BE49-F238E27FC236}">
-                <a16:creationId xmlns:a16="http://schemas.microsoft.com/office/drawing/2014/main" xmlns="" id="{96D9902F-E760-4325-8E45-1151A6182207}"/>
+                <a16:creationId xmlns="" xmlns:a16="http://schemas.microsoft.com/office/drawing/2014/main" id="{106FCCC1-68B5-42BD-B846-49709BFDE51D}"/>
               </a:ext>
             </a:extLst>
           </p:cNvPr>
@@ -9935,10 +11573,316 @@
       </p:sp>
       <p:pic>
         <p:nvPicPr>
+          <p:cNvPr id="9" name="Рисунок 8">
+            <a:extLst>
+              <a:ext uri="{FF2B5EF4-FFF2-40B4-BE49-F238E27FC236}">
+                <a16:creationId xmlns="" xmlns:a16="http://schemas.microsoft.com/office/drawing/2014/main" id="{A6EEE119-5FB3-4771-AC93-1C60A517F6E6}"/>
+              </a:ext>
+            </a:extLst>
+          </p:cNvPr>
+          <p:cNvPicPr/>
+          <p:nvPr/>
+        </p:nvPicPr>
+        <p:blipFill>
+          <a:blip r:embed="rId3">
+            <a:extLst>
+              <a:ext uri="{28A0092B-C50C-407E-A947-70E740481C1C}">
+                <a14:useLocalDpi xmlns:a14="http://schemas.microsoft.com/office/drawing/2010/main" val="0"/>
+              </a:ext>
+            </a:extLst>
+          </a:blip>
+          <a:srcRect/>
+          <a:stretch>
+            <a:fillRect/>
+          </a:stretch>
+        </p:blipFill>
+        <p:spPr bwMode="auto">
+          <a:xfrm>
+            <a:off x="8050666" y="3153306"/>
+            <a:ext cx="4266706" cy="2875989"/>
+          </a:xfrm>
+          <a:prstGeom prst="rect">
+            <a:avLst/>
+          </a:prstGeom>
+          <a:noFill/>
+          <a:ln>
+            <a:noFill/>
+          </a:ln>
+        </p:spPr>
+      </p:pic>
+      <p:graphicFrame>
+        <p:nvGraphicFramePr>
+          <p:cNvPr id="4" name="Объект 3"/>
+          <p:cNvGraphicFramePr>
+            <a:graphicFrameLocks noChangeAspect="1"/>
+          </p:cNvGraphicFramePr>
+          <p:nvPr/>
+        </p:nvGraphicFramePr>
+        <p:xfrm>
+          <a:off x="1266825" y="1955800"/>
+          <a:ext cx="9658350" cy="2943225"/>
+        </p:xfrm>
+        <a:graphic>
+          <a:graphicData uri="http://schemas.openxmlformats.org/presentationml/2006/ole">
+            <mc:AlternateContent xmlns:mc="http://schemas.openxmlformats.org/markup-compatibility/2006">
+              <mc:Choice xmlns:v="urn:schemas-microsoft-com:vml" Requires="v">
+                <p:oleObj spid="_x0000_s11272" name="Visio" r:id="" imgW="9658285" imgH="2943264" progId="Visio.Drawing.15">
+                  <p:embed/>
+                </p:oleObj>
+              </mc:Choice>
+              <mc:Fallback>
+                <p:oleObj name="Visio" r:id="" imgW="9658285" imgH="2943264" progId="Visio.Drawing.15">
+                  <p:embed/>
+                  <p:pic>
+                    <p:nvPicPr>
+                      <p:cNvPr id="0" name=""/>
+                      <p:cNvPicPr/>
+                      <p:nvPr/>
+                    </p:nvPicPr>
+                    <p:blipFill/>
+                    <p:spPr>
+                      <a:xfrm>
+                        <a:off x="1266825" y="1955800"/>
+                        <a:ext cx="9658350" cy="2943225"/>
+                      </a:xfrm>
+                      <a:prstGeom prst="rect">
+                        <a:avLst/>
+                      </a:prstGeom>
+                    </p:spPr>
+                  </p:pic>
+                </p:oleObj>
+              </mc:Fallback>
+            </mc:AlternateContent>
+          </a:graphicData>
+        </a:graphic>
+      </p:graphicFrame>
+      <p:pic>
+        <p:nvPicPr>
+          <p:cNvPr id="11268" name="Picture 4"/>
+          <p:cNvPicPr>
+            <a:picLocks noChangeAspect="1" noChangeArrowheads="1"/>
+          </p:cNvPicPr>
+          <p:nvPr/>
+        </p:nvPicPr>
+        <p:blipFill>
+          <a:blip r:embed="rId4">
+            <a:extLst>
+              <a:ext uri="{28A0092B-C50C-407E-A947-70E740481C1C}">
+                <a14:useLocalDpi xmlns:a14="http://schemas.microsoft.com/office/drawing/2010/main" val="0"/>
+              </a:ext>
+            </a:extLst>
+          </a:blip>
+          <a:srcRect/>
+          <a:stretch>
+            <a:fillRect/>
+          </a:stretch>
+        </p:blipFill>
+        <p:spPr bwMode="auto">
+          <a:xfrm>
+            <a:off x="0" y="3153306"/>
+            <a:ext cx="8050666" cy="2436700"/>
+          </a:xfrm>
+          <a:prstGeom prst="rect">
+            <a:avLst/>
+          </a:prstGeom>
+          <a:noFill/>
+          <a:ln>
+            <a:noFill/>
+          </a:ln>
+          <a:effectLst/>
+          <a:extLst>
+            <a:ext uri="{909E8E84-426E-40DD-AFC4-6F175D3DCCD1}">
+              <a14:hiddenFill xmlns:a14="http://schemas.microsoft.com/office/drawing/2010/main">
+                <a:solidFill>
+                  <a:schemeClr val="accent1"/>
+                </a:solidFill>
+              </a14:hiddenFill>
+            </a:ext>
+            <a:ext uri="{91240B29-F687-4F45-9708-019B960494DF}">
+              <a14:hiddenLine xmlns:a14="http://schemas.microsoft.com/office/drawing/2010/main" w="9525">
+                <a:solidFill>
+                  <a:schemeClr val="tx1"/>
+                </a:solidFill>
+                <a:miter lim="800000"/>
+                <a:headEnd/>
+                <a:tailEnd/>
+              </a14:hiddenLine>
+            </a:ext>
+            <a:ext uri="{AF507438-7753-43E0-B8FC-AC1667EBCBE1}">
+              <a14:hiddenEffects xmlns:a14="http://schemas.microsoft.com/office/drawing/2010/main">
+                <a:effectLst>
+                  <a:outerShdw dist="35921" dir="2700000" algn="ctr" rotWithShape="0">
+                    <a:schemeClr val="bg2"/>
+                  </a:outerShdw>
+                </a:effectLst>
+              </a14:hiddenEffects>
+            </a:ext>
+          </a:extLst>
+        </p:spPr>
+      </p:pic>
+    </p:spTree>
+    <p:extLst>
+      <p:ext uri="{BB962C8B-B14F-4D97-AF65-F5344CB8AC3E}">
+        <p14:creationId xmlns:p14="http://schemas.microsoft.com/office/powerpoint/2010/main" val="1527517105"/>
+      </p:ext>
+    </p:extLst>
+  </p:cSld>
+  <p:clrMapOvr>
+    <a:masterClrMapping/>
+  </p:clrMapOvr>
+  <p:timing>
+    <p:tnLst>
+      <p:par>
+        <p:cTn id="1" dur="indefinite" restart="never" nodeType="tmRoot"/>
+      </p:par>
+    </p:tnLst>
+  </p:timing>
+</p:sld>
+</file>
+
+<file path=ppt/slides/slide9.xml><?xml version="1.0" encoding="utf-8"?>
+<p:sld xmlns:a="http://schemas.openxmlformats.org/drawingml/2006/main" xmlns:r="http://schemas.openxmlformats.org/officeDocument/2006/relationships" xmlns:p="http://schemas.openxmlformats.org/presentationml/2006/main">
+  <p:cSld>
+    <p:spTree>
+      <p:nvGrpSpPr>
+        <p:cNvPr id="1" name=""/>
+        <p:cNvGrpSpPr/>
+        <p:nvPr/>
+      </p:nvGrpSpPr>
+      <p:grpSpPr>
+        <a:xfrm>
+          <a:off x="0" y="0"/>
+          <a:ext cx="0" cy="0"/>
+          <a:chOff x="0" y="0"/>
+          <a:chExt cx="0" cy="0"/>
+        </a:xfrm>
+      </p:grpSpPr>
+      <p:sp>
+        <p:nvSpPr>
+          <p:cNvPr id="2" name="Номер слайда 1">
+            <a:extLst>
+              <a:ext uri="{FF2B5EF4-FFF2-40B4-BE49-F238E27FC236}">
+                <a16:creationId xmlns="" xmlns:a16="http://schemas.microsoft.com/office/drawing/2014/main" id="{D08CF9C3-4E07-402E-9716-A063AD54FE85}"/>
+              </a:ext>
+            </a:extLst>
+          </p:cNvPr>
+          <p:cNvSpPr>
+            <a:spLocks noGrp="1"/>
+          </p:cNvSpPr>
+          <p:nvPr>
+            <p:ph type="sldNum" sz="quarter" idx="10"/>
+          </p:nvPr>
+        </p:nvSpPr>
+        <p:spPr/>
+        <p:txBody>
+          <a:bodyPr/>
+          <a:lstStyle/>
+          <a:p>
+            <a:fld id="{751D432A-D135-4954-8559-2B6A9DE81B6A}" type="slidenum">
+              <a:rPr lang="ru-RU" sz="1800" b="1" smtClean="0">
+                <a:solidFill>
+                  <a:schemeClr val="tx1"/>
+                </a:solidFill>
+              </a:rPr>
+              <a:pPr/>
+              <a:t>9</a:t>
+            </a:fld>
+            <a:endParaRPr lang="ru-RU" b="1" dirty="0">
+              <a:solidFill>
+                <a:schemeClr val="tx1"/>
+              </a:solidFill>
+            </a:endParaRPr>
+          </a:p>
+        </p:txBody>
+      </p:sp>
+      <p:sp>
+        <p:nvSpPr>
+          <p:cNvPr id="3" name="Заголовок 2">
+            <a:extLst>
+              <a:ext uri="{FF2B5EF4-FFF2-40B4-BE49-F238E27FC236}">
+                <a16:creationId xmlns="" xmlns:a16="http://schemas.microsoft.com/office/drawing/2014/main" id="{99077E6B-1401-4F40-9788-EF48039F3B8E}"/>
+              </a:ext>
+            </a:extLst>
+          </p:cNvPr>
+          <p:cNvSpPr>
+            <a:spLocks noGrp="1"/>
+          </p:cNvSpPr>
+          <p:nvPr>
+            <p:ph type="title"/>
+          </p:nvPr>
+        </p:nvSpPr>
+        <p:spPr/>
+        <p:txBody>
+          <a:bodyPr>
+            <a:normAutofit fontScale="90000"/>
+          </a:bodyPr>
+          <a:lstStyle/>
+          <a:p>
+            <a:r>
+              <a:rPr lang="ru-RU" sz="3200" dirty="0">
+                <a:effectLst/>
+                <a:latin typeface="+mj-lt"/>
+                <a:ea typeface="Calibri" panose="020F0502020204030204" pitchFamily="34" charset="0"/>
+              </a:rPr>
+              <a:t>Разработка и настройка контура управления положением электропривода рулевой рейки с учётом физических ограничений, присущих системе</a:t>
+            </a:r>
+            <a:endParaRPr lang="ru-RU" dirty="0"/>
+          </a:p>
+        </p:txBody>
+      </p:sp>
+      <p:sp>
+        <p:nvSpPr>
+          <p:cNvPr id="5" name="TextBox 4">
+            <a:extLst>
+              <a:ext uri="{FF2B5EF4-FFF2-40B4-BE49-F238E27FC236}">
+                <a16:creationId xmlns="" xmlns:a16="http://schemas.microsoft.com/office/drawing/2014/main" id="{96D9902F-E760-4325-8E45-1151A6182207}"/>
+              </a:ext>
+            </a:extLst>
+          </p:cNvPr>
+          <p:cNvSpPr txBox="1"/>
+          <p:nvPr/>
+        </p:nvSpPr>
+        <p:spPr>
+          <a:xfrm>
+            <a:off x="0" y="6258888"/>
+            <a:ext cx="6096000" cy="646331"/>
+          </a:xfrm>
+          <a:prstGeom prst="rect">
+            <a:avLst/>
+          </a:prstGeom>
+          <a:noFill/>
+        </p:spPr>
+        <p:txBody>
+          <a:bodyPr wrap="square">
+            <a:spAutoFit/>
+          </a:bodyPr>
+          <a:lstStyle/>
+          <a:p>
+            <a:r>
+              <a:rPr lang="ru-RU" sz="1200" dirty="0">
+                <a:latin typeface="Times New Roman" panose="02020603050405020304" pitchFamily="18" charset="0"/>
+                <a:ea typeface="Calibri" panose="020F0502020204030204" pitchFamily="34" charset="0"/>
+              </a:rPr>
+              <a:t>5</a:t>
+            </a:r>
+            <a:r>
+              <a:rPr lang="ru-RU" sz="1200" dirty="0">
+                <a:effectLst/>
+                <a:latin typeface="Times New Roman" panose="02020603050405020304" pitchFamily="18" charset="0"/>
+                <a:ea typeface="Calibri" panose="020F0502020204030204" pitchFamily="34" charset="0"/>
+              </a:rPr>
+              <a:t>. СИСТЕМЫ ПОДЧИНЕННОГО РЕГУЛИРОВАНИЯ ЭЛЕКТРОПРИВОДОВ. Часть 1. Электроприводы постоянного тока с подчиненным регулированием координат: Учеб. Пособие для вузов. - Екатеринбург: Изд-во Урал. гос. проф.-пед. ун-та, 1997.-279 с</a:t>
+            </a:r>
+            <a:endParaRPr lang="ru-RU" sz="1200" dirty="0"/>
+          </a:p>
+        </p:txBody>
+      </p:sp>
+      <p:pic>
+        <p:nvPicPr>
           <p:cNvPr id="6" name="Рисунок 5">
             <a:extLst>
               <a:ext uri="{FF2B5EF4-FFF2-40B4-BE49-F238E27FC236}">
-                <a16:creationId xmlns:a16="http://schemas.microsoft.com/office/drawing/2014/main" xmlns="" id="{4527170E-2B06-49A6-8C49-84A0324D2A6F}"/>
+                <a16:creationId xmlns="" xmlns:a16="http://schemas.microsoft.com/office/drawing/2014/main" id="{4527170E-2B06-49A6-8C49-84A0324D2A6F}"/>
               </a:ext>
             </a:extLst>
           </p:cNvPr>
@@ -9961,7 +11905,7 @@
         <p:spPr bwMode="auto">
           <a:xfrm>
             <a:off x="155575" y="3105829"/>
-            <a:ext cx="5940425" cy="1675765"/>
+            <a:ext cx="7649482" cy="2388735"/>
           </a:xfrm>
           <a:prstGeom prst="rect">
             <a:avLst/>
@@ -9977,7 +11921,7 @@
           <p:cNvPr id="7" name="Рисунок 6">
             <a:extLst>
               <a:ext uri="{FF2B5EF4-FFF2-40B4-BE49-F238E27FC236}">
-                <a16:creationId xmlns:a16="http://schemas.microsoft.com/office/drawing/2014/main" xmlns="" id="{4083CB1E-829B-472C-B362-E51CC28FEAD7}"/>
+                <a16:creationId xmlns="" xmlns:a16="http://schemas.microsoft.com/office/drawing/2014/main" id="{4083CB1E-829B-472C-B362-E51CC28FEAD7}"/>
               </a:ext>
             </a:extLst>
           </p:cNvPr>
@@ -9999,86 +11943,8 @@
         </p:blipFill>
         <p:spPr bwMode="auto">
           <a:xfrm>
-            <a:off x="6096000" y="2476824"/>
-            <a:ext cx="2904285" cy="2304770"/>
-          </a:xfrm>
-          <a:prstGeom prst="rect">
-            <a:avLst/>
-          </a:prstGeom>
-          <a:noFill/>
-          <a:ln>
-            <a:noFill/>
-          </a:ln>
-        </p:spPr>
-      </p:pic>
-      <p:pic>
-        <p:nvPicPr>
-          <p:cNvPr id="8" name="Рисунок 7">
-            <a:extLst>
-              <a:ext uri="{FF2B5EF4-FFF2-40B4-BE49-F238E27FC236}">
-                <a16:creationId xmlns:a16="http://schemas.microsoft.com/office/drawing/2014/main" xmlns="" id="{8B0876E4-C230-4CF2-A993-9D6EDEB6F34C}"/>
-              </a:ext>
-            </a:extLst>
-          </p:cNvPr>
-          <p:cNvPicPr/>
-          <p:nvPr/>
-        </p:nvPicPr>
-        <p:blipFill>
-          <a:blip r:embed="rId4" cstate="print">
-            <a:extLst>
-              <a:ext uri="{28A0092B-C50C-407E-A947-70E740481C1C}">
-                <a14:useLocalDpi xmlns:a14="http://schemas.microsoft.com/office/drawing/2010/main" val="0"/>
-              </a:ext>
-            </a:extLst>
-          </a:blip>
-          <a:srcRect/>
-          <a:stretch>
-            <a:fillRect/>
-          </a:stretch>
-        </p:blipFill>
-        <p:spPr bwMode="auto">
-          <a:xfrm>
-            <a:off x="155575" y="4994446"/>
-            <a:ext cx="6953436" cy="1023975"/>
-          </a:xfrm>
-          <a:prstGeom prst="rect">
-            <a:avLst/>
-          </a:prstGeom>
-          <a:noFill/>
-          <a:ln>
-            <a:noFill/>
-          </a:ln>
-        </p:spPr>
-      </p:pic>
-      <p:pic>
-        <p:nvPicPr>
-          <p:cNvPr id="10" name="Рисунок 9">
-            <a:extLst>
-              <a:ext uri="{FF2B5EF4-FFF2-40B4-BE49-F238E27FC236}">
-                <a16:creationId xmlns:a16="http://schemas.microsoft.com/office/drawing/2014/main" xmlns="" id="{C78FC1E2-B96F-422A-92E2-CDD0E63C1FD0}"/>
-              </a:ext>
-            </a:extLst>
-          </p:cNvPr>
-          <p:cNvPicPr/>
-          <p:nvPr/>
-        </p:nvPicPr>
-        <p:blipFill>
-          <a:blip r:embed="rId5">
-            <a:extLst>
-              <a:ext uri="{28A0092B-C50C-407E-A947-70E740481C1C}">
-                <a14:useLocalDpi xmlns:a14="http://schemas.microsoft.com/office/drawing/2010/main" val="0"/>
-              </a:ext>
-            </a:extLst>
-          </a:blip>
-          <a:srcRect/>
-          <a:stretch>
-            <a:fillRect/>
-          </a:stretch>
-        </p:blipFill>
-        <p:spPr bwMode="auto">
-          <a:xfrm>
-            <a:off x="8695764" y="4234529"/>
-            <a:ext cx="3624636" cy="2543808"/>
+            <a:off x="7805057" y="2395181"/>
+            <a:ext cx="4648721" cy="3679048"/>
           </a:xfrm>
           <a:prstGeom prst="rect">
             <a:avLst/>
@@ -10099,404 +11965,13 @@
   <p:clrMapOvr>
     <a:masterClrMapping/>
   </p:clrMapOvr>
-</p:sld>
-</file>
-
-<file path=ppt/slides/slide8.xml><?xml version="1.0" encoding="utf-8"?>
-<p:sld xmlns:a="http://schemas.openxmlformats.org/drawingml/2006/main" xmlns:r="http://schemas.openxmlformats.org/officeDocument/2006/relationships" xmlns:p="http://schemas.openxmlformats.org/presentationml/2006/main">
-  <p:cSld>
-    <p:spTree>
-      <p:nvGrpSpPr>
-        <p:cNvPr id="1" name=""/>
-        <p:cNvGrpSpPr/>
-        <p:nvPr/>
-      </p:nvGrpSpPr>
-      <p:grpSpPr>
-        <a:xfrm>
-          <a:off x="0" y="0"/>
-          <a:ext cx="0" cy="0"/>
-          <a:chOff x="0" y="0"/>
-          <a:chExt cx="0" cy="0"/>
-        </a:xfrm>
-      </p:grpSpPr>
-      <p:sp>
-        <p:nvSpPr>
-          <p:cNvPr id="2" name="Номер слайда 1">
-            <a:extLst>
-              <a:ext uri="{FF2B5EF4-FFF2-40B4-BE49-F238E27FC236}">
-                <a16:creationId xmlns:a16="http://schemas.microsoft.com/office/drawing/2014/main" xmlns="" id="{F2172E51-DED9-4860-8E6D-1FE280509737}"/>
-              </a:ext>
-            </a:extLst>
-          </p:cNvPr>
-          <p:cNvSpPr>
-            <a:spLocks noGrp="1"/>
-          </p:cNvSpPr>
-          <p:nvPr>
-            <p:ph type="sldNum" sz="quarter" idx="10"/>
-          </p:nvPr>
-        </p:nvSpPr>
-        <p:spPr/>
-        <p:txBody>
-          <a:bodyPr/>
-          <a:lstStyle/>
-          <a:p>
-            <a:fld id="{751D432A-D135-4954-8559-2B6A9DE81B6A}" type="slidenum">
-              <a:rPr lang="ru-RU" smtClean="0"/>
-              <a:pPr/>
-              <a:t>8</a:t>
-            </a:fld>
-            <a:endParaRPr lang="ru-RU" dirty="0"/>
-          </a:p>
-        </p:txBody>
-      </p:sp>
-      <p:sp>
-        <p:nvSpPr>
-          <p:cNvPr id="3" name="Заголовок 2">
-            <a:extLst>
-              <a:ext uri="{FF2B5EF4-FFF2-40B4-BE49-F238E27FC236}">
-                <a16:creationId xmlns:a16="http://schemas.microsoft.com/office/drawing/2014/main" xmlns="" id="{DEA35ED7-3A28-4BB7-8824-A4F36E4E6A10}"/>
-              </a:ext>
-            </a:extLst>
-          </p:cNvPr>
-          <p:cNvSpPr>
-            <a:spLocks noGrp="1"/>
-          </p:cNvSpPr>
-          <p:nvPr>
-            <p:ph type="title"/>
-          </p:nvPr>
-        </p:nvSpPr>
-        <p:spPr/>
-        <p:txBody>
-          <a:bodyPr/>
-          <a:lstStyle/>
-          <a:p>
-            <a:r>
-              <a:rPr lang="ru-RU" dirty="0"/>
-              <a:t>Экспериментальное исследование</a:t>
-            </a:r>
-          </a:p>
-        </p:txBody>
-      </p:sp>
-      <p:pic>
-        <p:nvPicPr>
-          <p:cNvPr id="6" name="Рисунок 5">
-            <a:extLst>
-              <a:ext uri="{FF2B5EF4-FFF2-40B4-BE49-F238E27FC236}">
-                <a16:creationId xmlns:a16="http://schemas.microsoft.com/office/drawing/2014/main" xmlns="" id="{80A9A350-6BE3-42BC-A221-C423F9372F5D}"/>
-              </a:ext>
-            </a:extLst>
-          </p:cNvPr>
-          <p:cNvPicPr/>
-          <p:nvPr/>
-        </p:nvPicPr>
-        <p:blipFill>
-          <a:blip r:embed="rId2">
-            <a:extLst>
-              <a:ext uri="{28A0092B-C50C-407E-A947-70E740481C1C}">
-                <a14:useLocalDpi xmlns:a14="http://schemas.microsoft.com/office/drawing/2010/main" val="0"/>
-              </a:ext>
-            </a:extLst>
-          </a:blip>
-          <a:srcRect/>
-          <a:stretch>
-            <a:fillRect/>
-          </a:stretch>
-        </p:blipFill>
-        <p:spPr bwMode="auto">
-          <a:xfrm>
-            <a:off x="309748" y="3177994"/>
-            <a:ext cx="2329822" cy="3500832"/>
-          </a:xfrm>
-          <a:prstGeom prst="rect">
-            <a:avLst/>
-          </a:prstGeom>
-          <a:noFill/>
-          <a:ln>
-            <a:noFill/>
-          </a:ln>
-        </p:spPr>
-      </p:pic>
-      <p:pic>
-        <p:nvPicPr>
-          <p:cNvPr id="7" name="Рисунок 6">
-            <a:extLst>
-              <a:ext uri="{FF2B5EF4-FFF2-40B4-BE49-F238E27FC236}">
-                <a16:creationId xmlns:a16="http://schemas.microsoft.com/office/drawing/2014/main" xmlns="" id="{E3868E63-C375-4C5E-AB80-ECC38D6A76F0}"/>
-              </a:ext>
-            </a:extLst>
-          </p:cNvPr>
-          <p:cNvPicPr/>
-          <p:nvPr/>
-        </p:nvPicPr>
-        <p:blipFill rotWithShape="1">
-          <a:blip r:embed="rId3"/>
-          <a:srcRect b="1943"/>
-          <a:stretch/>
-        </p:blipFill>
-        <p:spPr bwMode="auto">
-          <a:xfrm>
-            <a:off x="2839465" y="3162273"/>
-            <a:ext cx="4320992" cy="3405730"/>
-          </a:xfrm>
-          <a:prstGeom prst="rect">
-            <a:avLst/>
-          </a:prstGeom>
-          <a:ln>
-            <a:noFill/>
-          </a:ln>
-          <a:extLst>
-            <a:ext uri="{53640926-AAD7-44D8-BBD7-CCE9431645EC}">
-              <a14:shadowObscured xmlns:a14="http://schemas.microsoft.com/office/drawing/2010/main"/>
-            </a:ext>
-          </a:extLst>
-        </p:spPr>
-      </p:pic>
-      <p:pic>
-        <p:nvPicPr>
-          <p:cNvPr id="8" name="Рисунок 7">
-            <a:extLst>
-              <a:ext uri="{FF2B5EF4-FFF2-40B4-BE49-F238E27FC236}">
-                <a16:creationId xmlns:a16="http://schemas.microsoft.com/office/drawing/2014/main" xmlns="" id="{0D229461-2917-4B24-869D-3099DA01C523}"/>
-              </a:ext>
-            </a:extLst>
-          </p:cNvPr>
-          <p:cNvPicPr/>
-          <p:nvPr/>
-        </p:nvPicPr>
-        <p:blipFill rotWithShape="1">
-          <a:blip r:embed="rId4">
-            <a:extLst>
-              <a:ext uri="{28A0092B-C50C-407E-A947-70E740481C1C}">
-                <a14:useLocalDpi xmlns:a14="http://schemas.microsoft.com/office/drawing/2010/main" val="0"/>
-              </a:ext>
-            </a:extLst>
-          </a:blip>
-          <a:srcRect l="5609" t="5215" r="7692"/>
-          <a:stretch/>
-        </p:blipFill>
-        <p:spPr bwMode="auto">
-          <a:xfrm>
-            <a:off x="7360353" y="3347046"/>
-            <a:ext cx="4108084" cy="3036184"/>
-          </a:xfrm>
-          <a:prstGeom prst="rect">
-            <a:avLst/>
-          </a:prstGeom>
-          <a:noFill/>
-          <a:ln>
-            <a:noFill/>
-          </a:ln>
-          <a:extLst>
-            <a:ext uri="{53640926-AAD7-44D8-BBD7-CCE9431645EC}">
-              <a14:shadowObscured xmlns:a14="http://schemas.microsoft.com/office/drawing/2010/main"/>
-            </a:ext>
-          </a:extLst>
-        </p:spPr>
-      </p:pic>
-    </p:spTree>
-    <p:extLst>
-      <p:ext uri="{BB962C8B-B14F-4D97-AF65-F5344CB8AC3E}">
-        <p14:creationId xmlns:p14="http://schemas.microsoft.com/office/powerpoint/2010/main" val="3950523227"/>
-      </p:ext>
-    </p:extLst>
-  </p:cSld>
-  <p:clrMapOvr>
-    <a:masterClrMapping/>
-  </p:clrMapOvr>
-</p:sld>
-</file>
-
-<file path=ppt/slides/slide9.xml><?xml version="1.0" encoding="utf-8"?>
-<p:sld xmlns:a="http://schemas.openxmlformats.org/drawingml/2006/main" xmlns:r="http://schemas.openxmlformats.org/officeDocument/2006/relationships" xmlns:p="http://schemas.openxmlformats.org/presentationml/2006/main">
-  <p:cSld>
-    <p:spTree>
-      <p:nvGrpSpPr>
-        <p:cNvPr id="1" name=""/>
-        <p:cNvGrpSpPr/>
-        <p:nvPr/>
-      </p:nvGrpSpPr>
-      <p:grpSpPr>
-        <a:xfrm>
-          <a:off x="0" y="0"/>
-          <a:ext cx="0" cy="0"/>
-          <a:chOff x="0" y="0"/>
-          <a:chExt cx="0" cy="0"/>
-        </a:xfrm>
-      </p:grpSpPr>
-      <p:sp>
-        <p:nvSpPr>
-          <p:cNvPr id="2" name="Номер слайда 1">
-            <a:extLst>
-              <a:ext uri="{FF2B5EF4-FFF2-40B4-BE49-F238E27FC236}">
-                <a16:creationId xmlns:a16="http://schemas.microsoft.com/office/drawing/2014/main" xmlns="" id="{098A9DD5-CDB3-44DC-85B5-713BF751CCEB}"/>
-              </a:ext>
-            </a:extLst>
-          </p:cNvPr>
-          <p:cNvSpPr>
-            <a:spLocks noGrp="1"/>
-          </p:cNvSpPr>
-          <p:nvPr>
-            <p:ph type="sldNum" sz="quarter" idx="10"/>
-          </p:nvPr>
-        </p:nvSpPr>
-        <p:spPr/>
-        <p:txBody>
-          <a:bodyPr/>
-          <a:lstStyle/>
-          <a:p>
-            <a:fld id="{751D432A-D135-4954-8559-2B6A9DE81B6A}" type="slidenum">
-              <a:rPr lang="ru-RU" smtClean="0"/>
-              <a:pPr/>
-              <a:t>9</a:t>
-            </a:fld>
-            <a:endParaRPr lang="ru-RU" dirty="0"/>
-          </a:p>
-        </p:txBody>
-      </p:sp>
-      <p:sp>
-        <p:nvSpPr>
-          <p:cNvPr id="3" name="Заголовок 2">
-            <a:extLst>
-              <a:ext uri="{FF2B5EF4-FFF2-40B4-BE49-F238E27FC236}">
-                <a16:creationId xmlns:a16="http://schemas.microsoft.com/office/drawing/2014/main" xmlns="" id="{FA9EA431-4C1B-4D5C-ADA0-49F9692C9AAA}"/>
-              </a:ext>
-            </a:extLst>
-          </p:cNvPr>
-          <p:cNvSpPr>
-            <a:spLocks noGrp="1"/>
-          </p:cNvSpPr>
-          <p:nvPr>
-            <p:ph type="title"/>
-          </p:nvPr>
-        </p:nvSpPr>
-        <p:spPr/>
-        <p:txBody>
-          <a:bodyPr/>
-          <a:lstStyle/>
-          <a:p>
-            <a:r>
-              <a:rPr lang="ru-RU" dirty="0"/>
-              <a:t>Экспериментальное исследование</a:t>
-            </a:r>
-          </a:p>
-        </p:txBody>
-      </p:sp>
-      <p:pic>
-        <p:nvPicPr>
-          <p:cNvPr id="5" name="Рисунок 4">
-            <a:extLst>
-              <a:ext uri="{FF2B5EF4-FFF2-40B4-BE49-F238E27FC236}">
-                <a16:creationId xmlns:a16="http://schemas.microsoft.com/office/drawing/2014/main" xmlns="" id="{8939ED67-0DCD-4692-9EC0-CB49194CAE31}"/>
-              </a:ext>
-            </a:extLst>
-          </p:cNvPr>
-          <p:cNvPicPr/>
-          <p:nvPr/>
-        </p:nvPicPr>
-        <p:blipFill>
-          <a:blip r:embed="rId2">
-            <a:extLst>
-              <a:ext uri="{28A0092B-C50C-407E-A947-70E740481C1C}">
-                <a14:useLocalDpi xmlns:a14="http://schemas.microsoft.com/office/drawing/2010/main" val="0"/>
-              </a:ext>
-            </a:extLst>
-          </a:blip>
-          <a:srcRect/>
-          <a:stretch>
-            <a:fillRect/>
-          </a:stretch>
-        </p:blipFill>
-        <p:spPr bwMode="auto">
-          <a:xfrm>
-            <a:off x="235476" y="2991085"/>
-            <a:ext cx="1519214" cy="3576918"/>
-          </a:xfrm>
-          <a:prstGeom prst="rect">
-            <a:avLst/>
-          </a:prstGeom>
-          <a:noFill/>
-          <a:ln>
-            <a:noFill/>
-          </a:ln>
-        </p:spPr>
-      </p:pic>
-      <p:pic>
-        <p:nvPicPr>
-          <p:cNvPr id="6" name="Рисунок 5">
-            <a:extLst>
-              <a:ext uri="{FF2B5EF4-FFF2-40B4-BE49-F238E27FC236}">
-                <a16:creationId xmlns:a16="http://schemas.microsoft.com/office/drawing/2014/main" xmlns="" id="{93196775-0702-487D-B08C-6DA591A7E835}"/>
-              </a:ext>
-            </a:extLst>
-          </p:cNvPr>
-          <p:cNvPicPr/>
-          <p:nvPr/>
-        </p:nvPicPr>
-        <p:blipFill>
-          <a:blip r:embed="rId3"/>
-          <a:stretch>
-            <a:fillRect/>
-          </a:stretch>
-        </p:blipFill>
-        <p:spPr>
-          <a:xfrm>
-            <a:off x="2184539" y="3429000"/>
-            <a:ext cx="4619625" cy="3007360"/>
-          </a:xfrm>
-          <a:prstGeom prst="rect">
-            <a:avLst/>
-          </a:prstGeom>
-        </p:spPr>
-      </p:pic>
-      <p:pic>
-        <p:nvPicPr>
-          <p:cNvPr id="7" name="Рисунок 6">
-            <a:extLst>
-              <a:ext uri="{FF2B5EF4-FFF2-40B4-BE49-F238E27FC236}">
-                <a16:creationId xmlns:a16="http://schemas.microsoft.com/office/drawing/2014/main" xmlns="" id="{65348883-E04B-43C4-8EDC-E625F7B63F97}"/>
-              </a:ext>
-            </a:extLst>
-          </p:cNvPr>
-          <p:cNvPicPr/>
-          <p:nvPr/>
-        </p:nvPicPr>
-        <p:blipFill>
-          <a:blip r:embed="rId4">
-            <a:extLst>
-              <a:ext uri="{28A0092B-C50C-407E-A947-70E740481C1C}">
-                <a14:useLocalDpi xmlns:a14="http://schemas.microsoft.com/office/drawing/2010/main" val="0"/>
-              </a:ext>
-            </a:extLst>
-          </a:blip>
-          <a:srcRect/>
-          <a:stretch>
-            <a:fillRect/>
-          </a:stretch>
-        </p:blipFill>
-        <p:spPr bwMode="auto">
-          <a:xfrm>
-            <a:off x="7234014" y="3429000"/>
-            <a:ext cx="4181466" cy="2949388"/>
-          </a:xfrm>
-          <a:prstGeom prst="rect">
-            <a:avLst/>
-          </a:prstGeom>
-          <a:noFill/>
-          <a:ln>
-            <a:noFill/>
-          </a:ln>
-        </p:spPr>
-      </p:pic>
-    </p:spTree>
-    <p:extLst>
-      <p:ext uri="{BB962C8B-B14F-4D97-AF65-F5344CB8AC3E}">
-        <p14:creationId xmlns:p14="http://schemas.microsoft.com/office/powerpoint/2010/main" val="1967664097"/>
-      </p:ext>
-    </p:extLst>
-  </p:cSld>
-  <p:clrMapOvr>
-    <a:masterClrMapping/>
-  </p:clrMapOvr>
+  <p:timing>
+    <p:tnLst>
+      <p:par>
+        <p:cTn id="1" dur="indefinite" restart="never" nodeType="tmRoot"/>
+      </p:par>
+    </p:tnLst>
+  </p:timing>
 </p:sld>
 </file>
 
@@ -10695,7 +12170,7 @@
   <a:extraClrSchemeLst/>
   <a:extLst>
     <a:ext uri="{05A4C25C-085E-4340-85A3-A5531E510DB2}">
-      <thm15:themeFamily xmlns:thm15="http://schemas.microsoft.com/office/thememl/2012/main" xmlns="" name="ШАБЛОН_ИШНКБ_ТПУ_бумага_2022" id="{E92067F9-B219-473D-8CA7-E76BF7CECA97}" vid="{0258512F-E367-4D85-8A7F-92C966D94D9A}"/>
+      <thm15:themeFamily xmlns="" xmlns:thm15="http://schemas.microsoft.com/office/thememl/2012/main" name="ШАБЛОН_ИШНКБ_ТПУ_бумага_2022" id="{E92067F9-B219-473D-8CA7-E76BF7CECA97}" vid="{0258512F-E367-4D85-8A7F-92C966D94D9A}"/>
     </a:ext>
   </a:extLst>
 </a:theme>
@@ -10956,7 +12431,7 @@
   <a:extraClrSchemeLst/>
   <a:extLst>
     <a:ext uri="{05A4C25C-085E-4340-85A3-A5531E510DB2}">
-      <thm15:themeFamily xmlns:thm15="http://schemas.microsoft.com/office/thememl/2012/main" xmlns="" name="Office Theme" id="{62F939B6-93AF-4DB8-9C6B-D6C7DFDC589F}" vid="{4A3C46E8-61CC-4603-A589-7422A47A8E4A}"/>
+      <thm15:themeFamily xmlns="" xmlns:thm15="http://schemas.microsoft.com/office/thememl/2012/main" name="Office Theme" id="{62F939B6-93AF-4DB8-9C6B-D6C7DFDC589F}" vid="{4A3C46E8-61CC-4603-A589-7422A47A8E4A}"/>
     </a:ext>
   </a:extLst>
 </a:theme>
@@ -11217,7 +12692,7 @@
   <a:extraClrSchemeLst/>
   <a:extLst>
     <a:ext uri="{05A4C25C-085E-4340-85A3-A5531E510DB2}">
-      <thm15:themeFamily xmlns:thm15="http://schemas.microsoft.com/office/thememl/2012/main" xmlns="" name="Office Theme" id="{62F939B6-93AF-4DB8-9C6B-D6C7DFDC589F}" vid="{4A3C46E8-61CC-4603-A589-7422A47A8E4A}"/>
+      <thm15:themeFamily xmlns="" xmlns:thm15="http://schemas.microsoft.com/office/thememl/2012/main" name="Office Theme" id="{62F939B6-93AF-4DB8-9C6B-D6C7DFDC589F}" vid="{4A3C46E8-61CC-4603-A589-7422A47A8E4A}"/>
     </a:ext>
   </a:extLst>
 </a:theme>
